--- a/events/2020-04-16/01-URL-notification.pptx
+++ b/events/2020-04-16/01-URL-notification.pptx
@@ -5,7 +5,7 @@
     <p:sldMasterId id="2147483660" r:id="rId1"/>
   </p:sldMasterIdLst>
   <p:notesMasterIdLst>
-    <p:notesMasterId r:id="rId11"/>
+    <p:notesMasterId r:id="rId19"/>
   </p:notesMasterIdLst>
   <p:sldIdLst>
     <p:sldId id="256" r:id="rId2"/>
@@ -15,8 +15,16 @@
     <p:sldId id="365" r:id="rId6"/>
     <p:sldId id="368" r:id="rId7"/>
     <p:sldId id="361" r:id="rId8"/>
-    <p:sldId id="366" r:id="rId9"/>
-    <p:sldId id="367" r:id="rId10"/>
+    <p:sldId id="369" r:id="rId9"/>
+    <p:sldId id="366" r:id="rId10"/>
+    <p:sldId id="367" r:id="rId11"/>
+    <p:sldId id="374" r:id="rId12"/>
+    <p:sldId id="370" r:id="rId13"/>
+    <p:sldId id="375" r:id="rId14"/>
+    <p:sldId id="371" r:id="rId15"/>
+    <p:sldId id="376" r:id="rId16"/>
+    <p:sldId id="372" r:id="rId17"/>
+    <p:sldId id="373" r:id="rId18"/>
   </p:sldIdLst>
   <p:sldSz cx="9144000" cy="6858000" type="screen4x3"/>
   <p:notesSz cx="6858000" cy="9144000"/>
@@ -201,7 +209,7 @@
             <a:fld id="{35305EB0-020F-4995-961E-A35B2BB78D2B}" type="datetimeFigureOut">
               <a:rPr kumimoji="1" lang="ja-JP" altLang="en-US" smtClean="0"/>
               <a:pPr/>
-              <a:t>2020/4/12</a:t>
+              <a:t>2020/4/16</a:t>
             </a:fld>
             <a:endParaRPr kumimoji="1" lang="ja-JP" altLang="en-US"/>
           </a:p>
@@ -52243,7 +52251,7 @@
         </p:spPr>
         <p:txBody>
           <a:bodyPr>
-            <a:normAutofit/>
+            <a:normAutofit fontScale="90000"/>
           </a:bodyPr>
           <a:lstStyle/>
           <a:p>
@@ -52268,7 +52276,28 @@
             </a:br>
             <a:r>
               <a:rPr lang="ja-JP" altLang="en-US" dirty="0" smtClean="0"/>
-              <a:t>（更新）</a:t>
+              <a:t>（更新</a:t>
+            </a:r>
+            <a:r>
+              <a:rPr lang="ja-JP" altLang="en-US" dirty="0" smtClean="0"/>
+              <a:t>）</a:t>
+            </a:r>
+            <a:r>
+              <a:rPr lang="en-US" altLang="ja-JP" dirty="0" smtClean="0"/>
+              <a:t/>
+            </a:r>
+            <a:br>
+              <a:rPr lang="en-US" altLang="ja-JP" dirty="0" smtClean="0"/>
+            </a:br>
+            <a:r>
+              <a:rPr lang="en-US" altLang="ja-JP" dirty="0" smtClean="0"/>
+              <a:t> </a:t>
+            </a:r>
+            <a:r>
+              <a:rPr lang="en-US" altLang="ja-JP" sz="2200" dirty="0" smtClean="0">
+                <a:hlinkClick r:id="rId2"/>
+              </a:rPr>
+              <a:t>https://utelecon.github.io/faculty_members/let_students_know_your_url</a:t>
             </a:r>
             <a:endParaRPr kumimoji="1" lang="ja-JP" altLang="en-US" dirty="0"/>
           </a:p>
@@ -52310,6 +52339,2617 @@
       </p:par>
     </p:tnLst>
   </p:timing>
+</p:sld>
+</file>
+
+<file path=ppt/slides/slide10.xml><?xml version="1.0" encoding="utf-8"?>
+<p:sld xmlns:a="http://schemas.openxmlformats.org/drawingml/2006/main" xmlns:r="http://schemas.openxmlformats.org/officeDocument/2006/relationships" xmlns:p="http://schemas.openxmlformats.org/presentationml/2006/main">
+  <p:cSld>
+    <p:spTree>
+      <p:nvGrpSpPr>
+        <p:cNvPr id="1" name=""/>
+        <p:cNvGrpSpPr/>
+        <p:nvPr/>
+      </p:nvGrpSpPr>
+      <p:grpSpPr>
+        <a:xfrm>
+          <a:off x="0" y="0"/>
+          <a:ext cx="0" cy="0"/>
+          <a:chOff x="0" y="0"/>
+          <a:chExt cx="0" cy="0"/>
+        </a:xfrm>
+      </p:grpSpPr>
+      <p:sp>
+        <p:nvSpPr>
+          <p:cNvPr id="2" name="タイトル 1"/>
+          <p:cNvSpPr>
+            <a:spLocks noGrp="1"/>
+          </p:cNvSpPr>
+          <p:nvPr>
+            <p:ph type="title"/>
+          </p:nvPr>
+        </p:nvSpPr>
+        <p:spPr/>
+        <p:txBody>
+          <a:bodyPr>
+            <a:normAutofit/>
+          </a:bodyPr>
+          <a:lstStyle/>
+          <a:p>
+            <a:r>
+              <a:rPr kumimoji="1" lang="ja-JP" altLang="en-US" dirty="0" smtClean="0"/>
+              <a:t>推奨と対策</a:t>
+            </a:r>
+            <a:endParaRPr kumimoji="1" lang="ja-JP" altLang="en-US" dirty="0"/>
+          </a:p>
+        </p:txBody>
+      </p:sp>
+      <p:sp>
+        <p:nvSpPr>
+          <p:cNvPr id="3" name="コンテンツ プレースホルダ 2"/>
+          <p:cNvSpPr>
+            <a:spLocks noGrp="1"/>
+          </p:cNvSpPr>
+          <p:nvPr>
+            <p:ph idx="1"/>
+          </p:nvPr>
+        </p:nvSpPr>
+        <p:spPr/>
+        <p:txBody>
+          <a:bodyPr/>
+          <a:lstStyle/>
+          <a:p>
+            <a:r>
+              <a:rPr kumimoji="1" lang="ja-JP" altLang="en-US" dirty="0" smtClean="0"/>
+              <a:t>先生へ推奨</a:t>
+            </a:r>
+            <a:r>
+              <a:rPr kumimoji="1" lang="ja-JP" altLang="en-US" dirty="0" smtClean="0"/>
+              <a:t>：</a:t>
+            </a:r>
+            <a:r>
+              <a:rPr kumimoji="1" lang="en-US" altLang="ja-JP" dirty="0" smtClean="0"/>
+              <a:t>ITC-LMS</a:t>
+            </a:r>
+            <a:r>
+              <a:rPr lang="ja-JP" altLang="en-US" dirty="0" smtClean="0"/>
+              <a:t>併用</a:t>
+            </a:r>
+            <a:endParaRPr kumimoji="1" lang="en-US" altLang="ja-JP" dirty="0" smtClean="0"/>
+          </a:p>
+          <a:p>
+            <a:pPr lvl="1"/>
+            <a:r>
+              <a:rPr lang="ja-JP" altLang="en-US" dirty="0" smtClean="0">
+                <a:solidFill>
+                  <a:srgbClr val="00B050"/>
+                </a:solidFill>
+                <a:hlinkClick r:id="rId2"/>
+              </a:rPr>
+              <a:t>「お知らせ」</a:t>
+            </a:r>
+            <a:r>
+              <a:rPr lang="ja-JP" altLang="en-US" dirty="0" smtClean="0"/>
+              <a:t>に記述</a:t>
+            </a:r>
+            <a:endParaRPr lang="en-US" altLang="ja-JP" dirty="0" smtClean="0"/>
+          </a:p>
+          <a:p>
+            <a:pPr lvl="2"/>
+            <a:r>
+              <a:rPr lang="ja-JP" altLang="en-US" dirty="0" smtClean="0"/>
+              <a:t>受講登録した人に決まったタイミング</a:t>
+            </a:r>
+            <a:r>
+              <a:rPr lang="en-US" altLang="ja-JP" dirty="0" smtClean="0"/>
+              <a:t>(e.g., </a:t>
+            </a:r>
+            <a:r>
+              <a:rPr lang="ja-JP" altLang="en-US" dirty="0" smtClean="0"/>
+              <a:t>前日</a:t>
+            </a:r>
+            <a:r>
+              <a:rPr lang="en-US" altLang="ja-JP" dirty="0" smtClean="0"/>
+              <a:t>)</a:t>
+            </a:r>
+            <a:r>
+              <a:rPr lang="ja-JP" altLang="en-US" dirty="0" smtClean="0"/>
+              <a:t>にメールと</a:t>
+            </a:r>
+            <a:r>
+              <a:rPr lang="en-US" altLang="ja-JP" dirty="0" smtClean="0"/>
+              <a:t>LINE</a:t>
+            </a:r>
+            <a:r>
+              <a:rPr lang="ja-JP" altLang="en-US" dirty="0" smtClean="0"/>
+              <a:t>で知らせることができる</a:t>
+            </a:r>
+            <a:endParaRPr lang="en-US" altLang="ja-JP" dirty="0" smtClean="0"/>
+          </a:p>
+          <a:p>
+            <a:pPr lvl="1"/>
+            <a:r>
+              <a:rPr kumimoji="1" lang="ja-JP" altLang="en-US" dirty="0" smtClean="0">
+                <a:solidFill>
+                  <a:srgbClr val="00B050"/>
+                </a:solidFill>
+              </a:rPr>
+              <a:t>「コース概要」</a:t>
+            </a:r>
+            <a:r>
+              <a:rPr kumimoji="1" lang="ja-JP" altLang="en-US" dirty="0" smtClean="0"/>
+              <a:t>に記述</a:t>
+            </a:r>
+            <a:endParaRPr kumimoji="1" lang="en-US" altLang="ja-JP" dirty="0" smtClean="0"/>
+          </a:p>
+          <a:p>
+            <a:pPr lvl="2"/>
+            <a:r>
+              <a:rPr lang="ja-JP" altLang="en-US" dirty="0" smtClean="0"/>
+              <a:t>受講登録なくて</a:t>
+            </a:r>
+            <a:r>
+              <a:rPr lang="ja-JP" altLang="en-US" dirty="0" smtClean="0"/>
+              <a:t>もみられる</a:t>
+            </a:r>
+            <a:endParaRPr lang="en-US" altLang="ja-JP" dirty="0" smtClean="0"/>
+          </a:p>
+          <a:p>
+            <a:r>
+              <a:rPr lang="ja-JP" altLang="en-US" dirty="0" smtClean="0"/>
+              <a:t>学生へお知らせ：軽量なオンライン授業情報検索</a:t>
+            </a:r>
+            <a:r>
+              <a:rPr lang="ja-JP" altLang="en-US" dirty="0" smtClean="0"/>
+              <a:t>システム</a:t>
+            </a:r>
+            <a:r>
+              <a:rPr kumimoji="1" lang="ja-JP" altLang="en-US" dirty="0" smtClean="0"/>
+              <a:t>：</a:t>
+            </a:r>
+            <a:r>
+              <a:rPr kumimoji="1" lang="en-US" altLang="ja-JP" dirty="0" smtClean="0">
+                <a:hlinkClick r:id="rId3"/>
+              </a:rPr>
+              <a:t>UTAS </a:t>
+            </a:r>
+            <a:r>
+              <a:rPr kumimoji="1" lang="en-US" altLang="ja-JP" dirty="0" err="1" smtClean="0">
+                <a:hlinkClick r:id="rId3"/>
+              </a:rPr>
+              <a:t>Lite</a:t>
+            </a:r>
+            <a:endParaRPr kumimoji="1" lang="ja-JP" altLang="en-US" dirty="0"/>
+          </a:p>
+        </p:txBody>
+      </p:sp>
+      <p:sp>
+        <p:nvSpPr>
+          <p:cNvPr id="4" name="日付プレースホルダ 3"/>
+          <p:cNvSpPr>
+            <a:spLocks noGrp="1"/>
+          </p:cNvSpPr>
+          <p:nvPr>
+            <p:ph type="dt" sz="half" idx="10"/>
+          </p:nvPr>
+        </p:nvSpPr>
+        <p:spPr/>
+        <p:txBody>
+          <a:bodyPr/>
+          <a:lstStyle/>
+          <a:p>
+            <a:r>
+              <a:rPr kumimoji="1" lang="en-US" altLang="ja-JP" smtClean="0"/>
+              <a:t>2020/4/16</a:t>
+            </a:r>
+            <a:endParaRPr kumimoji="1" lang="ja-JP" altLang="en-US"/>
+          </a:p>
+        </p:txBody>
+      </p:sp>
+      <p:sp>
+        <p:nvSpPr>
+          <p:cNvPr id="5" name="フッター プレースホルダ 4"/>
+          <p:cNvSpPr>
+            <a:spLocks noGrp="1"/>
+          </p:cNvSpPr>
+          <p:nvPr>
+            <p:ph type="ftr" sz="quarter" idx="11"/>
+          </p:nvPr>
+        </p:nvSpPr>
+        <p:spPr/>
+        <p:txBody>
+          <a:bodyPr/>
+          <a:lstStyle/>
+          <a:p>
+            <a:r>
+              <a:rPr kumimoji="1" lang="en-US" altLang="ja-JP" smtClean="0"/>
+              <a:t>utelecon.github.io</a:t>
+            </a:r>
+            <a:endParaRPr kumimoji="1" lang="ja-JP" altLang="en-US"/>
+          </a:p>
+        </p:txBody>
+      </p:sp>
+      <p:sp>
+        <p:nvSpPr>
+          <p:cNvPr id="6" name="スライド番号プレースホルダ 5"/>
+          <p:cNvSpPr>
+            <a:spLocks noGrp="1"/>
+          </p:cNvSpPr>
+          <p:nvPr>
+            <p:ph type="sldNum" sz="quarter" idx="12"/>
+          </p:nvPr>
+        </p:nvSpPr>
+        <p:spPr/>
+        <p:txBody>
+          <a:bodyPr/>
+          <a:lstStyle/>
+          <a:p>
+            <a:fld id="{EDF77D8D-9987-453A-9A05-EB91CA595C68}" type="slidenum">
+              <a:rPr kumimoji="1" lang="ja-JP" altLang="en-US" smtClean="0"/>
+              <a:pPr/>
+              <a:t>10</a:t>
+            </a:fld>
+            <a:endParaRPr kumimoji="1" lang="ja-JP" altLang="en-US"/>
+          </a:p>
+        </p:txBody>
+      </p:sp>
+    </p:spTree>
+  </p:cSld>
+  <p:clrMapOvr>
+    <a:masterClrMapping/>
+  </p:clrMapOvr>
+</p:sld>
+</file>
+
+<file path=ppt/slides/slide11.xml><?xml version="1.0" encoding="utf-8"?>
+<p:sld xmlns:a="http://schemas.openxmlformats.org/drawingml/2006/main" xmlns:r="http://schemas.openxmlformats.org/officeDocument/2006/relationships" xmlns:p="http://schemas.openxmlformats.org/presentationml/2006/main">
+  <p:cSld>
+    <p:spTree>
+      <p:nvGrpSpPr>
+        <p:cNvPr id="1" name=""/>
+        <p:cNvGrpSpPr/>
+        <p:nvPr/>
+      </p:nvGrpSpPr>
+      <p:grpSpPr>
+        <a:xfrm>
+          <a:off x="0" y="0"/>
+          <a:ext cx="0" cy="0"/>
+          <a:chOff x="0" y="0"/>
+          <a:chExt cx="0" cy="0"/>
+        </a:xfrm>
+      </p:grpSpPr>
+      <p:sp>
+        <p:nvSpPr>
+          <p:cNvPr id="2" name="タイトル 1"/>
+          <p:cNvSpPr>
+            <a:spLocks noGrp="1"/>
+          </p:cNvSpPr>
+          <p:nvPr>
+            <p:ph type="title"/>
+          </p:nvPr>
+        </p:nvSpPr>
+        <p:spPr/>
+        <p:txBody>
+          <a:bodyPr/>
+          <a:lstStyle/>
+          <a:p>
+            <a:r>
+              <a:rPr kumimoji="1" lang="en-US" altLang="ja-JP" dirty="0" smtClean="0"/>
+              <a:t>ITC-LMS</a:t>
+            </a:r>
+            <a:endParaRPr kumimoji="1" lang="ja-JP" altLang="en-US" dirty="0"/>
+          </a:p>
+        </p:txBody>
+      </p:sp>
+      <p:sp>
+        <p:nvSpPr>
+          <p:cNvPr id="3" name="コンテンツ プレースホルダ 2"/>
+          <p:cNvSpPr>
+            <a:spLocks noGrp="1"/>
+          </p:cNvSpPr>
+          <p:nvPr>
+            <p:ph idx="1"/>
+          </p:nvPr>
+        </p:nvSpPr>
+        <p:spPr/>
+        <p:txBody>
+          <a:bodyPr/>
+          <a:lstStyle/>
+          <a:p>
+            <a:endParaRPr kumimoji="1" lang="ja-JP" altLang="en-US"/>
+          </a:p>
+        </p:txBody>
+      </p:sp>
+      <p:sp>
+        <p:nvSpPr>
+          <p:cNvPr id="4" name="日付プレースホルダ 3"/>
+          <p:cNvSpPr>
+            <a:spLocks noGrp="1"/>
+          </p:cNvSpPr>
+          <p:nvPr>
+            <p:ph type="dt" sz="half" idx="10"/>
+          </p:nvPr>
+        </p:nvSpPr>
+        <p:spPr/>
+        <p:txBody>
+          <a:bodyPr/>
+          <a:lstStyle/>
+          <a:p>
+            <a:r>
+              <a:rPr kumimoji="1" lang="en-US" altLang="ja-JP" smtClean="0"/>
+              <a:t>2020/4/16</a:t>
+            </a:r>
+            <a:endParaRPr kumimoji="1" lang="ja-JP" altLang="en-US"/>
+          </a:p>
+        </p:txBody>
+      </p:sp>
+      <p:sp>
+        <p:nvSpPr>
+          <p:cNvPr id="5" name="フッター プレースホルダ 4"/>
+          <p:cNvSpPr>
+            <a:spLocks noGrp="1"/>
+          </p:cNvSpPr>
+          <p:nvPr>
+            <p:ph type="ftr" sz="quarter" idx="11"/>
+          </p:nvPr>
+        </p:nvSpPr>
+        <p:spPr/>
+        <p:txBody>
+          <a:bodyPr/>
+          <a:lstStyle/>
+          <a:p>
+            <a:r>
+              <a:rPr kumimoji="1" lang="en-US" altLang="ja-JP" smtClean="0"/>
+              <a:t>utelecon.github.io</a:t>
+            </a:r>
+            <a:endParaRPr kumimoji="1" lang="ja-JP" altLang="en-US"/>
+          </a:p>
+        </p:txBody>
+      </p:sp>
+      <p:sp>
+        <p:nvSpPr>
+          <p:cNvPr id="6" name="スライド番号プレースホルダ 5"/>
+          <p:cNvSpPr>
+            <a:spLocks noGrp="1"/>
+          </p:cNvSpPr>
+          <p:nvPr>
+            <p:ph type="sldNum" sz="quarter" idx="12"/>
+          </p:nvPr>
+        </p:nvSpPr>
+        <p:spPr/>
+        <p:txBody>
+          <a:bodyPr/>
+          <a:lstStyle/>
+          <a:p>
+            <a:fld id="{EDF77D8D-9987-453A-9A05-EB91CA595C68}" type="slidenum">
+              <a:rPr kumimoji="1" lang="ja-JP" altLang="en-US" smtClean="0"/>
+              <a:pPr/>
+              <a:t>11</a:t>
+            </a:fld>
+            <a:endParaRPr kumimoji="1" lang="ja-JP" altLang="en-US"/>
+          </a:p>
+        </p:txBody>
+      </p:sp>
+    </p:spTree>
+  </p:cSld>
+  <p:clrMapOvr>
+    <a:masterClrMapping/>
+  </p:clrMapOvr>
+</p:sld>
+</file>
+
+<file path=ppt/slides/slide12.xml><?xml version="1.0" encoding="utf-8"?>
+<p:sld xmlns:a="http://schemas.openxmlformats.org/drawingml/2006/main" xmlns:r="http://schemas.openxmlformats.org/officeDocument/2006/relationships" xmlns:p="http://schemas.openxmlformats.org/presentationml/2006/main">
+  <p:cSld>
+    <p:spTree>
+      <p:nvGrpSpPr>
+        <p:cNvPr id="1" name=""/>
+        <p:cNvGrpSpPr/>
+        <p:nvPr/>
+      </p:nvGrpSpPr>
+      <p:grpSpPr>
+        <a:xfrm>
+          <a:off x="0" y="0"/>
+          <a:ext cx="0" cy="0"/>
+          <a:chOff x="0" y="0"/>
+          <a:chExt cx="0" cy="0"/>
+        </a:xfrm>
+      </p:grpSpPr>
+      <p:sp>
+        <p:nvSpPr>
+          <p:cNvPr id="2" name="タイトル 1"/>
+          <p:cNvSpPr>
+            <a:spLocks noGrp="1"/>
+          </p:cNvSpPr>
+          <p:nvPr>
+            <p:ph type="title"/>
+          </p:nvPr>
+        </p:nvSpPr>
+        <p:spPr/>
+        <p:txBody>
+          <a:bodyPr/>
+          <a:lstStyle/>
+          <a:p>
+            <a:r>
+              <a:rPr kumimoji="1" lang="en-US" altLang="ja-JP" dirty="0" smtClean="0"/>
+              <a:t>ITC-LMS</a:t>
+            </a:r>
+            <a:r>
+              <a:rPr kumimoji="1" lang="ja-JP" altLang="en-US" dirty="0" smtClean="0"/>
+              <a:t>「お知らせ」機能</a:t>
+            </a:r>
+            <a:endParaRPr kumimoji="1" lang="ja-JP" altLang="en-US" dirty="0"/>
+          </a:p>
+        </p:txBody>
+      </p:sp>
+      <p:sp>
+        <p:nvSpPr>
+          <p:cNvPr id="3" name="コンテンツ プレースホルダ 2"/>
+          <p:cNvSpPr>
+            <a:spLocks noGrp="1"/>
+          </p:cNvSpPr>
+          <p:nvPr>
+            <p:ph idx="1"/>
+          </p:nvPr>
+        </p:nvSpPr>
+        <p:spPr/>
+        <p:txBody>
+          <a:bodyPr>
+            <a:normAutofit/>
+          </a:bodyPr>
+          <a:lstStyle/>
+          <a:p>
+            <a:r>
+              <a:rPr lang="ja-JP" altLang="en-US" dirty="0" smtClean="0">
+                <a:solidFill>
+                  <a:srgbClr val="00B050"/>
+                </a:solidFill>
+              </a:rPr>
+              <a:t>指定したタイミング</a:t>
+            </a:r>
+            <a:r>
+              <a:rPr lang="ja-JP" altLang="en-US" dirty="0" smtClean="0"/>
+              <a:t>で受講登録済み学生にお知らせ（メール、</a:t>
+            </a:r>
+            <a:r>
+              <a:rPr lang="en-US" altLang="ja-JP" dirty="0" smtClean="0"/>
+              <a:t>LINE</a:t>
+            </a:r>
+            <a:r>
+              <a:rPr lang="ja-JP" altLang="en-US" dirty="0" smtClean="0"/>
+              <a:t>）を発出可能</a:t>
+            </a:r>
+            <a:endParaRPr lang="en-US" altLang="ja-JP" dirty="0" smtClean="0"/>
+          </a:p>
+          <a:p>
+            <a:pPr lvl="1"/>
+            <a:r>
+              <a:rPr lang="ja-JP" altLang="en-US" dirty="0" smtClean="0"/>
+              <a:t>推奨：授業</a:t>
+            </a:r>
+            <a:r>
+              <a:rPr lang="ja-JP" altLang="en-US" dirty="0" smtClean="0">
+                <a:solidFill>
+                  <a:srgbClr val="00B050"/>
+                </a:solidFill>
+              </a:rPr>
+              <a:t>前日夜</a:t>
+            </a:r>
+            <a:r>
+              <a:rPr lang="ja-JP" altLang="en-US" dirty="0" smtClean="0"/>
+              <a:t>（低負荷）</a:t>
+            </a:r>
+            <a:endParaRPr lang="en-US" altLang="ja-JP" dirty="0" smtClean="0"/>
+          </a:p>
+          <a:p>
+            <a:r>
+              <a:rPr lang="ja-JP" altLang="en-US" dirty="0" smtClean="0"/>
+              <a:t>◎</a:t>
+            </a:r>
+            <a:r>
+              <a:rPr lang="ja-JP" altLang="en-US" dirty="0" smtClean="0"/>
+              <a:t>学生は</a:t>
+            </a:r>
+            <a:r>
+              <a:rPr lang="en-US" altLang="ja-JP" dirty="0" smtClean="0"/>
+              <a:t>ITC-LMS</a:t>
+            </a:r>
+            <a:r>
+              <a:rPr lang="ja-JP" altLang="en-US" dirty="0" smtClean="0"/>
+              <a:t>へ</a:t>
+            </a:r>
+            <a:r>
+              <a:rPr lang="ja-JP" altLang="en-US" dirty="0" smtClean="0"/>
+              <a:t>ログイン不要</a:t>
+            </a:r>
+            <a:endParaRPr lang="en-US" altLang="ja-JP" dirty="0" smtClean="0"/>
+          </a:p>
+          <a:p>
+            <a:r>
+              <a:rPr lang="ja-JP" altLang="en-US" dirty="0" smtClean="0"/>
+              <a:t>◎学生はタイムリーにお知らせ受信</a:t>
+            </a:r>
+            <a:endParaRPr lang="en-US" altLang="ja-JP" dirty="0" smtClean="0"/>
+          </a:p>
+          <a:p>
+            <a:pPr lvl="1"/>
+            <a:r>
+              <a:rPr lang="ja-JP" altLang="en-US" dirty="0" smtClean="0"/>
+              <a:t>しつこく</a:t>
+            </a:r>
+            <a:r>
+              <a:rPr lang="ja-JP" altLang="en-US" dirty="0" smtClean="0"/>
+              <a:t>注：前日夜を推奨</a:t>
+            </a:r>
+            <a:endParaRPr lang="en-US" altLang="ja-JP" dirty="0" smtClean="0"/>
+          </a:p>
+          <a:p>
+            <a:r>
+              <a:rPr lang="ja-JP" altLang="en-US" dirty="0" smtClean="0"/>
+              <a:t>△</a:t>
+            </a:r>
+            <a:r>
+              <a:rPr lang="en-US" altLang="ja-JP" dirty="0" smtClean="0"/>
+              <a:t> </a:t>
+            </a:r>
+            <a:r>
+              <a:rPr lang="ja-JP" altLang="en-US" dirty="0" smtClean="0"/>
+              <a:t>受講</a:t>
+            </a:r>
+            <a:r>
+              <a:rPr lang="ja-JP" altLang="en-US" dirty="0" smtClean="0"/>
+              <a:t>登録</a:t>
+            </a:r>
+            <a:r>
+              <a:rPr lang="ja-JP" altLang="en-US" dirty="0" smtClean="0"/>
+              <a:t>のひと手間（</a:t>
+            </a:r>
+            <a:r>
+              <a:rPr lang="en-US" altLang="ja-JP" dirty="0" smtClean="0"/>
+              <a:t>1</a:t>
+            </a:r>
+            <a:r>
+              <a:rPr lang="ja-JP" altLang="en-US" dirty="0" smtClean="0"/>
+              <a:t>クリック）</a:t>
+            </a:r>
+            <a:endParaRPr lang="en-US" altLang="ja-JP" dirty="0" smtClean="0"/>
+          </a:p>
+        </p:txBody>
+      </p:sp>
+      <p:sp>
+        <p:nvSpPr>
+          <p:cNvPr id="4" name="日付プレースホルダ 3"/>
+          <p:cNvSpPr>
+            <a:spLocks noGrp="1"/>
+          </p:cNvSpPr>
+          <p:nvPr>
+            <p:ph type="dt" sz="half" idx="10"/>
+          </p:nvPr>
+        </p:nvSpPr>
+        <p:spPr/>
+        <p:txBody>
+          <a:bodyPr/>
+          <a:lstStyle/>
+          <a:p>
+            <a:r>
+              <a:rPr kumimoji="1" lang="en-US" altLang="ja-JP" smtClean="0"/>
+              <a:t>2020/4/16</a:t>
+            </a:r>
+            <a:endParaRPr kumimoji="1" lang="ja-JP" altLang="en-US"/>
+          </a:p>
+        </p:txBody>
+      </p:sp>
+      <p:sp>
+        <p:nvSpPr>
+          <p:cNvPr id="5" name="フッター プレースホルダ 4"/>
+          <p:cNvSpPr>
+            <a:spLocks noGrp="1"/>
+          </p:cNvSpPr>
+          <p:nvPr>
+            <p:ph type="ftr" sz="quarter" idx="11"/>
+          </p:nvPr>
+        </p:nvSpPr>
+        <p:spPr/>
+        <p:txBody>
+          <a:bodyPr/>
+          <a:lstStyle/>
+          <a:p>
+            <a:r>
+              <a:rPr kumimoji="1" lang="en-US" altLang="ja-JP" smtClean="0"/>
+              <a:t>utelecon.github.io</a:t>
+            </a:r>
+            <a:endParaRPr kumimoji="1" lang="ja-JP" altLang="en-US"/>
+          </a:p>
+        </p:txBody>
+      </p:sp>
+      <p:sp>
+        <p:nvSpPr>
+          <p:cNvPr id="6" name="スライド番号プレースホルダ 5"/>
+          <p:cNvSpPr>
+            <a:spLocks noGrp="1"/>
+          </p:cNvSpPr>
+          <p:nvPr>
+            <p:ph type="sldNum" sz="quarter" idx="12"/>
+          </p:nvPr>
+        </p:nvSpPr>
+        <p:spPr/>
+        <p:txBody>
+          <a:bodyPr/>
+          <a:lstStyle/>
+          <a:p>
+            <a:fld id="{EDF77D8D-9987-453A-9A05-EB91CA595C68}" type="slidenum">
+              <a:rPr kumimoji="1" lang="ja-JP" altLang="en-US" smtClean="0"/>
+              <a:pPr/>
+              <a:t>12</a:t>
+            </a:fld>
+            <a:endParaRPr kumimoji="1" lang="ja-JP" altLang="en-US"/>
+          </a:p>
+        </p:txBody>
+      </p:sp>
+    </p:spTree>
+  </p:cSld>
+  <p:clrMapOvr>
+    <a:masterClrMapping/>
+  </p:clrMapOvr>
+</p:sld>
+</file>
+
+<file path=ppt/slides/slide13.xml><?xml version="1.0" encoding="utf-8"?>
+<p:sld xmlns:a="http://schemas.openxmlformats.org/drawingml/2006/main" xmlns:r="http://schemas.openxmlformats.org/officeDocument/2006/relationships" xmlns:p="http://schemas.openxmlformats.org/presentationml/2006/main">
+  <p:cSld>
+    <p:spTree>
+      <p:nvGrpSpPr>
+        <p:cNvPr id="1" name=""/>
+        <p:cNvGrpSpPr/>
+        <p:nvPr/>
+      </p:nvGrpSpPr>
+      <p:grpSpPr>
+        <a:xfrm>
+          <a:off x="0" y="0"/>
+          <a:ext cx="0" cy="0"/>
+          <a:chOff x="0" y="0"/>
+          <a:chExt cx="0" cy="0"/>
+        </a:xfrm>
+      </p:grpSpPr>
+      <p:sp>
+        <p:nvSpPr>
+          <p:cNvPr id="2" name="タイトル 1"/>
+          <p:cNvSpPr>
+            <a:spLocks noGrp="1"/>
+          </p:cNvSpPr>
+          <p:nvPr>
+            <p:ph type="title"/>
+          </p:nvPr>
+        </p:nvSpPr>
+        <p:spPr/>
+        <p:txBody>
+          <a:bodyPr/>
+          <a:lstStyle/>
+          <a:p>
+            <a:endParaRPr kumimoji="1" lang="ja-JP" altLang="en-US"/>
+          </a:p>
+        </p:txBody>
+      </p:sp>
+      <p:sp>
+        <p:nvSpPr>
+          <p:cNvPr id="3" name="コンテンツ プレースホルダ 2"/>
+          <p:cNvSpPr>
+            <a:spLocks noGrp="1"/>
+          </p:cNvSpPr>
+          <p:nvPr>
+            <p:ph idx="1"/>
+          </p:nvPr>
+        </p:nvSpPr>
+        <p:spPr/>
+        <p:txBody>
+          <a:bodyPr/>
+          <a:lstStyle/>
+          <a:p>
+            <a:endParaRPr kumimoji="1" lang="ja-JP" altLang="en-US"/>
+          </a:p>
+        </p:txBody>
+      </p:sp>
+      <p:sp>
+        <p:nvSpPr>
+          <p:cNvPr id="4" name="日付プレースホルダ 3"/>
+          <p:cNvSpPr>
+            <a:spLocks noGrp="1"/>
+          </p:cNvSpPr>
+          <p:nvPr>
+            <p:ph type="dt" sz="half" idx="10"/>
+          </p:nvPr>
+        </p:nvSpPr>
+        <p:spPr/>
+        <p:txBody>
+          <a:bodyPr/>
+          <a:lstStyle/>
+          <a:p>
+            <a:r>
+              <a:rPr kumimoji="1" lang="en-US" altLang="ja-JP" smtClean="0"/>
+              <a:t>2020/4/16</a:t>
+            </a:r>
+            <a:endParaRPr kumimoji="1" lang="ja-JP" altLang="en-US"/>
+          </a:p>
+        </p:txBody>
+      </p:sp>
+      <p:sp>
+        <p:nvSpPr>
+          <p:cNvPr id="5" name="フッター プレースホルダ 4"/>
+          <p:cNvSpPr>
+            <a:spLocks noGrp="1"/>
+          </p:cNvSpPr>
+          <p:nvPr>
+            <p:ph type="ftr" sz="quarter" idx="11"/>
+          </p:nvPr>
+        </p:nvSpPr>
+        <p:spPr/>
+        <p:txBody>
+          <a:bodyPr/>
+          <a:lstStyle/>
+          <a:p>
+            <a:r>
+              <a:rPr kumimoji="1" lang="en-US" altLang="ja-JP" smtClean="0"/>
+              <a:t>utelecon.github.io</a:t>
+            </a:r>
+            <a:endParaRPr kumimoji="1" lang="ja-JP" altLang="en-US"/>
+          </a:p>
+        </p:txBody>
+      </p:sp>
+      <p:sp>
+        <p:nvSpPr>
+          <p:cNvPr id="6" name="スライド番号プレースホルダ 5"/>
+          <p:cNvSpPr>
+            <a:spLocks noGrp="1"/>
+          </p:cNvSpPr>
+          <p:nvPr>
+            <p:ph type="sldNum" sz="quarter" idx="12"/>
+          </p:nvPr>
+        </p:nvSpPr>
+        <p:spPr/>
+        <p:txBody>
+          <a:bodyPr/>
+          <a:lstStyle/>
+          <a:p>
+            <a:fld id="{EDF77D8D-9987-453A-9A05-EB91CA595C68}" type="slidenum">
+              <a:rPr kumimoji="1" lang="ja-JP" altLang="en-US" smtClean="0"/>
+              <a:pPr/>
+              <a:t>13</a:t>
+            </a:fld>
+            <a:endParaRPr kumimoji="1" lang="ja-JP" altLang="en-US"/>
+          </a:p>
+        </p:txBody>
+      </p:sp>
+    </p:spTree>
+  </p:cSld>
+  <p:clrMapOvr>
+    <a:masterClrMapping/>
+  </p:clrMapOvr>
+</p:sld>
+</file>
+
+<file path=ppt/slides/slide14.xml><?xml version="1.0" encoding="utf-8"?>
+<p:sld xmlns:a="http://schemas.openxmlformats.org/drawingml/2006/main" xmlns:r="http://schemas.openxmlformats.org/officeDocument/2006/relationships" xmlns:p="http://schemas.openxmlformats.org/presentationml/2006/main">
+  <p:cSld>
+    <p:spTree>
+      <p:nvGrpSpPr>
+        <p:cNvPr id="1" name=""/>
+        <p:cNvGrpSpPr/>
+        <p:nvPr/>
+      </p:nvGrpSpPr>
+      <p:grpSpPr>
+        <a:xfrm>
+          <a:off x="0" y="0"/>
+          <a:ext cx="0" cy="0"/>
+          <a:chOff x="0" y="0"/>
+          <a:chExt cx="0" cy="0"/>
+        </a:xfrm>
+      </p:grpSpPr>
+      <p:sp>
+        <p:nvSpPr>
+          <p:cNvPr id="2" name="タイトル 1"/>
+          <p:cNvSpPr>
+            <a:spLocks noGrp="1"/>
+          </p:cNvSpPr>
+          <p:nvPr>
+            <p:ph type="title"/>
+          </p:nvPr>
+        </p:nvSpPr>
+        <p:spPr/>
+        <p:txBody>
+          <a:bodyPr/>
+          <a:lstStyle/>
+          <a:p>
+            <a:r>
+              <a:rPr kumimoji="1" lang="en-US" altLang="ja-JP" dirty="0" smtClean="0"/>
+              <a:t>ITC-LMS</a:t>
+            </a:r>
+            <a:r>
+              <a:rPr kumimoji="1" lang="ja-JP" altLang="en-US" dirty="0" smtClean="0"/>
+              <a:t>「コース概要」欄</a:t>
+            </a:r>
+            <a:endParaRPr kumimoji="1" lang="ja-JP" altLang="en-US" dirty="0"/>
+          </a:p>
+        </p:txBody>
+      </p:sp>
+      <p:sp>
+        <p:nvSpPr>
+          <p:cNvPr id="3" name="コンテンツ プレースホルダ 2"/>
+          <p:cNvSpPr>
+            <a:spLocks noGrp="1"/>
+          </p:cNvSpPr>
+          <p:nvPr>
+            <p:ph idx="1"/>
+          </p:nvPr>
+        </p:nvSpPr>
+        <p:spPr/>
+        <p:txBody>
+          <a:bodyPr>
+            <a:normAutofit lnSpcReduction="10000"/>
+          </a:bodyPr>
+          <a:lstStyle/>
+          <a:p>
+            <a:r>
+              <a:rPr lang="ja-JP" altLang="en-US" dirty="0" smtClean="0"/>
+              <a:t>〇受講登録していない学生でも見られる</a:t>
+            </a:r>
+            <a:endParaRPr lang="en-US" altLang="ja-JP" dirty="0" smtClean="0"/>
+          </a:p>
+          <a:p>
+            <a:r>
+              <a:rPr lang="ja-JP" altLang="en-US" dirty="0" smtClean="0"/>
+              <a:t>〇</a:t>
+            </a:r>
+            <a:r>
+              <a:rPr lang="en-US" altLang="ja-JP" dirty="0" err="1" smtClean="0"/>
+              <a:t>UTokyo</a:t>
+            </a:r>
+            <a:r>
+              <a:rPr lang="en-US" altLang="ja-JP" dirty="0" smtClean="0"/>
+              <a:t> </a:t>
+            </a:r>
+            <a:r>
+              <a:rPr lang="en-US" altLang="ja-JP" dirty="0" smtClean="0"/>
+              <a:t>Account</a:t>
+            </a:r>
+            <a:r>
+              <a:rPr lang="ja-JP" altLang="en-US" dirty="0" smtClean="0"/>
+              <a:t>は必要なので授業</a:t>
+            </a:r>
+            <a:r>
+              <a:rPr lang="en-US" altLang="ja-JP" dirty="0" smtClean="0"/>
+              <a:t>URL</a:t>
+            </a:r>
+            <a:r>
+              <a:rPr lang="ja-JP" altLang="en-US" dirty="0" smtClean="0"/>
+              <a:t>を野</a:t>
+            </a:r>
+            <a:r>
+              <a:rPr lang="ja-JP" altLang="en-US" dirty="0" err="1" smtClean="0"/>
+              <a:t>ざら</a:t>
+            </a:r>
+            <a:r>
+              <a:rPr lang="ja-JP" altLang="en-US" dirty="0" smtClean="0"/>
+              <a:t>しにする危険はない</a:t>
+            </a:r>
+            <a:endParaRPr lang="en-US" altLang="ja-JP" dirty="0" smtClean="0"/>
+          </a:p>
+          <a:p>
+            <a:r>
+              <a:rPr lang="ja-JP" altLang="en-US" dirty="0" smtClean="0"/>
+              <a:t>〇自分の授業へのダイレクトリンク（</a:t>
+            </a:r>
+            <a:r>
+              <a:rPr lang="en-US" altLang="ja-JP" dirty="0" smtClean="0"/>
+              <a:t>URL</a:t>
+            </a:r>
+            <a:r>
+              <a:rPr lang="ja-JP" altLang="en-US" dirty="0" smtClean="0"/>
+              <a:t>）がある</a:t>
+            </a:r>
+            <a:endParaRPr lang="en-US" altLang="ja-JP" dirty="0" smtClean="0"/>
+          </a:p>
+          <a:p>
+            <a:pPr lvl="1"/>
+            <a:r>
+              <a:rPr lang="ja-JP" altLang="en-US" dirty="0" smtClean="0"/>
+              <a:t>学生</a:t>
+            </a:r>
+            <a:r>
+              <a:rPr lang="ja-JP" altLang="en-US" dirty="0" smtClean="0"/>
+              <a:t>を直接自分の授業ページへ誘導できる</a:t>
+            </a:r>
+          </a:p>
+          <a:p>
+            <a:r>
+              <a:rPr lang="ja-JP" altLang="en-US" dirty="0" smtClean="0"/>
+              <a:t>△学生は</a:t>
+            </a:r>
+            <a:r>
+              <a:rPr lang="en-US" altLang="ja-JP" dirty="0" smtClean="0"/>
+              <a:t>ITC-LMS</a:t>
+            </a:r>
+            <a:r>
+              <a:rPr lang="ja-JP" altLang="en-US" dirty="0" smtClean="0"/>
+              <a:t>にログインする必要がある（ログイン不能状態での助けにはならない）</a:t>
+            </a:r>
+            <a:endParaRPr lang="en-US" altLang="ja-JP" dirty="0" smtClean="0"/>
+          </a:p>
+          <a:p>
+            <a:endParaRPr kumimoji="1" lang="ja-JP" altLang="en-US" dirty="0"/>
+          </a:p>
+        </p:txBody>
+      </p:sp>
+      <p:sp>
+        <p:nvSpPr>
+          <p:cNvPr id="4" name="日付プレースホルダ 3"/>
+          <p:cNvSpPr>
+            <a:spLocks noGrp="1"/>
+          </p:cNvSpPr>
+          <p:nvPr>
+            <p:ph type="dt" sz="half" idx="10"/>
+          </p:nvPr>
+        </p:nvSpPr>
+        <p:spPr/>
+        <p:txBody>
+          <a:bodyPr/>
+          <a:lstStyle/>
+          <a:p>
+            <a:r>
+              <a:rPr kumimoji="1" lang="en-US" altLang="ja-JP" smtClean="0"/>
+              <a:t>2020/4/16</a:t>
+            </a:r>
+            <a:endParaRPr kumimoji="1" lang="ja-JP" altLang="en-US"/>
+          </a:p>
+        </p:txBody>
+      </p:sp>
+      <p:sp>
+        <p:nvSpPr>
+          <p:cNvPr id="5" name="フッター プレースホルダ 4"/>
+          <p:cNvSpPr>
+            <a:spLocks noGrp="1"/>
+          </p:cNvSpPr>
+          <p:nvPr>
+            <p:ph type="ftr" sz="quarter" idx="11"/>
+          </p:nvPr>
+        </p:nvSpPr>
+        <p:spPr/>
+        <p:txBody>
+          <a:bodyPr/>
+          <a:lstStyle/>
+          <a:p>
+            <a:r>
+              <a:rPr kumimoji="1" lang="en-US" altLang="ja-JP" smtClean="0"/>
+              <a:t>utelecon.github.io</a:t>
+            </a:r>
+            <a:endParaRPr kumimoji="1" lang="ja-JP" altLang="en-US"/>
+          </a:p>
+        </p:txBody>
+      </p:sp>
+      <p:sp>
+        <p:nvSpPr>
+          <p:cNvPr id="6" name="スライド番号プレースホルダ 5"/>
+          <p:cNvSpPr>
+            <a:spLocks noGrp="1"/>
+          </p:cNvSpPr>
+          <p:nvPr>
+            <p:ph type="sldNum" sz="quarter" idx="12"/>
+          </p:nvPr>
+        </p:nvSpPr>
+        <p:spPr/>
+        <p:txBody>
+          <a:bodyPr/>
+          <a:lstStyle/>
+          <a:p>
+            <a:fld id="{EDF77D8D-9987-453A-9A05-EB91CA595C68}" type="slidenum">
+              <a:rPr kumimoji="1" lang="ja-JP" altLang="en-US" smtClean="0"/>
+              <a:pPr/>
+              <a:t>14</a:t>
+            </a:fld>
+            <a:endParaRPr kumimoji="1" lang="ja-JP" altLang="en-US"/>
+          </a:p>
+        </p:txBody>
+      </p:sp>
+    </p:spTree>
+  </p:cSld>
+  <p:clrMapOvr>
+    <a:masterClrMapping/>
+  </p:clrMapOvr>
+</p:sld>
+</file>
+
+<file path=ppt/slides/slide15.xml><?xml version="1.0" encoding="utf-8"?>
+<p:sld xmlns:a="http://schemas.openxmlformats.org/drawingml/2006/main" xmlns:r="http://schemas.openxmlformats.org/officeDocument/2006/relationships" xmlns:p="http://schemas.openxmlformats.org/presentationml/2006/main">
+  <p:cSld>
+    <p:spTree>
+      <p:nvGrpSpPr>
+        <p:cNvPr id="1" name=""/>
+        <p:cNvGrpSpPr/>
+        <p:nvPr/>
+      </p:nvGrpSpPr>
+      <p:grpSpPr>
+        <a:xfrm>
+          <a:off x="0" y="0"/>
+          <a:ext cx="0" cy="0"/>
+          <a:chOff x="0" y="0"/>
+          <a:chExt cx="0" cy="0"/>
+        </a:xfrm>
+      </p:grpSpPr>
+      <p:sp>
+        <p:nvSpPr>
+          <p:cNvPr id="2" name="タイトル 1"/>
+          <p:cNvSpPr>
+            <a:spLocks noGrp="1"/>
+          </p:cNvSpPr>
+          <p:nvPr>
+            <p:ph type="title"/>
+          </p:nvPr>
+        </p:nvSpPr>
+        <p:spPr/>
+        <p:txBody>
+          <a:bodyPr/>
+          <a:lstStyle/>
+          <a:p>
+            <a:endParaRPr kumimoji="1" lang="ja-JP" altLang="en-US"/>
+          </a:p>
+        </p:txBody>
+      </p:sp>
+      <p:sp>
+        <p:nvSpPr>
+          <p:cNvPr id="3" name="コンテンツ プレースホルダ 2"/>
+          <p:cNvSpPr>
+            <a:spLocks noGrp="1"/>
+          </p:cNvSpPr>
+          <p:nvPr>
+            <p:ph idx="1"/>
+          </p:nvPr>
+        </p:nvSpPr>
+        <p:spPr/>
+        <p:txBody>
+          <a:bodyPr/>
+          <a:lstStyle/>
+          <a:p>
+            <a:endParaRPr kumimoji="1" lang="ja-JP" altLang="en-US"/>
+          </a:p>
+        </p:txBody>
+      </p:sp>
+      <p:sp>
+        <p:nvSpPr>
+          <p:cNvPr id="4" name="日付プレースホルダ 3"/>
+          <p:cNvSpPr>
+            <a:spLocks noGrp="1"/>
+          </p:cNvSpPr>
+          <p:nvPr>
+            <p:ph type="dt" sz="half" idx="10"/>
+          </p:nvPr>
+        </p:nvSpPr>
+        <p:spPr/>
+        <p:txBody>
+          <a:bodyPr/>
+          <a:lstStyle/>
+          <a:p>
+            <a:r>
+              <a:rPr kumimoji="1" lang="en-US" altLang="ja-JP" smtClean="0"/>
+              <a:t>2020/4/16</a:t>
+            </a:r>
+            <a:endParaRPr kumimoji="1" lang="ja-JP" altLang="en-US"/>
+          </a:p>
+        </p:txBody>
+      </p:sp>
+      <p:sp>
+        <p:nvSpPr>
+          <p:cNvPr id="5" name="フッター プレースホルダ 4"/>
+          <p:cNvSpPr>
+            <a:spLocks noGrp="1"/>
+          </p:cNvSpPr>
+          <p:nvPr>
+            <p:ph type="ftr" sz="quarter" idx="11"/>
+          </p:nvPr>
+        </p:nvSpPr>
+        <p:spPr/>
+        <p:txBody>
+          <a:bodyPr/>
+          <a:lstStyle/>
+          <a:p>
+            <a:r>
+              <a:rPr kumimoji="1" lang="en-US" altLang="ja-JP" smtClean="0"/>
+              <a:t>utelecon.github.io</a:t>
+            </a:r>
+            <a:endParaRPr kumimoji="1" lang="ja-JP" altLang="en-US"/>
+          </a:p>
+        </p:txBody>
+      </p:sp>
+      <p:sp>
+        <p:nvSpPr>
+          <p:cNvPr id="6" name="スライド番号プレースホルダ 5"/>
+          <p:cNvSpPr>
+            <a:spLocks noGrp="1"/>
+          </p:cNvSpPr>
+          <p:nvPr>
+            <p:ph type="sldNum" sz="quarter" idx="12"/>
+          </p:nvPr>
+        </p:nvSpPr>
+        <p:spPr/>
+        <p:txBody>
+          <a:bodyPr/>
+          <a:lstStyle/>
+          <a:p>
+            <a:fld id="{EDF77D8D-9987-453A-9A05-EB91CA595C68}" type="slidenum">
+              <a:rPr kumimoji="1" lang="ja-JP" altLang="en-US" smtClean="0"/>
+              <a:pPr/>
+              <a:t>15</a:t>
+            </a:fld>
+            <a:endParaRPr kumimoji="1" lang="ja-JP" altLang="en-US"/>
+          </a:p>
+        </p:txBody>
+      </p:sp>
+    </p:spTree>
+  </p:cSld>
+  <p:clrMapOvr>
+    <a:masterClrMapping/>
+  </p:clrMapOvr>
+</p:sld>
+</file>
+
+<file path=ppt/slides/slide16.xml><?xml version="1.0" encoding="utf-8"?>
+<p:sld xmlns:a="http://schemas.openxmlformats.org/drawingml/2006/main" xmlns:r="http://schemas.openxmlformats.org/officeDocument/2006/relationships" xmlns:p="http://schemas.openxmlformats.org/presentationml/2006/main">
+  <p:cSld>
+    <p:spTree>
+      <p:nvGrpSpPr>
+        <p:cNvPr id="1" name=""/>
+        <p:cNvGrpSpPr/>
+        <p:nvPr/>
+      </p:nvGrpSpPr>
+      <p:grpSpPr>
+        <a:xfrm>
+          <a:off x="0" y="0"/>
+          <a:ext cx="0" cy="0"/>
+          <a:chOff x="0" y="0"/>
+          <a:chExt cx="0" cy="0"/>
+        </a:xfrm>
+      </p:grpSpPr>
+      <p:sp>
+        <p:nvSpPr>
+          <p:cNvPr id="2" name="タイトル 1"/>
+          <p:cNvSpPr>
+            <a:spLocks noGrp="1"/>
+          </p:cNvSpPr>
+          <p:nvPr>
+            <p:ph type="title"/>
+          </p:nvPr>
+        </p:nvSpPr>
+        <p:spPr/>
+        <p:txBody>
+          <a:bodyPr>
+            <a:normAutofit fontScale="90000"/>
+          </a:bodyPr>
+          <a:lstStyle/>
+          <a:p>
+            <a:r>
+              <a:rPr kumimoji="1" lang="en-US" altLang="ja-JP" dirty="0" smtClean="0"/>
+              <a:t>UTAS </a:t>
+            </a:r>
+            <a:r>
+              <a:rPr kumimoji="1" lang="en-US" altLang="ja-JP" dirty="0" err="1" smtClean="0"/>
+              <a:t>Lite</a:t>
+            </a:r>
+            <a:r>
+              <a:rPr kumimoji="1" lang="en-US" altLang="ja-JP" dirty="0" smtClean="0"/>
+              <a:t> :</a:t>
+            </a:r>
+            <a:br>
+              <a:rPr kumimoji="1" lang="en-US" altLang="ja-JP" dirty="0" smtClean="0"/>
+            </a:br>
+            <a:r>
+              <a:rPr lang="ja-JP" altLang="en-US" sz="2700" dirty="0" smtClean="0"/>
+              <a:t>急造</a:t>
+            </a:r>
+            <a:r>
+              <a:rPr kumimoji="1" lang="ja-JP" altLang="en-US" sz="2700" dirty="0" smtClean="0"/>
+              <a:t>の</a:t>
+            </a:r>
+            <a:r>
+              <a:rPr lang="ja-JP" altLang="en-US" sz="2700" dirty="0" smtClean="0"/>
+              <a:t>東京</a:t>
+            </a:r>
+            <a:r>
+              <a:rPr lang="ja-JP" altLang="en-US" sz="2700" dirty="0" smtClean="0"/>
+              <a:t>大学オンライン講義検索システム </a:t>
+            </a:r>
+            <a:endParaRPr kumimoji="1" lang="ja-JP" altLang="en-US" dirty="0"/>
+          </a:p>
+        </p:txBody>
+      </p:sp>
+      <p:sp>
+        <p:nvSpPr>
+          <p:cNvPr id="3" name="コンテンツ プレースホルダ 2"/>
+          <p:cNvSpPr>
+            <a:spLocks noGrp="1"/>
+          </p:cNvSpPr>
+          <p:nvPr>
+            <p:ph idx="1"/>
+          </p:nvPr>
+        </p:nvSpPr>
+        <p:spPr/>
+        <p:txBody>
+          <a:bodyPr>
+            <a:normAutofit fontScale="85000" lnSpcReduction="10000"/>
+          </a:bodyPr>
+          <a:lstStyle/>
+          <a:p>
+            <a:r>
+              <a:rPr lang="en-US" altLang="ja-JP" dirty="0" smtClean="0">
+                <a:hlinkClick r:id="rId2"/>
+              </a:rPr>
+              <a:t>https://utelecon-directory.adm.u-tokyo.ac.jp/utas</a:t>
+            </a:r>
+            <a:r>
+              <a:rPr lang="en-US" altLang="ja-JP" dirty="0" smtClean="0">
+                <a:hlinkClick r:id="rId2"/>
+              </a:rPr>
+              <a:t>/</a:t>
+            </a:r>
+            <a:endParaRPr lang="en-US" altLang="ja-JP" dirty="0" smtClean="0"/>
+          </a:p>
+          <a:p>
+            <a:r>
+              <a:rPr lang="ja-JP" altLang="en-US" dirty="0" smtClean="0"/>
+              <a:t>急ごしらえだが、「</a:t>
+            </a:r>
+            <a:r>
+              <a:rPr lang="ja-JP" altLang="en-US" dirty="0" smtClean="0"/>
+              <a:t>地味に</a:t>
+            </a:r>
+            <a:r>
+              <a:rPr lang="ja-JP" altLang="en-US" dirty="0" smtClean="0"/>
+              <a:t>いい仕事します」</a:t>
+            </a:r>
+            <a:endParaRPr lang="en-US" altLang="ja-JP" dirty="0" smtClean="0"/>
+          </a:p>
+          <a:p>
+            <a:r>
+              <a:rPr lang="en-US" altLang="ja-JP" dirty="0" smtClean="0"/>
+              <a:t>UTAS</a:t>
+            </a:r>
+            <a:r>
+              <a:rPr lang="ja-JP" altLang="en-US" dirty="0" smtClean="0"/>
+              <a:t>の情報を定期的（１時間おき）に抜き出して検索を提供する別窓口</a:t>
+            </a:r>
+            <a:endParaRPr lang="en-US" altLang="ja-JP" dirty="0" smtClean="0"/>
+          </a:p>
+          <a:p>
+            <a:pPr lvl="1"/>
+            <a:r>
+              <a:rPr lang="ja-JP" altLang="en-US" dirty="0" smtClean="0"/>
+              <a:t>教員：これまで通り（</a:t>
+            </a:r>
+            <a:r>
+              <a:rPr lang="en-US" altLang="ja-JP" dirty="0" smtClean="0"/>
+              <a:t>UTAS</a:t>
+            </a:r>
+            <a:r>
+              <a:rPr lang="ja-JP" altLang="en-US" dirty="0" smtClean="0"/>
+              <a:t>の情報を必要なら更新）</a:t>
+            </a:r>
+            <a:endParaRPr lang="en-US" altLang="ja-JP" dirty="0" smtClean="0"/>
+          </a:p>
+          <a:p>
+            <a:pPr lvl="1"/>
+            <a:r>
+              <a:rPr lang="ja-JP" altLang="en-US" dirty="0" smtClean="0"/>
+              <a:t>学生：「</a:t>
+            </a:r>
+            <a:r>
+              <a:rPr lang="en-US" altLang="ja-JP" dirty="0" smtClean="0"/>
+              <a:t>UTAS</a:t>
+            </a:r>
+            <a:r>
+              <a:rPr lang="ja-JP" altLang="en-US" dirty="0" smtClean="0"/>
+              <a:t>重い」ときの逃げ道</a:t>
+            </a:r>
+            <a:endParaRPr lang="en-US" altLang="ja-JP" dirty="0" smtClean="0"/>
+          </a:p>
+          <a:p>
+            <a:pPr lvl="2"/>
+            <a:r>
+              <a:rPr lang="ja-JP" altLang="en-US" dirty="0" smtClean="0"/>
+              <a:t>いや、こちらを普段から使う方が</a:t>
+            </a:r>
+            <a:r>
+              <a:rPr lang="ja-JP" altLang="en-US" dirty="0" err="1" smtClean="0"/>
+              <a:t>〇</a:t>
+            </a:r>
+            <a:endParaRPr lang="en-US" altLang="ja-JP" dirty="0" smtClean="0"/>
+          </a:p>
+          <a:p>
+            <a:pPr lvl="2"/>
+            <a:r>
+              <a:rPr lang="ja-JP" altLang="en-US" dirty="0" smtClean="0"/>
+              <a:t>サインイン</a:t>
+            </a:r>
+            <a:r>
+              <a:rPr lang="ja-JP" altLang="en-US" dirty="0" smtClean="0"/>
+              <a:t>に</a:t>
+            </a:r>
+            <a:r>
+              <a:rPr lang="en-US" altLang="ja-JP" dirty="0" smtClean="0"/>
+              <a:t>ECCS</a:t>
+            </a:r>
+            <a:r>
+              <a:rPr lang="ja-JP" altLang="en-US" dirty="0" smtClean="0"/>
+              <a:t>クラウドメール</a:t>
+            </a:r>
+            <a:r>
+              <a:rPr lang="en-US" altLang="ja-JP" dirty="0" smtClean="0"/>
+              <a:t>(</a:t>
+            </a:r>
+            <a:r>
+              <a:rPr lang="en-US" altLang="ja-JP" dirty="0" smtClean="0">
+                <a:hlinkClick r:id="rId3"/>
+              </a:rPr>
+              <a:t>xxxx@g.ecc.u-tokyo.ac.jp</a:t>
+            </a:r>
+            <a:r>
+              <a:rPr lang="en-US" altLang="ja-JP" dirty="0" smtClean="0"/>
+              <a:t>)</a:t>
+            </a:r>
+            <a:r>
+              <a:rPr lang="ja-JP" altLang="en-US" dirty="0" smtClean="0"/>
+              <a:t>を使います</a:t>
+            </a:r>
+            <a:endParaRPr lang="en-US" altLang="ja-JP" dirty="0" smtClean="0"/>
+          </a:p>
+          <a:p>
+            <a:r>
+              <a:rPr lang="ja-JP" altLang="en-US" sz="2100" dirty="0" smtClean="0"/>
+              <a:t>なぜ</a:t>
+            </a:r>
+            <a:r>
+              <a:rPr lang="en-US" altLang="ja-JP" sz="2100" dirty="0" smtClean="0"/>
+              <a:t>UTAS</a:t>
+            </a:r>
+            <a:r>
+              <a:rPr lang="ja-JP" altLang="en-US" sz="2100" dirty="0" smtClean="0"/>
+              <a:t>がもともとこうなっていなかったんだ</a:t>
+            </a:r>
+            <a:r>
+              <a:rPr lang="en-US" altLang="ja-JP" sz="2100" dirty="0" smtClean="0"/>
+              <a:t>? </a:t>
+            </a:r>
+            <a:r>
+              <a:rPr lang="ja-JP" altLang="en-US" sz="2100" dirty="0" smtClean="0"/>
+              <a:t>なぜまた別のシステムなんだ</a:t>
+            </a:r>
+            <a:r>
+              <a:rPr lang="en-US" altLang="ja-JP" sz="2100" dirty="0" smtClean="0"/>
+              <a:t>? </a:t>
+            </a:r>
+            <a:r>
+              <a:rPr lang="ja-JP" altLang="en-US" sz="2100" dirty="0" smtClean="0"/>
+              <a:t>というのはその通りです</a:t>
+            </a:r>
+            <a:r>
+              <a:rPr lang="en-US" altLang="ja-JP" sz="2100" dirty="0" smtClean="0"/>
+              <a:t>m(_ _)m</a:t>
+            </a:r>
+            <a:r>
+              <a:rPr lang="ja-JP" altLang="en-US" sz="2100" dirty="0" smtClean="0"/>
+              <a:t> 負荷対策のため</a:t>
+            </a:r>
+            <a:r>
+              <a:rPr lang="ja-JP" altLang="en-US" sz="2100" dirty="0" smtClean="0"/>
+              <a:t>の急ごしらえです</a:t>
+            </a:r>
+            <a:endParaRPr lang="en-US" altLang="ja-JP" dirty="0" smtClean="0"/>
+          </a:p>
+          <a:p>
+            <a:endParaRPr lang="en-US" altLang="ja-JP" dirty="0" smtClean="0"/>
+          </a:p>
+          <a:p>
+            <a:endParaRPr kumimoji="1" lang="ja-JP" altLang="en-US" dirty="0"/>
+          </a:p>
+        </p:txBody>
+      </p:sp>
+      <p:sp>
+        <p:nvSpPr>
+          <p:cNvPr id="4" name="日付プレースホルダ 3"/>
+          <p:cNvSpPr>
+            <a:spLocks noGrp="1"/>
+          </p:cNvSpPr>
+          <p:nvPr>
+            <p:ph type="dt" sz="half" idx="10"/>
+          </p:nvPr>
+        </p:nvSpPr>
+        <p:spPr/>
+        <p:txBody>
+          <a:bodyPr/>
+          <a:lstStyle/>
+          <a:p>
+            <a:r>
+              <a:rPr kumimoji="1" lang="en-US" altLang="ja-JP" smtClean="0"/>
+              <a:t>2020/4/16</a:t>
+            </a:r>
+            <a:endParaRPr kumimoji="1" lang="ja-JP" altLang="en-US"/>
+          </a:p>
+        </p:txBody>
+      </p:sp>
+      <p:sp>
+        <p:nvSpPr>
+          <p:cNvPr id="5" name="フッター プレースホルダ 4"/>
+          <p:cNvSpPr>
+            <a:spLocks noGrp="1"/>
+          </p:cNvSpPr>
+          <p:nvPr>
+            <p:ph type="ftr" sz="quarter" idx="11"/>
+          </p:nvPr>
+        </p:nvSpPr>
+        <p:spPr/>
+        <p:txBody>
+          <a:bodyPr/>
+          <a:lstStyle/>
+          <a:p>
+            <a:r>
+              <a:rPr kumimoji="1" lang="en-US" altLang="ja-JP" smtClean="0"/>
+              <a:t>utelecon.github.io</a:t>
+            </a:r>
+            <a:endParaRPr kumimoji="1" lang="ja-JP" altLang="en-US"/>
+          </a:p>
+        </p:txBody>
+      </p:sp>
+      <p:sp>
+        <p:nvSpPr>
+          <p:cNvPr id="6" name="スライド番号プレースホルダ 5"/>
+          <p:cNvSpPr>
+            <a:spLocks noGrp="1"/>
+          </p:cNvSpPr>
+          <p:nvPr>
+            <p:ph type="sldNum" sz="quarter" idx="12"/>
+          </p:nvPr>
+        </p:nvSpPr>
+        <p:spPr/>
+        <p:txBody>
+          <a:bodyPr/>
+          <a:lstStyle/>
+          <a:p>
+            <a:fld id="{EDF77D8D-9987-453A-9A05-EB91CA595C68}" type="slidenum">
+              <a:rPr kumimoji="1" lang="ja-JP" altLang="en-US" smtClean="0"/>
+              <a:pPr/>
+              <a:t>16</a:t>
+            </a:fld>
+            <a:endParaRPr kumimoji="1" lang="ja-JP" altLang="en-US"/>
+          </a:p>
+        </p:txBody>
+      </p:sp>
+    </p:spTree>
+  </p:cSld>
+  <p:clrMapOvr>
+    <a:masterClrMapping/>
+  </p:clrMapOvr>
+</p:sld>
+</file>
+
+<file path=ppt/slides/slide17.xml><?xml version="1.0" encoding="utf-8"?>
+<p:sld xmlns:a="http://schemas.openxmlformats.org/drawingml/2006/main" xmlns:r="http://schemas.openxmlformats.org/officeDocument/2006/relationships" xmlns:p="http://schemas.openxmlformats.org/presentationml/2006/main">
+  <p:cSld>
+    <p:spTree>
+      <p:nvGrpSpPr>
+        <p:cNvPr id="1" name=""/>
+        <p:cNvGrpSpPr/>
+        <p:nvPr/>
+      </p:nvGrpSpPr>
+      <p:grpSpPr>
+        <a:xfrm>
+          <a:off x="0" y="0"/>
+          <a:ext cx="0" cy="0"/>
+          <a:chOff x="0" y="0"/>
+          <a:chExt cx="0" cy="0"/>
+        </a:xfrm>
+      </p:grpSpPr>
+      <p:sp>
+        <p:nvSpPr>
+          <p:cNvPr id="2" name="タイトル 1"/>
+          <p:cNvSpPr>
+            <a:spLocks noGrp="1"/>
+          </p:cNvSpPr>
+          <p:nvPr>
+            <p:ph type="title"/>
+          </p:nvPr>
+        </p:nvSpPr>
+        <p:spPr/>
+        <p:txBody>
+          <a:bodyPr/>
+          <a:lstStyle/>
+          <a:p>
+            <a:r>
+              <a:rPr kumimoji="1" lang="ja-JP" altLang="en-US" dirty="0" smtClean="0"/>
+              <a:t>まとめ</a:t>
+            </a:r>
+            <a:endParaRPr kumimoji="1" lang="ja-JP" altLang="en-US" dirty="0"/>
+          </a:p>
+        </p:txBody>
+      </p:sp>
+      <p:pic>
+        <p:nvPicPr>
+          <p:cNvPr id="29" name="コンテンツ プレースホルダ 28" descr="lms.png"/>
+          <p:cNvPicPr>
+            <a:picLocks noGrp="1" noChangeAspect="1"/>
+          </p:cNvPicPr>
+          <p:nvPr>
+            <p:ph idx="1"/>
+          </p:nvPr>
+        </p:nvPicPr>
+        <p:blipFill>
+          <a:blip r:embed="rId2" cstate="print"/>
+          <a:stretch>
+            <a:fillRect/>
+          </a:stretch>
+        </p:blipFill>
+        <p:spPr>
+          <a:xfrm>
+            <a:off x="3935446" y="4437112"/>
+            <a:ext cx="1860690" cy="1315573"/>
+          </a:xfrm>
+        </p:spPr>
+      </p:pic>
+      <p:sp>
+        <p:nvSpPr>
+          <p:cNvPr id="4" name="日付プレースホルダ 3"/>
+          <p:cNvSpPr>
+            <a:spLocks noGrp="1"/>
+          </p:cNvSpPr>
+          <p:nvPr>
+            <p:ph type="dt" sz="half" idx="10"/>
+          </p:nvPr>
+        </p:nvSpPr>
+        <p:spPr/>
+        <p:txBody>
+          <a:bodyPr/>
+          <a:lstStyle/>
+          <a:p>
+            <a:r>
+              <a:rPr kumimoji="1" lang="en-US" altLang="ja-JP" smtClean="0"/>
+              <a:t>2020/4/16</a:t>
+            </a:r>
+            <a:endParaRPr kumimoji="1" lang="ja-JP" altLang="en-US"/>
+          </a:p>
+        </p:txBody>
+      </p:sp>
+      <p:sp>
+        <p:nvSpPr>
+          <p:cNvPr id="5" name="フッター プレースホルダ 4"/>
+          <p:cNvSpPr>
+            <a:spLocks noGrp="1"/>
+          </p:cNvSpPr>
+          <p:nvPr>
+            <p:ph type="ftr" sz="quarter" idx="11"/>
+          </p:nvPr>
+        </p:nvSpPr>
+        <p:spPr/>
+        <p:txBody>
+          <a:bodyPr/>
+          <a:lstStyle/>
+          <a:p>
+            <a:r>
+              <a:rPr kumimoji="1" lang="en-US" altLang="ja-JP" smtClean="0"/>
+              <a:t>utelecon.github.io</a:t>
+            </a:r>
+            <a:endParaRPr kumimoji="1" lang="ja-JP" altLang="en-US"/>
+          </a:p>
+        </p:txBody>
+      </p:sp>
+      <p:sp>
+        <p:nvSpPr>
+          <p:cNvPr id="6" name="スライド番号プレースホルダ 5"/>
+          <p:cNvSpPr>
+            <a:spLocks noGrp="1"/>
+          </p:cNvSpPr>
+          <p:nvPr>
+            <p:ph type="sldNum" sz="quarter" idx="12"/>
+          </p:nvPr>
+        </p:nvSpPr>
+        <p:spPr/>
+        <p:txBody>
+          <a:bodyPr/>
+          <a:lstStyle/>
+          <a:p>
+            <a:fld id="{EDF77D8D-9987-453A-9A05-EB91CA595C68}" type="slidenum">
+              <a:rPr kumimoji="1" lang="ja-JP" altLang="en-US" smtClean="0"/>
+              <a:pPr/>
+              <a:t>17</a:t>
+            </a:fld>
+            <a:endParaRPr kumimoji="1" lang="ja-JP" altLang="en-US"/>
+          </a:p>
+        </p:txBody>
+      </p:sp>
+      <p:pic>
+        <p:nvPicPr>
+          <p:cNvPr id="10" name="図 9" descr="utas.png"/>
+          <p:cNvPicPr>
+            <a:picLocks noChangeAspect="1"/>
+          </p:cNvPicPr>
+          <p:nvPr/>
+        </p:nvPicPr>
+        <p:blipFill>
+          <a:blip r:embed="rId3" cstate="print"/>
+          <a:stretch>
+            <a:fillRect/>
+          </a:stretch>
+        </p:blipFill>
+        <p:spPr>
+          <a:xfrm>
+            <a:off x="6156176" y="2708920"/>
+            <a:ext cx="2239696" cy="1368152"/>
+          </a:xfrm>
+          <a:prstGeom prst="rect">
+            <a:avLst/>
+          </a:prstGeom>
+        </p:spPr>
+      </p:pic>
+      <p:sp>
+        <p:nvSpPr>
+          <p:cNvPr id="30" name="テキスト ボックス 29"/>
+          <p:cNvSpPr txBox="1"/>
+          <p:nvPr/>
+        </p:nvSpPr>
+        <p:spPr>
+          <a:xfrm>
+            <a:off x="4295486" y="4077072"/>
+            <a:ext cx="1024704" cy="369332"/>
+          </a:xfrm>
+          <a:prstGeom prst="rect">
+            <a:avLst/>
+          </a:prstGeom>
+          <a:noFill/>
+        </p:spPr>
+        <p:txBody>
+          <a:bodyPr wrap="none" rtlCol="0">
+            <a:spAutoFit/>
+          </a:bodyPr>
+          <a:lstStyle/>
+          <a:p>
+            <a:r>
+              <a:rPr kumimoji="1" lang="en-US" altLang="ja-JP" dirty="0" smtClean="0"/>
+              <a:t>ITC-LMS</a:t>
+            </a:r>
+            <a:endParaRPr kumimoji="1" lang="ja-JP" altLang="en-US" dirty="0"/>
+          </a:p>
+        </p:txBody>
+      </p:sp>
+      <p:grpSp>
+        <p:nvGrpSpPr>
+          <p:cNvPr id="49" name="グループ化 48"/>
+          <p:cNvGrpSpPr/>
+          <p:nvPr/>
+        </p:nvGrpSpPr>
+        <p:grpSpPr>
+          <a:xfrm>
+            <a:off x="3851920" y="1331476"/>
+            <a:ext cx="1800200" cy="1738831"/>
+            <a:chOff x="3851920" y="1331476"/>
+            <a:chExt cx="1800200" cy="1738831"/>
+          </a:xfrm>
+        </p:grpSpPr>
+        <p:pic>
+          <p:nvPicPr>
+            <p:cNvPr id="31" name="図 30" descr="utas-lite.png"/>
+            <p:cNvPicPr>
+              <a:picLocks noChangeAspect="1"/>
+            </p:cNvPicPr>
+            <p:nvPr/>
+          </p:nvPicPr>
+          <p:blipFill>
+            <a:blip r:embed="rId4" cstate="print"/>
+            <a:stretch>
+              <a:fillRect/>
+            </a:stretch>
+          </p:blipFill>
+          <p:spPr>
+            <a:xfrm>
+              <a:off x="3851920" y="1628800"/>
+              <a:ext cx="1800200" cy="1441507"/>
+            </a:xfrm>
+            <a:prstGeom prst="rect">
+              <a:avLst/>
+            </a:prstGeom>
+          </p:spPr>
+        </p:pic>
+        <p:sp>
+          <p:nvSpPr>
+            <p:cNvPr id="32" name="テキスト ボックス 31"/>
+            <p:cNvSpPr txBox="1"/>
+            <p:nvPr/>
+          </p:nvSpPr>
+          <p:spPr>
+            <a:xfrm>
+              <a:off x="4139952" y="1331476"/>
+              <a:ext cx="1133965" cy="369332"/>
+            </a:xfrm>
+            <a:prstGeom prst="rect">
+              <a:avLst/>
+            </a:prstGeom>
+            <a:noFill/>
+          </p:spPr>
+          <p:txBody>
+            <a:bodyPr wrap="none" rtlCol="0">
+              <a:spAutoFit/>
+            </a:bodyPr>
+            <a:lstStyle/>
+            <a:p>
+              <a:r>
+                <a:rPr kumimoji="1" lang="en-US" altLang="ja-JP" dirty="0" smtClean="0"/>
+                <a:t>UTAS </a:t>
+              </a:r>
+              <a:r>
+                <a:rPr kumimoji="1" lang="en-US" altLang="ja-JP" dirty="0" err="1" smtClean="0"/>
+                <a:t>Lite</a:t>
+              </a:r>
+              <a:endParaRPr kumimoji="1" lang="ja-JP" altLang="en-US" dirty="0"/>
+            </a:p>
+          </p:txBody>
+        </p:sp>
+      </p:grpSp>
+      <p:sp>
+        <p:nvSpPr>
+          <p:cNvPr id="33" name="正方形/長方形 32"/>
+          <p:cNvSpPr/>
+          <p:nvPr/>
+        </p:nvSpPr>
+        <p:spPr>
+          <a:xfrm>
+            <a:off x="2123728" y="4941168"/>
+            <a:ext cx="1800200" cy="360040"/>
+          </a:xfrm>
+          <a:prstGeom prst="rect">
+            <a:avLst/>
+          </a:prstGeom>
+          <a:solidFill>
+            <a:schemeClr val="bg1"/>
+          </a:solidFill>
+        </p:spPr>
+        <p:style>
+          <a:lnRef idx="2">
+            <a:schemeClr val="accent1">
+              <a:shade val="50000"/>
+            </a:schemeClr>
+          </a:lnRef>
+          <a:fillRef idx="1">
+            <a:schemeClr val="accent1"/>
+          </a:fillRef>
+          <a:effectRef idx="0">
+            <a:schemeClr val="accent1"/>
+          </a:effectRef>
+          <a:fontRef idx="minor">
+            <a:schemeClr val="lt1"/>
+          </a:fontRef>
+        </p:style>
+        <p:txBody>
+          <a:bodyPr rtlCol="0" anchor="ctr"/>
+          <a:lstStyle/>
+          <a:p>
+            <a:pPr algn="ctr"/>
+            <a:r>
+              <a:rPr kumimoji="1" lang="ja-JP" altLang="en-US" dirty="0" smtClean="0">
+                <a:solidFill>
+                  <a:schemeClr val="tx1"/>
+                </a:solidFill>
+              </a:rPr>
+              <a:t>メールお知らせ</a:t>
+            </a:r>
+            <a:endParaRPr kumimoji="1" lang="ja-JP" altLang="en-US" dirty="0">
+              <a:solidFill>
+                <a:schemeClr val="tx1"/>
+              </a:solidFill>
+            </a:endParaRPr>
+          </a:p>
+        </p:txBody>
+      </p:sp>
+      <p:sp>
+        <p:nvSpPr>
+          <p:cNvPr id="35" name="正方形/長方形 34"/>
+          <p:cNvSpPr/>
+          <p:nvPr/>
+        </p:nvSpPr>
+        <p:spPr>
+          <a:xfrm>
+            <a:off x="2123728" y="5445224"/>
+            <a:ext cx="1800200" cy="360040"/>
+          </a:xfrm>
+          <a:prstGeom prst="rect">
+            <a:avLst/>
+          </a:prstGeom>
+          <a:solidFill>
+            <a:schemeClr val="bg1"/>
+          </a:solidFill>
+        </p:spPr>
+        <p:style>
+          <a:lnRef idx="2">
+            <a:schemeClr val="accent1">
+              <a:shade val="50000"/>
+            </a:schemeClr>
+          </a:lnRef>
+          <a:fillRef idx="1">
+            <a:schemeClr val="accent1"/>
+          </a:fillRef>
+          <a:effectRef idx="0">
+            <a:schemeClr val="accent1"/>
+          </a:effectRef>
+          <a:fontRef idx="minor">
+            <a:schemeClr val="lt1"/>
+          </a:fontRef>
+        </p:style>
+        <p:txBody>
+          <a:bodyPr rtlCol="0" anchor="ctr"/>
+          <a:lstStyle/>
+          <a:p>
+            <a:pPr algn="ctr"/>
+            <a:r>
+              <a:rPr lang="en-US" altLang="ja-JP" dirty="0" smtClean="0">
+                <a:solidFill>
+                  <a:schemeClr val="tx1"/>
+                </a:solidFill>
+              </a:rPr>
+              <a:t>LINE</a:t>
+            </a:r>
+            <a:r>
+              <a:rPr kumimoji="1" lang="ja-JP" altLang="en-US" dirty="0" smtClean="0">
+                <a:solidFill>
+                  <a:schemeClr val="tx1"/>
+                </a:solidFill>
+              </a:rPr>
+              <a:t>お知らせ</a:t>
+            </a:r>
+            <a:endParaRPr kumimoji="1" lang="ja-JP" altLang="en-US" dirty="0">
+              <a:solidFill>
+                <a:schemeClr val="tx1"/>
+              </a:solidFill>
+            </a:endParaRPr>
+          </a:p>
+        </p:txBody>
+      </p:sp>
+      <p:cxnSp>
+        <p:nvCxnSpPr>
+          <p:cNvPr id="37" name="直線コネクタ 36"/>
+          <p:cNvCxnSpPr>
+            <a:stCxn id="31" idx="3"/>
+            <a:endCxn id="10" idx="0"/>
+          </p:cNvCxnSpPr>
+          <p:nvPr/>
+        </p:nvCxnSpPr>
+        <p:spPr>
+          <a:xfrm>
+            <a:off x="5652120" y="2349554"/>
+            <a:ext cx="1623904" cy="359366"/>
+          </a:xfrm>
+          <a:prstGeom prst="line">
+            <a:avLst/>
+          </a:prstGeom>
+          <a:ln w="38100">
+            <a:prstDash val="dash"/>
+          </a:ln>
+        </p:spPr>
+        <p:style>
+          <a:lnRef idx="1">
+            <a:schemeClr val="accent1"/>
+          </a:lnRef>
+          <a:fillRef idx="0">
+            <a:schemeClr val="accent1"/>
+          </a:fillRef>
+          <a:effectRef idx="0">
+            <a:schemeClr val="accent1"/>
+          </a:effectRef>
+          <a:fontRef idx="minor">
+            <a:schemeClr val="tx1"/>
+          </a:fontRef>
+        </p:style>
+      </p:cxnSp>
+      <p:grpSp>
+        <p:nvGrpSpPr>
+          <p:cNvPr id="43" name="グループ化 42"/>
+          <p:cNvGrpSpPr/>
+          <p:nvPr/>
+        </p:nvGrpSpPr>
+        <p:grpSpPr>
+          <a:xfrm>
+            <a:off x="323528" y="2564904"/>
+            <a:ext cx="1353431" cy="936104"/>
+            <a:chOff x="1187624" y="2276872"/>
+            <a:chExt cx="1967835" cy="1361058"/>
+          </a:xfrm>
+        </p:grpSpPr>
+        <p:pic>
+          <p:nvPicPr>
+            <p:cNvPr id="44" name="図 43" descr="house_danmen_1kai.png"/>
+            <p:cNvPicPr>
+              <a:picLocks noChangeAspect="1"/>
+            </p:cNvPicPr>
+            <p:nvPr/>
+          </p:nvPicPr>
+          <p:blipFill>
+            <a:blip r:embed="rId5" cstate="print"/>
+            <a:stretch>
+              <a:fillRect/>
+            </a:stretch>
+          </p:blipFill>
+          <p:spPr>
+            <a:xfrm>
+              <a:off x="1187624" y="2276872"/>
+              <a:ext cx="1967835" cy="1361058"/>
+            </a:xfrm>
+            <a:prstGeom prst="rect">
+              <a:avLst/>
+            </a:prstGeom>
+          </p:spPr>
+        </p:pic>
+        <p:pic>
+          <p:nvPicPr>
+            <p:cNvPr id="45" name="図 44" descr="character_girl_normal.png"/>
+            <p:cNvPicPr>
+              <a:picLocks noChangeAspect="1"/>
+            </p:cNvPicPr>
+            <p:nvPr/>
+          </p:nvPicPr>
+          <p:blipFill>
+            <a:blip r:embed="rId6" cstate="print"/>
+            <a:stretch>
+              <a:fillRect/>
+            </a:stretch>
+          </p:blipFill>
+          <p:spPr>
+            <a:xfrm>
+              <a:off x="1611189" y="2773834"/>
+              <a:ext cx="519834" cy="708050"/>
+            </a:xfrm>
+            <a:prstGeom prst="rect">
+              <a:avLst/>
+            </a:prstGeom>
+          </p:spPr>
+        </p:pic>
+      </p:grpSp>
+      <p:cxnSp>
+        <p:nvCxnSpPr>
+          <p:cNvPr id="47" name="直線矢印コネクタ 46"/>
+          <p:cNvCxnSpPr>
+            <a:stCxn id="10" idx="2"/>
+          </p:cNvCxnSpPr>
+          <p:nvPr/>
+        </p:nvCxnSpPr>
+        <p:spPr>
+          <a:xfrm flipH="1">
+            <a:off x="4860032" y="4077072"/>
+            <a:ext cx="2415992" cy="936104"/>
+          </a:xfrm>
+          <a:prstGeom prst="straightConnector1">
+            <a:avLst/>
+          </a:prstGeom>
+          <a:ln w="38100">
+            <a:tailEnd type="arrow"/>
+          </a:ln>
+        </p:spPr>
+        <p:style>
+          <a:lnRef idx="1">
+            <a:schemeClr val="accent1"/>
+          </a:lnRef>
+          <a:fillRef idx="0">
+            <a:schemeClr val="accent1"/>
+          </a:fillRef>
+          <a:effectRef idx="0">
+            <a:schemeClr val="accent1"/>
+          </a:effectRef>
+          <a:fontRef idx="minor">
+            <a:schemeClr val="tx1"/>
+          </a:fontRef>
+        </p:style>
+      </p:cxnSp>
+      <p:sp>
+        <p:nvSpPr>
+          <p:cNvPr id="52" name="テキスト ボックス 51"/>
+          <p:cNvSpPr txBox="1"/>
+          <p:nvPr/>
+        </p:nvSpPr>
+        <p:spPr>
+          <a:xfrm rot="20369698">
+            <a:off x="5417054" y="4454237"/>
+            <a:ext cx="2646878" cy="338554"/>
+          </a:xfrm>
+          <a:prstGeom prst="rect">
+            <a:avLst/>
+          </a:prstGeom>
+          <a:noFill/>
+        </p:spPr>
+        <p:txBody>
+          <a:bodyPr wrap="none" rtlCol="0">
+            <a:spAutoFit/>
+          </a:bodyPr>
+          <a:lstStyle/>
+          <a:p>
+            <a:r>
+              <a:rPr kumimoji="1" lang="ja-JP" altLang="en-US" sz="1600" dirty="0" smtClean="0"/>
+              <a:t>授業へのダイレクトリンク</a:t>
+            </a:r>
+            <a:endParaRPr kumimoji="1" lang="ja-JP" altLang="en-US" sz="1600" dirty="0"/>
+          </a:p>
+        </p:txBody>
+      </p:sp>
+      <p:sp>
+        <p:nvSpPr>
+          <p:cNvPr id="53" name="テキスト ボックス 52"/>
+          <p:cNvSpPr txBox="1"/>
+          <p:nvPr/>
+        </p:nvSpPr>
+        <p:spPr>
+          <a:xfrm rot="740746">
+            <a:off x="5735518" y="2142244"/>
+            <a:ext cx="2145139" cy="338554"/>
+          </a:xfrm>
+          <a:prstGeom prst="rect">
+            <a:avLst/>
+          </a:prstGeom>
+          <a:noFill/>
+        </p:spPr>
+        <p:txBody>
+          <a:bodyPr wrap="none" rtlCol="0">
+            <a:spAutoFit/>
+          </a:bodyPr>
+          <a:lstStyle/>
+          <a:p>
+            <a:r>
+              <a:rPr kumimoji="1" lang="en-US" altLang="ja-JP" sz="1600" dirty="0" smtClean="0"/>
+              <a:t>1</a:t>
+            </a:r>
+            <a:r>
+              <a:rPr kumimoji="1" lang="ja-JP" altLang="en-US" sz="1600" dirty="0" smtClean="0"/>
+              <a:t>時間おきに更新反映</a:t>
+            </a:r>
+            <a:endParaRPr kumimoji="1" lang="ja-JP" altLang="en-US" sz="1600" dirty="0"/>
+          </a:p>
+        </p:txBody>
+      </p:sp>
+      <p:sp>
+        <p:nvSpPr>
+          <p:cNvPr id="54" name="フリーフォーム 53"/>
+          <p:cNvSpPr/>
+          <p:nvPr/>
+        </p:nvSpPr>
+        <p:spPr>
+          <a:xfrm>
+            <a:off x="1130300" y="3467100"/>
+            <a:ext cx="1130300" cy="1460500"/>
+          </a:xfrm>
+          <a:custGeom>
+            <a:avLst/>
+            <a:gdLst>
+              <a:gd name="connsiteX0" fmla="*/ 1130300 w 1130300"/>
+              <a:gd name="connsiteY0" fmla="*/ 1460500 h 1460500"/>
+              <a:gd name="connsiteX1" fmla="*/ 762000 w 1130300"/>
+              <a:gd name="connsiteY1" fmla="*/ 558800 h 1460500"/>
+              <a:gd name="connsiteX2" fmla="*/ 0 w 1130300"/>
+              <a:gd name="connsiteY2" fmla="*/ 0 h 1460500"/>
+              <a:gd name="connsiteX0" fmla="*/ 1130300 w 1130300"/>
+              <a:gd name="connsiteY0" fmla="*/ 1460500 h 1460500"/>
+              <a:gd name="connsiteX1" fmla="*/ 777404 w 1130300"/>
+              <a:gd name="connsiteY1" fmla="*/ 537964 h 1460500"/>
+              <a:gd name="connsiteX2" fmla="*/ 0 w 1130300"/>
+              <a:gd name="connsiteY2" fmla="*/ 0 h 1460500"/>
+              <a:gd name="connsiteX0" fmla="*/ 1130300 w 1130300"/>
+              <a:gd name="connsiteY0" fmla="*/ 1460500 h 1460500"/>
+              <a:gd name="connsiteX1" fmla="*/ 777404 w 1130300"/>
+              <a:gd name="connsiteY1" fmla="*/ 537964 h 1460500"/>
+              <a:gd name="connsiteX2" fmla="*/ 0 w 1130300"/>
+              <a:gd name="connsiteY2" fmla="*/ 0 h 1460500"/>
+              <a:gd name="connsiteX0" fmla="*/ 1130300 w 1130300"/>
+              <a:gd name="connsiteY0" fmla="*/ 1460500 h 1460500"/>
+              <a:gd name="connsiteX1" fmla="*/ 777404 w 1130300"/>
+              <a:gd name="connsiteY1" fmla="*/ 537964 h 1460500"/>
+              <a:gd name="connsiteX2" fmla="*/ 0 w 1130300"/>
+              <a:gd name="connsiteY2" fmla="*/ 0 h 1460500"/>
+              <a:gd name="connsiteX0" fmla="*/ 1130300 w 1130300"/>
+              <a:gd name="connsiteY0" fmla="*/ 1460500 h 1460500"/>
+              <a:gd name="connsiteX1" fmla="*/ 777404 w 1130300"/>
+              <a:gd name="connsiteY1" fmla="*/ 537964 h 1460500"/>
+              <a:gd name="connsiteX2" fmla="*/ 0 w 1130300"/>
+              <a:gd name="connsiteY2" fmla="*/ 0 h 1460500"/>
+              <a:gd name="connsiteX0" fmla="*/ 1130300 w 1130300"/>
+              <a:gd name="connsiteY0" fmla="*/ 1460500 h 1460500"/>
+              <a:gd name="connsiteX1" fmla="*/ 705396 w 1130300"/>
+              <a:gd name="connsiteY1" fmla="*/ 681980 h 1460500"/>
+              <a:gd name="connsiteX2" fmla="*/ 0 w 1130300"/>
+              <a:gd name="connsiteY2" fmla="*/ 0 h 1460500"/>
+              <a:gd name="connsiteX0" fmla="*/ 1130300 w 1130300"/>
+              <a:gd name="connsiteY0" fmla="*/ 1460500 h 1460500"/>
+              <a:gd name="connsiteX1" fmla="*/ 0 w 1130300"/>
+              <a:gd name="connsiteY1" fmla="*/ 0 h 1460500"/>
+            </a:gdLst>
+            <a:ahLst/>
+            <a:cxnLst>
+              <a:cxn ang="0">
+                <a:pos x="connsiteX0" y="connsiteY0"/>
+              </a:cxn>
+              <a:cxn ang="0">
+                <a:pos x="connsiteX1" y="connsiteY1"/>
+              </a:cxn>
+            </a:cxnLst>
+            <a:rect l="l" t="t" r="r" b="b"/>
+            <a:pathLst>
+              <a:path w="1130300" h="1460500">
+                <a:moveTo>
+                  <a:pt x="1130300" y="1460500"/>
+                </a:moveTo>
+                <a:lnTo>
+                  <a:pt x="0" y="0"/>
+                </a:lnTo>
+              </a:path>
+            </a:pathLst>
+          </a:custGeom>
+          <a:ln w="38100">
+            <a:solidFill>
+              <a:srgbClr val="00B050"/>
+            </a:solidFill>
+            <a:tailEnd type="stealth"/>
+          </a:ln>
+        </p:spPr>
+        <p:style>
+          <a:lnRef idx="1">
+            <a:schemeClr val="accent1"/>
+          </a:lnRef>
+          <a:fillRef idx="0">
+            <a:schemeClr val="accent1"/>
+          </a:fillRef>
+          <a:effectRef idx="0">
+            <a:schemeClr val="accent1"/>
+          </a:effectRef>
+          <a:fontRef idx="minor">
+            <a:schemeClr val="tx1"/>
+          </a:fontRef>
+        </p:style>
+        <p:txBody>
+          <a:bodyPr rtlCol="0" anchor="ctr"/>
+          <a:lstStyle/>
+          <a:p>
+            <a:pPr algn="ctr"/>
+            <a:endParaRPr kumimoji="1" lang="ja-JP" altLang="en-US"/>
+          </a:p>
+        </p:txBody>
+      </p:sp>
+      <p:sp>
+        <p:nvSpPr>
+          <p:cNvPr id="55" name="フリーフォーム 54"/>
+          <p:cNvSpPr/>
+          <p:nvPr/>
+        </p:nvSpPr>
+        <p:spPr>
+          <a:xfrm>
+            <a:off x="971600" y="3429000"/>
+            <a:ext cx="1130299" cy="2180580"/>
+          </a:xfrm>
+          <a:custGeom>
+            <a:avLst/>
+            <a:gdLst>
+              <a:gd name="connsiteX0" fmla="*/ 1130300 w 1130300"/>
+              <a:gd name="connsiteY0" fmla="*/ 1460500 h 1460500"/>
+              <a:gd name="connsiteX1" fmla="*/ 762000 w 1130300"/>
+              <a:gd name="connsiteY1" fmla="*/ 558800 h 1460500"/>
+              <a:gd name="connsiteX2" fmla="*/ 0 w 1130300"/>
+              <a:gd name="connsiteY2" fmla="*/ 0 h 1460500"/>
+              <a:gd name="connsiteX0" fmla="*/ 1130300 w 1130300"/>
+              <a:gd name="connsiteY0" fmla="*/ 1460500 h 1460500"/>
+              <a:gd name="connsiteX1" fmla="*/ 777404 w 1130300"/>
+              <a:gd name="connsiteY1" fmla="*/ 537964 h 1460500"/>
+              <a:gd name="connsiteX2" fmla="*/ 0 w 1130300"/>
+              <a:gd name="connsiteY2" fmla="*/ 0 h 1460500"/>
+              <a:gd name="connsiteX0" fmla="*/ 1130300 w 1130300"/>
+              <a:gd name="connsiteY0" fmla="*/ 1460500 h 1460500"/>
+              <a:gd name="connsiteX1" fmla="*/ 777404 w 1130300"/>
+              <a:gd name="connsiteY1" fmla="*/ 537964 h 1460500"/>
+              <a:gd name="connsiteX2" fmla="*/ 0 w 1130300"/>
+              <a:gd name="connsiteY2" fmla="*/ 0 h 1460500"/>
+              <a:gd name="connsiteX0" fmla="*/ 1174667 w 1174667"/>
+              <a:gd name="connsiteY0" fmla="*/ 1460500 h 1460500"/>
+              <a:gd name="connsiteX1" fmla="*/ 188383 w 1174667"/>
+              <a:gd name="connsiteY1" fmla="*/ 1008112 h 1460500"/>
+              <a:gd name="connsiteX2" fmla="*/ 44367 w 1174667"/>
+              <a:gd name="connsiteY2" fmla="*/ 0 h 1460500"/>
+              <a:gd name="connsiteX0" fmla="*/ 1190997 w 1190997"/>
+              <a:gd name="connsiteY0" fmla="*/ 1460500 h 1460500"/>
+              <a:gd name="connsiteX1" fmla="*/ 204713 w 1190997"/>
+              <a:gd name="connsiteY1" fmla="*/ 1008112 h 1460500"/>
+              <a:gd name="connsiteX2" fmla="*/ 60697 w 1190997"/>
+              <a:gd name="connsiteY2" fmla="*/ 0 h 1460500"/>
+              <a:gd name="connsiteX0" fmla="*/ 1190996 w 1190996"/>
+              <a:gd name="connsiteY0" fmla="*/ 2180580 h 2180580"/>
+              <a:gd name="connsiteX1" fmla="*/ 204712 w 1190996"/>
+              <a:gd name="connsiteY1" fmla="*/ 1728192 h 2180580"/>
+              <a:gd name="connsiteX2" fmla="*/ 60697 w 1190996"/>
+              <a:gd name="connsiteY2" fmla="*/ 0 h 2180580"/>
+              <a:gd name="connsiteX0" fmla="*/ 1190996 w 1190996"/>
+              <a:gd name="connsiteY0" fmla="*/ 2180580 h 2180580"/>
+              <a:gd name="connsiteX1" fmla="*/ 204712 w 1190996"/>
+              <a:gd name="connsiteY1" fmla="*/ 1728192 h 2180580"/>
+              <a:gd name="connsiteX2" fmla="*/ 60697 w 1190996"/>
+              <a:gd name="connsiteY2" fmla="*/ 0 h 2180580"/>
+              <a:gd name="connsiteX0" fmla="*/ 1318683 w 1318683"/>
+              <a:gd name="connsiteY0" fmla="*/ 2180580 h 2180580"/>
+              <a:gd name="connsiteX1" fmla="*/ 188383 w 1318683"/>
+              <a:gd name="connsiteY1" fmla="*/ 1296144 h 2180580"/>
+              <a:gd name="connsiteX2" fmla="*/ 188384 w 1318683"/>
+              <a:gd name="connsiteY2" fmla="*/ 0 h 2180580"/>
+              <a:gd name="connsiteX0" fmla="*/ 1130299 w 1130299"/>
+              <a:gd name="connsiteY0" fmla="*/ 2180580 h 2180580"/>
+              <a:gd name="connsiteX1" fmla="*/ 0 w 1130299"/>
+              <a:gd name="connsiteY1" fmla="*/ 0 h 2180580"/>
+            </a:gdLst>
+            <a:ahLst/>
+            <a:cxnLst>
+              <a:cxn ang="0">
+                <a:pos x="connsiteX0" y="connsiteY0"/>
+              </a:cxn>
+              <a:cxn ang="0">
+                <a:pos x="connsiteX1" y="connsiteY1"/>
+              </a:cxn>
+            </a:cxnLst>
+            <a:rect l="l" t="t" r="r" b="b"/>
+            <a:pathLst>
+              <a:path w="1130299" h="2180580">
+                <a:moveTo>
+                  <a:pt x="1130299" y="2180580"/>
+                </a:moveTo>
+                <a:lnTo>
+                  <a:pt x="0" y="0"/>
+                </a:lnTo>
+              </a:path>
+            </a:pathLst>
+          </a:custGeom>
+          <a:ln w="38100">
+            <a:solidFill>
+              <a:srgbClr val="00B050"/>
+            </a:solidFill>
+            <a:tailEnd type="stealth"/>
+          </a:ln>
+        </p:spPr>
+        <p:style>
+          <a:lnRef idx="1">
+            <a:schemeClr val="accent1"/>
+          </a:lnRef>
+          <a:fillRef idx="0">
+            <a:schemeClr val="accent1"/>
+          </a:fillRef>
+          <a:effectRef idx="0">
+            <a:schemeClr val="accent1"/>
+          </a:effectRef>
+          <a:fontRef idx="minor">
+            <a:schemeClr val="tx1"/>
+          </a:fontRef>
+        </p:style>
+        <p:txBody>
+          <a:bodyPr rtlCol="0" anchor="ctr"/>
+          <a:lstStyle/>
+          <a:p>
+            <a:pPr algn="ctr"/>
+            <a:endParaRPr kumimoji="1" lang="ja-JP" altLang="en-US"/>
+          </a:p>
+        </p:txBody>
+      </p:sp>
+      <p:sp>
+        <p:nvSpPr>
+          <p:cNvPr id="56" name="フリーフォーム 55"/>
+          <p:cNvSpPr/>
+          <p:nvPr/>
+        </p:nvSpPr>
+        <p:spPr>
+          <a:xfrm>
+            <a:off x="1331640" y="2153984"/>
+            <a:ext cx="2525357" cy="665415"/>
+          </a:xfrm>
+          <a:custGeom>
+            <a:avLst/>
+            <a:gdLst>
+              <a:gd name="connsiteX0" fmla="*/ 0 w 2400300"/>
+              <a:gd name="connsiteY0" fmla="*/ 635000 h 749300"/>
+              <a:gd name="connsiteX1" fmla="*/ 0 w 2400300"/>
+              <a:gd name="connsiteY1" fmla="*/ 635000 h 749300"/>
+              <a:gd name="connsiteX2" fmla="*/ 2400300 w 2400300"/>
+              <a:gd name="connsiteY2" fmla="*/ 0 h 749300"/>
+              <a:gd name="connsiteX3" fmla="*/ 203200 w 2400300"/>
+              <a:gd name="connsiteY3" fmla="*/ 749300 h 749300"/>
+              <a:gd name="connsiteX0" fmla="*/ 0 w 2434167"/>
+              <a:gd name="connsiteY0" fmla="*/ 654050 h 768350"/>
+              <a:gd name="connsiteX1" fmla="*/ 0 w 2434167"/>
+              <a:gd name="connsiteY1" fmla="*/ 654050 h 768350"/>
+              <a:gd name="connsiteX2" fmla="*/ 2400300 w 2434167"/>
+              <a:gd name="connsiteY2" fmla="*/ 19050 h 768350"/>
+              <a:gd name="connsiteX3" fmla="*/ 203200 w 2434167"/>
+              <a:gd name="connsiteY3" fmla="*/ 768350 h 768350"/>
+              <a:gd name="connsiteX0" fmla="*/ 0 w 2434167"/>
+              <a:gd name="connsiteY0" fmla="*/ 654050 h 768350"/>
+              <a:gd name="connsiteX1" fmla="*/ 0 w 2434167"/>
+              <a:gd name="connsiteY1" fmla="*/ 654050 h 768350"/>
+              <a:gd name="connsiteX2" fmla="*/ 2400300 w 2434167"/>
+              <a:gd name="connsiteY2" fmla="*/ 19050 h 768350"/>
+              <a:gd name="connsiteX3" fmla="*/ 203200 w 2434167"/>
+              <a:gd name="connsiteY3" fmla="*/ 768350 h 768350"/>
+              <a:gd name="connsiteX0" fmla="*/ 0 w 2447297"/>
+              <a:gd name="connsiteY0" fmla="*/ 665415 h 665415"/>
+              <a:gd name="connsiteX1" fmla="*/ 0 w 2447297"/>
+              <a:gd name="connsiteY1" fmla="*/ 665415 h 665415"/>
+              <a:gd name="connsiteX2" fmla="*/ 2400300 w 2447297"/>
+              <a:gd name="connsiteY2" fmla="*/ 30415 h 665415"/>
+              <a:gd name="connsiteX3" fmla="*/ 281980 w 2447297"/>
+              <a:gd name="connsiteY3" fmla="*/ 482927 h 665415"/>
+              <a:gd name="connsiteX0" fmla="*/ 0 w 2447297"/>
+              <a:gd name="connsiteY0" fmla="*/ 665415 h 665415"/>
+              <a:gd name="connsiteX1" fmla="*/ 0 w 2447297"/>
+              <a:gd name="connsiteY1" fmla="*/ 665415 h 665415"/>
+              <a:gd name="connsiteX2" fmla="*/ 2400300 w 2447297"/>
+              <a:gd name="connsiteY2" fmla="*/ 30415 h 665415"/>
+              <a:gd name="connsiteX3" fmla="*/ 281980 w 2447297"/>
+              <a:gd name="connsiteY3" fmla="*/ 482927 h 665415"/>
+              <a:gd name="connsiteX0" fmla="*/ 78060 w 2525357"/>
+              <a:gd name="connsiteY0" fmla="*/ 665415 h 665415"/>
+              <a:gd name="connsiteX1" fmla="*/ 78060 w 2525357"/>
+              <a:gd name="connsiteY1" fmla="*/ 665415 h 665415"/>
+              <a:gd name="connsiteX2" fmla="*/ 2478360 w 2525357"/>
+              <a:gd name="connsiteY2" fmla="*/ 30415 h 665415"/>
+              <a:gd name="connsiteX3" fmla="*/ 0 w 2525357"/>
+              <a:gd name="connsiteY3" fmla="*/ 554936 h 665415"/>
+            </a:gdLst>
+            <a:ahLst/>
+            <a:cxnLst>
+              <a:cxn ang="0">
+                <a:pos x="connsiteX0" y="connsiteY0"/>
+              </a:cxn>
+              <a:cxn ang="0">
+                <a:pos x="connsiteX1" y="connsiteY1"/>
+              </a:cxn>
+              <a:cxn ang="0">
+                <a:pos x="connsiteX2" y="connsiteY2"/>
+              </a:cxn>
+              <a:cxn ang="0">
+                <a:pos x="connsiteX3" y="connsiteY3"/>
+              </a:cxn>
+            </a:cxnLst>
+            <a:rect l="l" t="t" r="r" b="b"/>
+            <a:pathLst>
+              <a:path w="2525357" h="665415">
+                <a:moveTo>
+                  <a:pt x="78060" y="665415"/>
+                </a:moveTo>
+                <a:lnTo>
+                  <a:pt x="78060" y="665415"/>
+                </a:lnTo>
+                <a:lnTo>
+                  <a:pt x="2478360" y="30415"/>
+                </a:lnTo>
+                <a:cubicBezTo>
+                  <a:pt x="2525357" y="0"/>
+                  <a:pt x="732367" y="305169"/>
+                  <a:pt x="0" y="554936"/>
+                </a:cubicBezTo>
+              </a:path>
+            </a:pathLst>
+          </a:custGeom>
+          <a:ln w="38100">
+            <a:solidFill>
+              <a:srgbClr val="00B050"/>
+            </a:solidFill>
+            <a:tailEnd type="stealth"/>
+          </a:ln>
+        </p:spPr>
+        <p:style>
+          <a:lnRef idx="1">
+            <a:schemeClr val="accent1"/>
+          </a:lnRef>
+          <a:fillRef idx="0">
+            <a:schemeClr val="accent1"/>
+          </a:fillRef>
+          <a:effectRef idx="0">
+            <a:schemeClr val="accent1"/>
+          </a:effectRef>
+          <a:fontRef idx="minor">
+            <a:schemeClr val="tx1"/>
+          </a:fontRef>
+        </p:style>
+        <p:txBody>
+          <a:bodyPr rtlCol="0" anchor="ctr"/>
+          <a:lstStyle/>
+          <a:p>
+            <a:pPr algn="ctr"/>
+            <a:endParaRPr kumimoji="1" lang="ja-JP" altLang="en-US"/>
+          </a:p>
+        </p:txBody>
+      </p:sp>
+      <p:sp>
+        <p:nvSpPr>
+          <p:cNvPr id="57" name="フリーフォーム 56"/>
+          <p:cNvSpPr/>
+          <p:nvPr/>
+        </p:nvSpPr>
+        <p:spPr>
+          <a:xfrm>
+            <a:off x="1547664" y="3113121"/>
+            <a:ext cx="3024336" cy="1839052"/>
+          </a:xfrm>
+          <a:custGeom>
+            <a:avLst/>
+            <a:gdLst>
+              <a:gd name="connsiteX0" fmla="*/ 0 w 2400300"/>
+              <a:gd name="connsiteY0" fmla="*/ 635000 h 749300"/>
+              <a:gd name="connsiteX1" fmla="*/ 0 w 2400300"/>
+              <a:gd name="connsiteY1" fmla="*/ 635000 h 749300"/>
+              <a:gd name="connsiteX2" fmla="*/ 2400300 w 2400300"/>
+              <a:gd name="connsiteY2" fmla="*/ 0 h 749300"/>
+              <a:gd name="connsiteX3" fmla="*/ 203200 w 2400300"/>
+              <a:gd name="connsiteY3" fmla="*/ 749300 h 749300"/>
+              <a:gd name="connsiteX0" fmla="*/ 0 w 2434167"/>
+              <a:gd name="connsiteY0" fmla="*/ 654050 h 768350"/>
+              <a:gd name="connsiteX1" fmla="*/ 0 w 2434167"/>
+              <a:gd name="connsiteY1" fmla="*/ 654050 h 768350"/>
+              <a:gd name="connsiteX2" fmla="*/ 2400300 w 2434167"/>
+              <a:gd name="connsiteY2" fmla="*/ 19050 h 768350"/>
+              <a:gd name="connsiteX3" fmla="*/ 203200 w 2434167"/>
+              <a:gd name="connsiteY3" fmla="*/ 768350 h 768350"/>
+              <a:gd name="connsiteX0" fmla="*/ 0 w 3058203"/>
+              <a:gd name="connsiteY0" fmla="*/ 135467 h 1876731"/>
+              <a:gd name="connsiteX1" fmla="*/ 0 w 3058203"/>
+              <a:gd name="connsiteY1" fmla="*/ 135467 h 1876731"/>
+              <a:gd name="connsiteX2" fmla="*/ 3024336 w 3058203"/>
+              <a:gd name="connsiteY2" fmla="*/ 1857681 h 1876731"/>
+              <a:gd name="connsiteX3" fmla="*/ 203200 w 3058203"/>
+              <a:gd name="connsiteY3" fmla="*/ 249767 h 1876731"/>
+              <a:gd name="connsiteX0" fmla="*/ 0 w 3058203"/>
+              <a:gd name="connsiteY0" fmla="*/ 105833 h 1847097"/>
+              <a:gd name="connsiteX1" fmla="*/ 0 w 3058203"/>
+              <a:gd name="connsiteY1" fmla="*/ 105833 h 1847097"/>
+              <a:gd name="connsiteX2" fmla="*/ 3024336 w 3058203"/>
+              <a:gd name="connsiteY2" fmla="*/ 1828047 h 1847097"/>
+              <a:gd name="connsiteX3" fmla="*/ 203200 w 3058203"/>
+              <a:gd name="connsiteY3" fmla="*/ 220133 h 1847097"/>
+              <a:gd name="connsiteX0" fmla="*/ 0 w 3024336"/>
+              <a:gd name="connsiteY0" fmla="*/ 105833 h 1839052"/>
+              <a:gd name="connsiteX1" fmla="*/ 0 w 3024336"/>
+              <a:gd name="connsiteY1" fmla="*/ 105833 h 1839052"/>
+              <a:gd name="connsiteX2" fmla="*/ 3024336 w 3024336"/>
+              <a:gd name="connsiteY2" fmla="*/ 1828047 h 1839052"/>
+              <a:gd name="connsiteX3" fmla="*/ 0 w 3024336"/>
+              <a:gd name="connsiteY3" fmla="*/ 171863 h 1839052"/>
+            </a:gdLst>
+            <a:ahLst/>
+            <a:cxnLst>
+              <a:cxn ang="0">
+                <a:pos x="connsiteX0" y="connsiteY0"/>
+              </a:cxn>
+              <a:cxn ang="0">
+                <a:pos x="connsiteX1" y="connsiteY1"/>
+              </a:cxn>
+              <a:cxn ang="0">
+                <a:pos x="connsiteX2" y="connsiteY2"/>
+              </a:cxn>
+              <a:cxn ang="0">
+                <a:pos x="connsiteX3" y="connsiteY3"/>
+              </a:cxn>
+            </a:cxnLst>
+            <a:rect l="l" t="t" r="r" b="b"/>
+            <a:pathLst>
+              <a:path w="3024336" h="1839052">
+                <a:moveTo>
+                  <a:pt x="0" y="105833"/>
+                </a:moveTo>
+                <a:lnTo>
+                  <a:pt x="0" y="105833"/>
+                </a:lnTo>
+                <a:cubicBezTo>
+                  <a:pt x="400050" y="0"/>
+                  <a:pt x="3024336" y="1817042"/>
+                  <a:pt x="3024336" y="1828047"/>
+                </a:cubicBezTo>
+                <a:cubicBezTo>
+                  <a:pt x="3024336" y="1839052"/>
+                  <a:pt x="297491" y="726636"/>
+                  <a:pt x="0" y="171863"/>
+                </a:cubicBezTo>
+              </a:path>
+            </a:pathLst>
+          </a:custGeom>
+          <a:ln w="38100">
+            <a:solidFill>
+              <a:srgbClr val="00B050"/>
+            </a:solidFill>
+            <a:tailEnd type="stealth"/>
+          </a:ln>
+        </p:spPr>
+        <p:style>
+          <a:lnRef idx="1">
+            <a:schemeClr val="accent1"/>
+          </a:lnRef>
+          <a:fillRef idx="0">
+            <a:schemeClr val="accent1"/>
+          </a:fillRef>
+          <a:effectRef idx="0">
+            <a:schemeClr val="accent1"/>
+          </a:effectRef>
+          <a:fontRef idx="minor">
+            <a:schemeClr val="tx1"/>
+          </a:fontRef>
+        </p:style>
+        <p:txBody>
+          <a:bodyPr rtlCol="0" anchor="ctr"/>
+          <a:lstStyle/>
+          <a:p>
+            <a:pPr algn="ctr"/>
+            <a:endParaRPr kumimoji="1" lang="ja-JP" altLang="en-US"/>
+          </a:p>
+        </p:txBody>
+      </p:sp>
+      <p:sp>
+        <p:nvSpPr>
+          <p:cNvPr id="58" name="テキスト ボックス 57"/>
+          <p:cNvSpPr txBox="1"/>
+          <p:nvPr/>
+        </p:nvSpPr>
+        <p:spPr>
+          <a:xfrm rot="1633909">
+            <a:off x="1689640" y="3504313"/>
+            <a:ext cx="2606804" cy="307777"/>
+          </a:xfrm>
+          <a:prstGeom prst="rect">
+            <a:avLst/>
+          </a:prstGeom>
+          <a:noFill/>
+        </p:spPr>
+        <p:txBody>
+          <a:bodyPr wrap="none" rtlCol="0">
+            <a:spAutoFit/>
+          </a:bodyPr>
+          <a:lstStyle/>
+          <a:p>
+            <a:r>
+              <a:rPr lang="ja-JP" altLang="en-US" sz="1400" dirty="0" smtClean="0"/>
+              <a:t>閲覧（お知らせ</a:t>
+            </a:r>
+            <a:r>
+              <a:rPr lang="en-US" altLang="ja-JP" sz="1400" dirty="0" smtClean="0"/>
+              <a:t>/</a:t>
+            </a:r>
+            <a:r>
+              <a:rPr lang="ja-JP" altLang="en-US" sz="1400" dirty="0" smtClean="0"/>
+              <a:t>コース概要）</a:t>
+            </a:r>
+            <a:endParaRPr kumimoji="1" lang="ja-JP" altLang="en-US" sz="1400" dirty="0"/>
+          </a:p>
+        </p:txBody>
+      </p:sp>
+      <p:sp>
+        <p:nvSpPr>
+          <p:cNvPr id="59" name="テキスト ボックス 58"/>
+          <p:cNvSpPr txBox="1"/>
+          <p:nvPr/>
+        </p:nvSpPr>
+        <p:spPr>
+          <a:xfrm rot="20856494">
+            <a:off x="1856112" y="2029379"/>
+            <a:ext cx="1082348" cy="307777"/>
+          </a:xfrm>
+          <a:prstGeom prst="rect">
+            <a:avLst/>
+          </a:prstGeom>
+          <a:noFill/>
+        </p:spPr>
+        <p:txBody>
+          <a:bodyPr wrap="none" rtlCol="0">
+            <a:spAutoFit/>
+          </a:bodyPr>
+          <a:lstStyle/>
+          <a:p>
+            <a:r>
+              <a:rPr lang="ja-JP" altLang="en-US" sz="1400" dirty="0" smtClean="0"/>
+              <a:t>閲覧・検索</a:t>
+            </a:r>
+            <a:endParaRPr kumimoji="1" lang="ja-JP" altLang="en-US" sz="1400" dirty="0"/>
+          </a:p>
+        </p:txBody>
+      </p:sp>
+    </p:spTree>
+  </p:cSld>
+  <p:clrMapOvr>
+    <a:masterClrMapping/>
+  </p:clrMapOvr>
 </p:sld>
 </file>
 
@@ -54201,6 +56841,96 @@
           </a:p>
         </p:txBody>
       </p:sp>
+      <p:sp>
+        <p:nvSpPr>
+          <p:cNvPr id="7" name="正方形/長方形 6"/>
+          <p:cNvSpPr/>
+          <p:nvPr/>
+        </p:nvSpPr>
+        <p:spPr>
+          <a:xfrm>
+            <a:off x="1187624" y="5589240"/>
+            <a:ext cx="6984776" cy="792088"/>
+          </a:xfrm>
+          <a:prstGeom prst="rect">
+            <a:avLst/>
+          </a:prstGeom>
+        </p:spPr>
+        <p:style>
+          <a:lnRef idx="2">
+            <a:schemeClr val="accent6"/>
+          </a:lnRef>
+          <a:fillRef idx="1">
+            <a:schemeClr val="lt1"/>
+          </a:fillRef>
+          <a:effectRef idx="0">
+            <a:schemeClr val="accent6"/>
+          </a:effectRef>
+          <a:fontRef idx="minor">
+            <a:schemeClr val="dk1"/>
+          </a:fontRef>
+        </p:style>
+        <p:txBody>
+          <a:bodyPr rtlCol="0" anchor="ctr"/>
+          <a:lstStyle/>
+          <a:p>
+            <a:r>
+              <a:rPr kumimoji="1" lang="en-US" altLang="ja-JP" dirty="0" smtClean="0"/>
+              <a:t>ITC-LMS </a:t>
+            </a:r>
+            <a:r>
+              <a:rPr kumimoji="1" lang="ja-JP" altLang="en-US" dirty="0" smtClean="0">
+                <a:solidFill>
+                  <a:schemeClr val="bg2">
+                    <a:lumMod val="50000"/>
+                  </a:schemeClr>
+                </a:solidFill>
+              </a:rPr>
+              <a:t>お知らせ通知機能</a:t>
+            </a:r>
+            <a:r>
+              <a:rPr kumimoji="1" lang="ja-JP" altLang="en-US" dirty="0" smtClean="0"/>
+              <a:t> を利用</a:t>
+            </a:r>
+            <a:endParaRPr lang="en-US" altLang="ja-JP" dirty="0" smtClean="0"/>
+          </a:p>
+          <a:p>
+            <a:r>
+              <a:rPr kumimoji="1" lang="ja-JP" altLang="en-US" dirty="0" smtClean="0"/>
+              <a:t>便利かつ軽量な </a:t>
+            </a:r>
+            <a:r>
+              <a:rPr kumimoji="1" lang="en-US" altLang="ja-JP" dirty="0" smtClean="0">
+                <a:solidFill>
+                  <a:schemeClr val="bg2">
+                    <a:lumMod val="50000"/>
+                  </a:schemeClr>
+                </a:solidFill>
+              </a:rPr>
+              <a:t>UTAS </a:t>
+            </a:r>
+            <a:r>
+              <a:rPr kumimoji="1" lang="en-US" altLang="ja-JP" dirty="0" err="1" smtClean="0">
+                <a:solidFill>
+                  <a:schemeClr val="bg2">
+                    <a:lumMod val="50000"/>
+                  </a:schemeClr>
+                </a:solidFill>
+              </a:rPr>
+              <a:t>Lite</a:t>
+            </a:r>
+            <a:r>
+              <a:rPr kumimoji="1" lang="en-US" altLang="ja-JP" dirty="0" smtClean="0"/>
+              <a:t> </a:t>
+            </a:r>
+            <a:r>
+              <a:rPr kumimoji="1" lang="ja-JP" altLang="en-US" dirty="0" smtClean="0"/>
+              <a:t>（オンライン授業情報検索システム）</a:t>
+            </a:r>
+            <a:endParaRPr kumimoji="1" lang="ja-JP" altLang="en-US" dirty="0"/>
+          </a:p>
+        </p:txBody>
+      </p:sp>
     </p:spTree>
   </p:cSld>
   <p:clrMapOvr>
@@ -54601,8 +57331,36 @@
           <a:lstStyle/>
           <a:p>
             <a:r>
+              <a:rPr lang="ja-JP" altLang="en-US" dirty="0" smtClean="0">
+                <a:hlinkClick r:id="rId2"/>
+              </a:rPr>
+              <a:t>「</a:t>
+            </a:r>
+            <a:r>
+              <a:rPr kumimoji="1" lang="ja-JP" altLang="en-US" dirty="0" smtClean="0">
+                <a:hlinkClick r:id="rId2"/>
+              </a:rPr>
+              <a:t>東京</a:t>
+            </a:r>
+            <a:r>
+              <a:rPr kumimoji="1" lang="ja-JP" altLang="en-US" dirty="0" smtClean="0">
+                <a:hlinkClick r:id="rId2"/>
+              </a:rPr>
+              <a:t>大学授業</a:t>
+            </a:r>
+            <a:r>
+              <a:rPr kumimoji="1" lang="ja-JP" altLang="en-US" dirty="0" smtClean="0">
+                <a:hlinkClick r:id="rId2"/>
+              </a:rPr>
+              <a:t>カタログ」</a:t>
+            </a:r>
+            <a:r>
               <a:rPr kumimoji="1" lang="ja-JP" altLang="en-US" dirty="0" smtClean="0"/>
-              <a:t>東京大学授業カタログを通じてオンライン授業</a:t>
+              <a:t>を</a:t>
+            </a:r>
+            <a:r>
+              <a:rPr kumimoji="1" lang="ja-JP" altLang="en-US" dirty="0" smtClean="0"/>
+              <a:t>通じてオンライン授業</a:t>
             </a:r>
             <a:r>
               <a:rPr kumimoji="1" lang="en-US" altLang="ja-JP" dirty="0" smtClean="0"/>
@@ -54626,15 +57384,7 @@
             </a:r>
             <a:r>
               <a:rPr lang="ja-JP" altLang="en-US" dirty="0" smtClean="0"/>
-              <a:t>現在も文字列のパターンマッチに</a:t>
-            </a:r>
-            <a:r>
-              <a:rPr lang="ja-JP" altLang="en-US" smtClean="0"/>
-              <a:t>よりマスキングして</a:t>
-            </a:r>
-            <a:r>
-              <a:rPr lang="ja-JP" altLang="en-US" dirty="0" smtClean="0"/>
-              <a:t>いるが完全という保証はない</a:t>
+              <a:t>現在も文字列のパターンマッチによりマスキングしているが完全という保証はない</a:t>
             </a:r>
             <a:endParaRPr lang="en-US" altLang="ja-JP" dirty="0" smtClean="0"/>
           </a:p>
@@ -54642,7 +57392,7 @@
             <a:pPr lvl="2"/>
             <a:r>
               <a:rPr kumimoji="1" lang="en-US" altLang="ja-JP" dirty="0" smtClean="0">
-                <a:hlinkClick r:id="rId2"/>
+                <a:hlinkClick r:id="rId3"/>
               </a:rPr>
               <a:t>https://zoom.us/j/123456789</a:t>
             </a:r>
@@ -54652,15 +57402,9 @@
             </a:r>
             <a:r>
               <a:rPr lang="en-US" altLang="ja-JP" dirty="0" smtClean="0">
-                <a:hlinkClick r:id="rId3"/>
+                <a:hlinkClick r:id="rId4"/>
               </a:rPr>
-              <a:t>https</a:t>
-            </a:r>
-            <a:r>
-              <a:rPr lang="en-US" altLang="ja-JP" dirty="0" smtClean="0">
-                <a:hlinkClick r:id="rId3"/>
-              </a:rPr>
-              <a:t>://*****</a:t>
+              <a:t>https://*****</a:t>
             </a:r>
             <a:endParaRPr lang="en-US" altLang="ja-JP" dirty="0" smtClean="0"/>
           </a:p>
@@ -54680,28 +57424,32 @@
             </a:r>
             <a:r>
               <a:rPr lang="en-US" altLang="ja-JP" dirty="0" smtClean="0"/>
-              <a:t>ID: </a:t>
-            </a:r>
-            <a:r>
-              <a:rPr lang="en-US" altLang="ja-JP" dirty="0" smtClean="0"/>
-              <a:t>*****</a:t>
+              <a:t>ID: *****</a:t>
             </a:r>
           </a:p>
           <a:p>
             <a:r>
               <a:rPr kumimoji="1" lang="ja-JP" altLang="en-US" dirty="0" smtClean="0"/>
-              <a:t>後述</a:t>
+              <a:t>後述する</a:t>
             </a:r>
             <a:r>
-              <a:rPr kumimoji="1" lang="ja-JP" altLang="en-US" dirty="0" smtClean="0"/>
-              <a:t>する</a:t>
-            </a:r>
-            <a:r>
-              <a:rPr kumimoji="1" lang="en-US" altLang="ja-JP" dirty="0" smtClean="0"/>
+              <a:rPr kumimoji="1" lang="en-US" altLang="ja-JP" dirty="0" smtClean="0">
+                <a:solidFill>
+                  <a:schemeClr val="bg2">
+                    <a:lumMod val="50000"/>
+                  </a:schemeClr>
+                </a:solidFill>
+              </a:rPr>
               <a:t>UTAS </a:t>
             </a:r>
             <a:r>
-              <a:rPr kumimoji="1" lang="en-US" altLang="ja-JP" dirty="0" err="1" smtClean="0"/>
+              <a:rPr kumimoji="1" lang="en-US" altLang="ja-JP" dirty="0" err="1" smtClean="0">
+                <a:solidFill>
+                  <a:schemeClr val="bg2">
+                    <a:lumMod val="50000"/>
+                  </a:schemeClr>
+                </a:solidFill>
+              </a:rPr>
               <a:t>Lite</a:t>
             </a:r>
             <a:r>
@@ -54728,10 +57476,10 @@
           <a:lstStyle/>
           <a:p>
             <a:r>
-              <a:rPr kumimoji="1" lang="en-US" altLang="ja-JP" smtClean="0"/>
+              <a:rPr kumimoji="1" lang="en-US" altLang="ja-JP" dirty="0" smtClean="0"/>
               <a:t>2020/4/16</a:t>
             </a:r>
-            <a:endParaRPr kumimoji="1" lang="ja-JP" altLang="en-US"/>
+            <a:endParaRPr kumimoji="1" lang="ja-JP" altLang="en-US" dirty="0"/>
           </a:p>
         </p:txBody>
       </p:sp>
@@ -54853,7 +57601,7 @@
         <p:spPr/>
         <p:txBody>
           <a:bodyPr>
-            <a:normAutofit lnSpcReduction="10000"/>
+            <a:normAutofit/>
           </a:bodyPr>
           <a:lstStyle/>
           <a:p>
@@ -54871,7 +57619,21 @@
             </a:r>
             <a:r>
               <a:rPr kumimoji="1" lang="ja-JP" altLang="en-US" dirty="0" smtClean="0"/>
-              <a:t>を書くだけでなく、教室を使わない授業では教室情報を消すなどの操作が必要ではないか</a:t>
+              <a:t>を書くだけでなく、教室を使わない授業では</a:t>
+            </a:r>
+            <a:r>
+              <a:rPr kumimoji="1" lang="ja-JP" altLang="en-US" dirty="0" smtClean="0">
+                <a:solidFill>
+                  <a:schemeClr val="bg2">
+                    <a:lumMod val="50000"/>
+                  </a:schemeClr>
+                </a:solidFill>
+              </a:rPr>
+              <a:t>教室情報を消すなどの操作が必要では</a:t>
+            </a:r>
+            <a:r>
+              <a:rPr kumimoji="1" lang="ja-JP" altLang="en-US" dirty="0" smtClean="0"/>
+              <a:t>ないか</a:t>
             </a:r>
             <a:r>
               <a:rPr kumimoji="1" lang="en-US" altLang="ja-JP" dirty="0" smtClean="0"/>
@@ -54885,7 +57647,11 @@
             </a:r>
             <a:r>
               <a:rPr lang="ja-JP" altLang="en-US" dirty="0" smtClean="0"/>
-              <a:t>当日はその通りと答え、その後の検討</a:t>
+              <a:t>その後</a:t>
+            </a:r>
+            <a:r>
+              <a:rPr lang="ja-JP" altLang="en-US" dirty="0" smtClean="0"/>
+              <a:t>の検討</a:t>
             </a:r>
             <a:endParaRPr lang="en-US" altLang="ja-JP" dirty="0" smtClean="0"/>
           </a:p>
@@ -54893,7 +57659,7 @@
             <a:pPr lvl="1"/>
             <a:r>
               <a:rPr lang="ja-JP" altLang="en-US" dirty="0" smtClean="0"/>
-              <a:t>不幸なことに少なくとも現状、教室を使う可能性はほぼなくなった</a:t>
+              <a:t>現状、教室を使う可能性はほぼなくなった</a:t>
             </a:r>
             <a:endParaRPr kumimoji="1" lang="ja-JP" altLang="en-US" dirty="0" smtClean="0"/>
           </a:p>
@@ -54901,7 +57667,7 @@
             <a:pPr lvl="1"/>
             <a:r>
               <a:rPr lang="ja-JP" altLang="en-US" dirty="0" smtClean="0"/>
-              <a:t>学期の途中から教室を使うことになる可能性なども考えると、一回教室を使わないときに教室状況を文字通り「消去」すると後々復活させる際に混乱が生じかねない</a:t>
+              <a:t>学期の途中から教室を使うことになる可能性なども考えると、今教室状況を文字通り「消去」すると後々復活させる際に混乱が生じかねない</a:t>
             </a:r>
             <a:endParaRPr lang="en-US" altLang="ja-JP" dirty="0" smtClean="0"/>
           </a:p>
@@ -55014,18 +57780,24 @@
         </p:nvSpPr>
         <p:spPr/>
         <p:txBody>
-          <a:bodyPr/>
+          <a:bodyPr>
+            <a:normAutofit/>
+          </a:bodyPr>
           <a:lstStyle/>
           <a:p>
             <a:r>
-              <a:rPr kumimoji="1" lang="en-US" altLang="ja-JP" dirty="0" smtClean="0"/>
-              <a:t>UTAS</a:t>
+              <a:rPr lang="ja-JP" altLang="en-US" dirty="0" smtClean="0">
+                <a:solidFill>
+                  <a:schemeClr val="tx1"/>
+                </a:solidFill>
+              </a:rPr>
+              <a:t>「教室情報残ってる問題」</a:t>
             </a:r>
-            <a:r>
-              <a:rPr kumimoji="1" lang="ja-JP" altLang="en-US" dirty="0" smtClean="0"/>
-              <a:t>重すぎ問題</a:t>
-            </a:r>
-            <a:endParaRPr kumimoji="1" lang="ja-JP" altLang="en-US" dirty="0"/>
+            <a:endParaRPr kumimoji="1" lang="ja-JP" altLang="en-US" dirty="0">
+              <a:solidFill>
+                <a:schemeClr val="tx1"/>
+              </a:solidFill>
+            </a:endParaRPr>
           </a:p>
         </p:txBody>
       </p:sp>
@@ -55041,22 +57813,33 @@
         </p:nvSpPr>
         <p:spPr/>
         <p:txBody>
-          <a:bodyPr/>
+          <a:bodyPr>
+            <a:normAutofit/>
+          </a:bodyPr>
           <a:lstStyle/>
           <a:p>
             <a:r>
-              <a:rPr kumimoji="1" lang="en-US" altLang="ja-JP" dirty="0" smtClean="0"/>
-              <a:t>4/3</a:t>
+              <a:rPr lang="ja-JP" altLang="en-US" dirty="0" smtClean="0"/>
+              <a:t>以上を鑑み教室情報はそのままにする</a:t>
+            </a:r>
+            <a:endParaRPr lang="en-US" altLang="ja-JP" dirty="0" smtClean="0"/>
+          </a:p>
+          <a:p>
+            <a:r>
+              <a:rPr lang="ja-JP" altLang="en-US" dirty="0" smtClean="0">
+                <a:solidFill>
+                  <a:schemeClr val="bg2">
+                    <a:lumMod val="50000"/>
+                  </a:schemeClr>
+                </a:solidFill>
+              </a:rPr>
+              <a:t>「オンライン授業内容」</a:t>
             </a:r>
             <a:r>
-              <a:rPr kumimoji="1" lang="ja-JP" altLang="en-US" dirty="0" smtClean="0"/>
-              <a:t>～</a:t>
+              <a:rPr lang="ja-JP" altLang="en-US" dirty="0" smtClean="0"/>
+              <a:t>欄（自由記述可能）を用いていろいろな情報を明示していただく</a:t>
             </a:r>
-            <a:r>
-              <a:rPr kumimoji="1" lang="en-US" altLang="ja-JP" dirty="0" smtClean="0"/>
-              <a:t>4/6 </a:t>
-            </a:r>
-            <a:endParaRPr kumimoji="1" lang="ja-JP" altLang="en-US" dirty="0"/>
+            <a:endParaRPr lang="en-US" altLang="ja-JP" dirty="0" smtClean="0"/>
           </a:p>
         </p:txBody>
       </p:sp>
@@ -55167,22 +57950,20 @@
         </p:nvSpPr>
         <p:spPr/>
         <p:txBody>
-          <a:bodyPr>
-            <a:normAutofit fontScale="90000"/>
-          </a:bodyPr>
+          <a:bodyPr/>
           <a:lstStyle/>
           <a:p>
             <a:r>
-              <a:rPr kumimoji="1" lang="ja-JP" altLang="en-US" dirty="0" smtClean="0"/>
-              <a:t>この先再び</a:t>
-            </a:r>
-            <a:r>
               <a:rPr kumimoji="1" lang="en-US" altLang="ja-JP" dirty="0" smtClean="0"/>
-              <a:t>UTAS</a:t>
+              <a:t>UTAS / ITC-LMS</a:t>
             </a:r>
             <a:r>
               <a:rPr kumimoji="1" lang="ja-JP" altLang="en-US" dirty="0" smtClean="0"/>
-              <a:t>重すぎを踏まえた対策と推奨</a:t>
+              <a:t>重すぎ</a:t>
+            </a:r>
+            <a:r>
+              <a:rPr kumimoji="1" lang="ja-JP" altLang="en-US" dirty="0" smtClean="0"/>
+              <a:t>問題</a:t>
             </a:r>
             <a:endParaRPr kumimoji="1" lang="ja-JP" altLang="en-US" dirty="0"/>
           </a:p>
@@ -55200,46 +57981,100 @@
         </p:nvSpPr>
         <p:spPr/>
         <p:txBody>
-          <a:bodyPr/>
+          <a:bodyPr>
+            <a:normAutofit/>
+          </a:bodyPr>
           <a:lstStyle/>
           <a:p>
             <a:r>
-              <a:rPr kumimoji="1" lang="ja-JP" altLang="en-US" dirty="0" smtClean="0"/>
-              <a:t>推奨：</a:t>
+              <a:rPr lang="ja-JP" altLang="en-US" dirty="0" smtClean="0"/>
+              <a:t>リソース</a:t>
             </a:r>
             <a:r>
-              <a:rPr kumimoji="1" lang="en-US" altLang="ja-JP" dirty="0" smtClean="0"/>
-              <a:t>ITC-LMS</a:t>
+              <a:rPr lang="ja-JP" altLang="en-US" dirty="0" smtClean="0"/>
+              <a:t>増強</a:t>
             </a:r>
+            <a:endParaRPr lang="en-US" altLang="ja-JP" dirty="0" smtClean="0"/>
           </a:p>
           <a:p>
             <a:pPr lvl="1"/>
             <a:r>
+              <a:rPr lang="en-US" altLang="ja-JP" dirty="0" smtClean="0"/>
+              <a:t>3/31: </a:t>
+            </a:r>
+            <a:r>
+              <a:rPr lang="en-US" altLang="ja-JP" dirty="0" smtClean="0"/>
+              <a:t>ITC-LMS</a:t>
+            </a:r>
+            <a:r>
+              <a:rPr lang="ja-JP" altLang="en-US" dirty="0" smtClean="0"/>
+              <a:t>（</a:t>
+            </a:r>
+            <a:r>
+              <a:rPr lang="ja-JP" altLang="en-US" dirty="0" smtClean="0"/>
+              <a:t>＋</a:t>
+            </a:r>
+            <a:r>
+              <a:rPr lang="ja-JP" altLang="en-US" dirty="0" smtClean="0"/>
+              <a:t>継続的にパラメータ変更）</a:t>
+            </a:r>
+            <a:endParaRPr lang="en-US" altLang="ja-JP" dirty="0" smtClean="0"/>
+          </a:p>
+          <a:p>
+            <a:pPr lvl="1"/>
+            <a:r>
+              <a:rPr kumimoji="1" lang="en-US" altLang="ja-JP" dirty="0" smtClean="0"/>
+              <a:t>4/6 </a:t>
+            </a:r>
+            <a:r>
               <a:rPr kumimoji="1" lang="ja-JP" altLang="en-US" dirty="0" smtClean="0"/>
-              <a:t>コース概要に記述</a:t>
+              <a:t>昼休み</a:t>
+            </a:r>
+            <a:r>
+              <a:rPr kumimoji="1" lang="en-US" altLang="ja-JP" dirty="0" smtClean="0"/>
+              <a:t>: UTAS</a:t>
+            </a:r>
+          </a:p>
+          <a:p>
+            <a:r>
+              <a:rPr lang="ja-JP" altLang="en-US" dirty="0" smtClean="0"/>
+              <a:t>現状</a:t>
+            </a:r>
+            <a:endParaRPr lang="en-US" altLang="ja-JP" dirty="0" smtClean="0"/>
+          </a:p>
+          <a:p>
+            <a:pPr lvl="1"/>
+            <a:r>
+              <a:rPr lang="en-US" altLang="ja-JP" dirty="0" smtClean="0"/>
+              <a:t>UTAS</a:t>
+            </a:r>
+            <a:r>
+              <a:rPr lang="en-US" altLang="ja-JP" dirty="0" smtClean="0"/>
+              <a:t>: </a:t>
+            </a:r>
+            <a:r>
+              <a:rPr lang="ja-JP" altLang="en-US" dirty="0" smtClean="0"/>
+              <a:t>反応</a:t>
+            </a:r>
+            <a:r>
+              <a:rPr lang="ja-JP" altLang="en-US" dirty="0" smtClean="0"/>
+              <a:t>が悪いという現象は見られていないが、来週</a:t>
+            </a:r>
+            <a:r>
+              <a:rPr lang="ja-JP" altLang="en-US" dirty="0" smtClean="0"/>
+              <a:t>以降、注視が必要</a:t>
             </a:r>
             <a:endParaRPr kumimoji="1" lang="en-US" altLang="ja-JP" dirty="0" smtClean="0"/>
           </a:p>
           <a:p>
             <a:pPr lvl="1"/>
             <a:r>
-              <a:rPr lang="ja-JP" altLang="en-US" dirty="0" smtClean="0"/>
-              <a:t>「お知らせ」機能に記述</a:t>
+              <a:rPr kumimoji="1" lang="en-US" altLang="ja-JP" dirty="0" smtClean="0"/>
+              <a:t>ITC-LMS: </a:t>
             </a:r>
-            <a:endParaRPr lang="en-US" altLang="ja-JP" dirty="0" smtClean="0"/>
-          </a:p>
-          <a:p>
             <a:r>
               <a:rPr kumimoji="1" lang="ja-JP" altLang="en-US" dirty="0" smtClean="0"/>
-              <a:t>対策：</a:t>
-            </a:r>
-            <a:r>
-              <a:rPr kumimoji="1" lang="en-US" altLang="ja-JP" dirty="0" smtClean="0"/>
-              <a:t>UTAS </a:t>
-            </a:r>
-            <a:r>
-              <a:rPr kumimoji="1" lang="en-US" altLang="ja-JP" dirty="0" err="1" smtClean="0"/>
-              <a:t>Lite</a:t>
+              <a:t>高負荷時、リソース不足というよりも不具合を踏んでログイン不能状態に陥ることがある（調査中）</a:t>
             </a:r>
             <a:endParaRPr kumimoji="1" lang="ja-JP" altLang="en-US" dirty="0"/>
           </a:p>

--- a/events/2020-04-16/01-URL-notification.pptx
+++ b/events/2020-04-16/01-URL-notification.pptx
@@ -12,17 +12,17 @@
     <p:sldId id="321" r:id="rId3"/>
     <p:sldId id="330" r:id="rId4"/>
     <p:sldId id="331" r:id="rId5"/>
-    <p:sldId id="365" r:id="rId6"/>
-    <p:sldId id="368" r:id="rId7"/>
-    <p:sldId id="361" r:id="rId8"/>
-    <p:sldId id="369" r:id="rId9"/>
-    <p:sldId id="366" r:id="rId10"/>
-    <p:sldId id="367" r:id="rId11"/>
-    <p:sldId id="374" r:id="rId12"/>
-    <p:sldId id="370" r:id="rId13"/>
-    <p:sldId id="375" r:id="rId14"/>
-    <p:sldId id="371" r:id="rId15"/>
-    <p:sldId id="376" r:id="rId16"/>
+    <p:sldId id="377" r:id="rId6"/>
+    <p:sldId id="365" r:id="rId7"/>
+    <p:sldId id="368" r:id="rId8"/>
+    <p:sldId id="361" r:id="rId9"/>
+    <p:sldId id="378" r:id="rId10"/>
+    <p:sldId id="369" r:id="rId11"/>
+    <p:sldId id="379" r:id="rId12"/>
+    <p:sldId id="366" r:id="rId13"/>
+    <p:sldId id="367" r:id="rId14"/>
+    <p:sldId id="370" r:id="rId15"/>
+    <p:sldId id="371" r:id="rId16"/>
     <p:sldId id="372" r:id="rId17"/>
     <p:sldId id="373" r:id="rId18"/>
   </p:sldIdLst>
@@ -52276,11 +52276,7 @@
             </a:br>
             <a:r>
               <a:rPr lang="ja-JP" altLang="en-US" dirty="0" smtClean="0"/>
-              <a:t>（更新</a:t>
-            </a:r>
-            <a:r>
-              <a:rPr lang="ja-JP" altLang="en-US" dirty="0" smtClean="0"/>
-              <a:t>）</a:t>
+              <a:t>（更新）</a:t>
             </a:r>
             <a:r>
               <a:rPr lang="en-US" altLang="ja-JP" dirty="0" smtClean="0"/>
@@ -52377,10 +52373,18 @@
           <a:lstStyle/>
           <a:p>
             <a:r>
-              <a:rPr kumimoji="1" lang="ja-JP" altLang="en-US" dirty="0" smtClean="0"/>
-              <a:t>推奨と対策</a:t>
+              <a:rPr lang="ja-JP" altLang="en-US" dirty="0" smtClean="0">
+                <a:solidFill>
+                  <a:schemeClr val="tx1"/>
+                </a:solidFill>
+              </a:rPr>
+              <a:t>「教室情報残ってる問題」</a:t>
             </a:r>
-            <a:endParaRPr kumimoji="1" lang="ja-JP" altLang="en-US" dirty="0"/>
+            <a:endParaRPr kumimoji="1" lang="ja-JP" altLang="en-US" dirty="0">
+              <a:solidFill>
+                <a:schemeClr val="tx1"/>
+              </a:solidFill>
+            </a:endParaRPr>
           </a:p>
         </p:txBody>
       </p:sp>
@@ -52396,130 +52400,33 @@
         </p:nvSpPr>
         <p:spPr/>
         <p:txBody>
-          <a:bodyPr/>
+          <a:bodyPr>
+            <a:normAutofit/>
+          </a:bodyPr>
           <a:lstStyle/>
           <a:p>
             <a:r>
-              <a:rPr kumimoji="1" lang="ja-JP" altLang="en-US" dirty="0" smtClean="0"/>
-              <a:t>先生へ推奨</a:t>
-            </a:r>
-            <a:r>
-              <a:rPr kumimoji="1" lang="ja-JP" altLang="en-US" dirty="0" smtClean="0"/>
-              <a:t>：</a:t>
-            </a:r>
-            <a:r>
-              <a:rPr kumimoji="1" lang="en-US" altLang="ja-JP" dirty="0" smtClean="0"/>
-              <a:t>ITC-LMS</a:t>
-            </a:r>
-            <a:r>
               <a:rPr lang="ja-JP" altLang="en-US" dirty="0" smtClean="0"/>
-              <a:t>併用</a:t>
-            </a:r>
-            <a:endParaRPr kumimoji="1" lang="en-US" altLang="ja-JP" dirty="0" smtClean="0"/>
-          </a:p>
-          <a:p>
-            <a:pPr lvl="1"/>
-            <a:r>
-              <a:rPr lang="ja-JP" altLang="en-US" dirty="0" smtClean="0">
-                <a:solidFill>
-                  <a:srgbClr val="00B050"/>
-                </a:solidFill>
-                <a:hlinkClick r:id="rId2"/>
-              </a:rPr>
-              <a:t>「お知らせ」</a:t>
-            </a:r>
-            <a:r>
-              <a:rPr lang="ja-JP" altLang="en-US" dirty="0" smtClean="0"/>
-              <a:t>に記述</a:t>
-            </a:r>
-            <a:endParaRPr lang="en-US" altLang="ja-JP" dirty="0" smtClean="0"/>
-          </a:p>
-          <a:p>
-            <a:pPr lvl="2"/>
-            <a:r>
-              <a:rPr lang="ja-JP" altLang="en-US" dirty="0" smtClean="0"/>
-              <a:t>受講登録した人に決まったタイミング</a:t>
-            </a:r>
-            <a:r>
-              <a:rPr lang="en-US" altLang="ja-JP" dirty="0" smtClean="0"/>
-              <a:t>(e.g., </a:t>
-            </a:r>
-            <a:r>
-              <a:rPr lang="ja-JP" altLang="en-US" dirty="0" smtClean="0"/>
-              <a:t>前日</a:t>
-            </a:r>
-            <a:r>
-              <a:rPr lang="en-US" altLang="ja-JP" dirty="0" smtClean="0"/>
-              <a:t>)</a:t>
-            </a:r>
-            <a:r>
-              <a:rPr lang="ja-JP" altLang="en-US" dirty="0" smtClean="0"/>
-              <a:t>にメールと</a:t>
-            </a:r>
-            <a:r>
-              <a:rPr lang="en-US" altLang="ja-JP" dirty="0" smtClean="0"/>
-              <a:t>LINE</a:t>
-            </a:r>
-            <a:r>
-              <a:rPr lang="ja-JP" altLang="en-US" dirty="0" smtClean="0"/>
-              <a:t>で知らせることができる</a:t>
-            </a:r>
-            <a:endParaRPr lang="en-US" altLang="ja-JP" dirty="0" smtClean="0"/>
-          </a:p>
-          <a:p>
-            <a:pPr lvl="1"/>
-            <a:r>
-              <a:rPr kumimoji="1" lang="ja-JP" altLang="en-US" dirty="0" smtClean="0">
-                <a:solidFill>
-                  <a:srgbClr val="00B050"/>
-                </a:solidFill>
-              </a:rPr>
-              <a:t>「コース概要」</a:t>
-            </a:r>
-            <a:r>
-              <a:rPr kumimoji="1" lang="ja-JP" altLang="en-US" dirty="0" smtClean="0"/>
-              <a:t>に記述</a:t>
-            </a:r>
-            <a:endParaRPr kumimoji="1" lang="en-US" altLang="ja-JP" dirty="0" smtClean="0"/>
-          </a:p>
-          <a:p>
-            <a:pPr lvl="2"/>
-            <a:r>
-              <a:rPr lang="ja-JP" altLang="en-US" dirty="0" smtClean="0"/>
-              <a:t>受講登録なくて</a:t>
-            </a:r>
-            <a:r>
-              <a:rPr lang="ja-JP" altLang="en-US" dirty="0" smtClean="0"/>
-              <a:t>もみられる</a:t>
+              <a:t>以上を鑑み教室情報はそのままにする</a:t>
             </a:r>
             <a:endParaRPr lang="en-US" altLang="ja-JP" dirty="0" smtClean="0"/>
           </a:p>
           <a:p>
             <a:r>
-              <a:rPr lang="ja-JP" altLang="en-US" dirty="0" smtClean="0"/>
-              <a:t>学生へお知らせ：軽量なオンライン授業情報検索</a:t>
+              <a:rPr lang="ja-JP" altLang="en-US" dirty="0" smtClean="0">
+                <a:solidFill>
+                  <a:schemeClr val="bg2">
+                    <a:lumMod val="50000"/>
+                  </a:schemeClr>
+                </a:solidFill>
+              </a:rPr>
+              <a:t>「オンライン授業内容」</a:t>
             </a:r>
             <a:r>
               <a:rPr lang="ja-JP" altLang="en-US" dirty="0" smtClean="0"/>
-              <a:t>システム</a:t>
+              <a:t>欄（自由記述可能）を用いていろいろな情報を明示していただく</a:t>
             </a:r>
-            <a:r>
-              <a:rPr kumimoji="1" lang="ja-JP" altLang="en-US" dirty="0" smtClean="0"/>
-              <a:t>：</a:t>
-            </a:r>
-            <a:r>
-              <a:rPr kumimoji="1" lang="en-US" altLang="ja-JP" dirty="0" smtClean="0">
-                <a:hlinkClick r:id="rId3"/>
-              </a:rPr>
-              <a:t>UTAS </a:t>
-            </a:r>
-            <a:r>
-              <a:rPr kumimoji="1" lang="en-US" altLang="ja-JP" dirty="0" err="1" smtClean="0">
-                <a:hlinkClick r:id="rId3"/>
-              </a:rPr>
-              <a:t>Lite</a:t>
-            </a:r>
-            <a:endParaRPr kumimoji="1" lang="ja-JP" altLang="en-US" dirty="0"/>
+            <a:endParaRPr lang="en-US" altLang="ja-JP" dirty="0" smtClean="0"/>
           </a:p>
         </p:txBody>
       </p:sp>
@@ -52630,13 +52537,11 @@
         </p:nvSpPr>
         <p:spPr/>
         <p:txBody>
-          <a:bodyPr/>
+          <a:bodyPr>
+            <a:normAutofit/>
+          </a:bodyPr>
           <a:lstStyle/>
           <a:p>
-            <a:r>
-              <a:rPr kumimoji="1" lang="en-US" altLang="ja-JP" dirty="0" smtClean="0"/>
-              <a:t>ITC-LMS</a:t>
-            </a:r>
             <a:endParaRPr kumimoji="1" lang="ja-JP" altLang="en-US" dirty="0"/>
           </a:p>
         </p:txBody>
@@ -52653,10 +52558,118 @@
         </p:nvSpPr>
         <p:spPr/>
         <p:txBody>
-          <a:bodyPr/>
+          <a:bodyPr>
+            <a:normAutofit/>
+          </a:bodyPr>
           <a:lstStyle/>
           <a:p>
-            <a:endParaRPr kumimoji="1" lang="ja-JP" altLang="en-US"/>
+            <a:r>
+              <a:rPr lang="en-US" altLang="ja-JP" dirty="0" smtClean="0">
+                <a:solidFill>
+                  <a:schemeClr val="tx1"/>
+                </a:solidFill>
+              </a:rPr>
+              <a:t>『</a:t>
+            </a:r>
+            <a:r>
+              <a:rPr lang="ja-JP" altLang="en-US" dirty="0" smtClean="0">
+                <a:solidFill>
+                  <a:schemeClr val="tx1"/>
+                </a:solidFill>
+              </a:rPr>
+              <a:t>オンライン授業</a:t>
+            </a:r>
+            <a:r>
+              <a:rPr lang="en-US" altLang="ja-JP" dirty="0" smtClean="0">
+                <a:solidFill>
+                  <a:schemeClr val="tx1"/>
+                </a:solidFill>
+              </a:rPr>
+              <a:t>URL』</a:t>
+            </a:r>
+            <a:r>
+              <a:rPr lang="ja-JP" altLang="en-US" dirty="0" smtClean="0">
+                <a:solidFill>
+                  <a:schemeClr val="tx1"/>
+                </a:solidFill>
+              </a:rPr>
+              <a:t>不便</a:t>
+            </a:r>
+            <a:r>
+              <a:rPr lang="ja-JP" altLang="en-US" dirty="0" smtClean="0">
+                <a:solidFill>
+                  <a:schemeClr val="tx1"/>
+                </a:solidFill>
+              </a:rPr>
+              <a:t>問題</a:t>
+            </a:r>
+            <a:endParaRPr lang="en-US" altLang="ja-JP" dirty="0" smtClean="0">
+              <a:solidFill>
+                <a:schemeClr val="tx1"/>
+              </a:solidFill>
+            </a:endParaRPr>
+          </a:p>
+          <a:p>
+            <a:r>
+              <a:rPr lang="ja-JP" altLang="en-US" dirty="0" smtClean="0">
+                <a:solidFill>
+                  <a:schemeClr val="tx1"/>
+                </a:solidFill>
+              </a:rPr>
+              <a:t>教室</a:t>
+            </a:r>
+            <a:r>
+              <a:rPr lang="ja-JP" altLang="en-US" dirty="0" smtClean="0">
+                <a:solidFill>
+                  <a:schemeClr val="tx1"/>
+                </a:solidFill>
+              </a:rPr>
+              <a:t>情報残ってる</a:t>
+            </a:r>
+            <a:r>
+              <a:rPr lang="ja-JP" altLang="en-US" dirty="0" smtClean="0">
+                <a:solidFill>
+                  <a:schemeClr val="tx1"/>
+                </a:solidFill>
+              </a:rPr>
+              <a:t>問題</a:t>
+            </a:r>
+            <a:endParaRPr lang="en-US" altLang="ja-JP" dirty="0" smtClean="0">
+              <a:solidFill>
+                <a:schemeClr val="tx1"/>
+              </a:solidFill>
+            </a:endParaRPr>
+          </a:p>
+          <a:p>
+            <a:r>
+              <a:rPr lang="en-US" altLang="ja-JP" dirty="0" smtClean="0">
+                <a:solidFill>
+                  <a:schemeClr val="tx1"/>
+                </a:solidFill>
+              </a:rPr>
+              <a:t>UTAS/ITC-LMS</a:t>
+            </a:r>
+            <a:r>
+              <a:rPr lang="ja-JP" altLang="en-US" dirty="0" smtClean="0">
+                <a:solidFill>
+                  <a:schemeClr val="tx1"/>
+                </a:solidFill>
+              </a:rPr>
+              <a:t>重すぎ</a:t>
+            </a:r>
+            <a:r>
+              <a:rPr lang="ja-JP" altLang="en-US" dirty="0" smtClean="0">
+                <a:solidFill>
+                  <a:schemeClr val="tx1"/>
+                </a:solidFill>
+              </a:rPr>
+              <a:t>問題</a:t>
+            </a:r>
+            <a:endParaRPr lang="en-US" altLang="ja-JP" dirty="0" smtClean="0">
+              <a:solidFill>
+                <a:schemeClr val="tx1"/>
+              </a:solidFill>
+            </a:endParaRPr>
           </a:p>
         </p:txBody>
       </p:sp>
@@ -52730,11 +52743,64 @@
           </a:p>
         </p:txBody>
       </p:sp>
+      <p:sp>
+        <p:nvSpPr>
+          <p:cNvPr id="7" name="正方形/長方形 6"/>
+          <p:cNvSpPr/>
+          <p:nvPr/>
+        </p:nvSpPr>
+        <p:spPr>
+          <a:xfrm>
+            <a:off x="827584" y="2636912"/>
+            <a:ext cx="4896544" cy="576064"/>
+          </a:xfrm>
+          <a:prstGeom prst="rect">
+            <a:avLst/>
+          </a:prstGeom>
+          <a:noFill/>
+          <a:ln w="38100">
+            <a:solidFill>
+              <a:srgbClr val="FF0000"/>
+            </a:solidFill>
+          </a:ln>
+        </p:spPr>
+        <p:style>
+          <a:lnRef idx="2">
+            <a:schemeClr val="accent1">
+              <a:shade val="50000"/>
+            </a:schemeClr>
+          </a:lnRef>
+          <a:fillRef idx="1">
+            <a:schemeClr val="accent1"/>
+          </a:fillRef>
+          <a:effectRef idx="0">
+            <a:schemeClr val="accent1"/>
+          </a:effectRef>
+          <a:fontRef idx="minor">
+            <a:schemeClr val="lt1"/>
+          </a:fontRef>
+        </p:style>
+        <p:txBody>
+          <a:bodyPr rtlCol="0" anchor="ctr"/>
+          <a:lstStyle/>
+          <a:p>
+            <a:pPr algn="ctr"/>
+            <a:endParaRPr kumimoji="1" lang="ja-JP" altLang="en-US"/>
+          </a:p>
+        </p:txBody>
+      </p:sp>
     </p:spTree>
   </p:cSld>
   <p:clrMapOvr>
     <a:masterClrMapping/>
   </p:clrMapOvr>
+  <p:timing>
+    <p:tnLst>
+      <p:par>
+        <p:cTn id="1" dur="indefinite" restart="never" nodeType="tmRoot"/>
+      </p:par>
+    </p:tnLst>
+  </p:timing>
 </p:sld>
 </file>
 
@@ -52771,12 +52837,24 @@
           <a:lstStyle/>
           <a:p>
             <a:r>
+              <a:rPr lang="ja-JP" altLang="en-US" dirty="0" smtClean="0"/>
+              <a:t>「</a:t>
+            </a:r>
+            <a:r>
               <a:rPr kumimoji="1" lang="en-US" altLang="ja-JP" dirty="0" smtClean="0"/>
-              <a:t>ITC-LMS</a:t>
+              <a:t>UTAS </a:t>
+            </a:r>
+            <a:r>
+              <a:rPr kumimoji="1" lang="en-US" altLang="ja-JP" dirty="0" smtClean="0"/>
+              <a:t>/ ITC-LMS</a:t>
             </a:r>
             <a:r>
               <a:rPr kumimoji="1" lang="ja-JP" altLang="en-US" dirty="0" smtClean="0"/>
-              <a:t>「お知らせ」機能</a:t>
+              <a:t>重すぎ</a:t>
+            </a:r>
+            <a:r>
+              <a:rPr kumimoji="1" lang="ja-JP" altLang="en-US" dirty="0" smtClean="0"/>
+              <a:t>問題」</a:t>
             </a:r>
             <a:endParaRPr kumimoji="1" lang="ja-JP" altLang="en-US" dirty="0"/>
           </a:p>
@@ -52800,119 +52878,68 @@
           <a:lstStyle/>
           <a:p>
             <a:r>
-              <a:rPr lang="ja-JP" altLang="en-US" dirty="0" smtClean="0">
-                <a:solidFill>
-                  <a:srgbClr val="00B050"/>
-                </a:solidFill>
-              </a:rPr>
-              <a:t>指定したタイミング</a:t>
-            </a:r>
-            <a:r>
               <a:rPr lang="ja-JP" altLang="en-US" dirty="0" smtClean="0"/>
-              <a:t>で受講登録済み学生にお知らせ（メール、</a:t>
-            </a:r>
-            <a:r>
-              <a:rPr lang="en-US" altLang="ja-JP" dirty="0" smtClean="0"/>
-              <a:t>LINE</a:t>
-            </a:r>
-            <a:r>
-              <a:rPr lang="ja-JP" altLang="en-US" dirty="0" smtClean="0"/>
-              <a:t>）を発出可能</a:t>
+              <a:t>リソース増強</a:t>
             </a:r>
             <a:endParaRPr lang="en-US" altLang="ja-JP" dirty="0" smtClean="0"/>
           </a:p>
           <a:p>
             <a:pPr lvl="1"/>
             <a:r>
-              <a:rPr lang="ja-JP" altLang="en-US" dirty="0" smtClean="0"/>
-              <a:t>推奨：授業</a:t>
-            </a:r>
-            <a:r>
-              <a:rPr lang="ja-JP" altLang="en-US" dirty="0" smtClean="0">
-                <a:solidFill>
-                  <a:srgbClr val="00B050"/>
-                </a:solidFill>
-              </a:rPr>
-              <a:t>前日夜</a:t>
+              <a:rPr lang="en-US" altLang="ja-JP" dirty="0" smtClean="0"/>
+              <a:t>3/31: ITC-LMS</a:t>
             </a:r>
             <a:r>
               <a:rPr lang="ja-JP" altLang="en-US" dirty="0" smtClean="0"/>
-              <a:t>（低負荷）</a:t>
-            </a:r>
-            <a:endParaRPr lang="en-US" altLang="ja-JP" dirty="0" smtClean="0"/>
-          </a:p>
-          <a:p>
-            <a:r>
-              <a:rPr lang="ja-JP" altLang="en-US" dirty="0" smtClean="0"/>
-              <a:t>◎</a:t>
-            </a:r>
-            <a:r>
-              <a:rPr lang="ja-JP" altLang="en-US" dirty="0" smtClean="0"/>
-              <a:t>学生は</a:t>
-            </a:r>
-            <a:r>
-              <a:rPr lang="en-US" altLang="ja-JP" dirty="0" smtClean="0"/>
-              <a:t>ITC-LMS</a:t>
-            </a:r>
-            <a:r>
-              <a:rPr lang="ja-JP" altLang="en-US" dirty="0" smtClean="0"/>
-              <a:t>へ</a:t>
-            </a:r>
-            <a:r>
-              <a:rPr lang="ja-JP" altLang="en-US" dirty="0" smtClean="0"/>
-              <a:t>ログイン不要</a:t>
-            </a:r>
-            <a:endParaRPr lang="en-US" altLang="ja-JP" dirty="0" smtClean="0"/>
-          </a:p>
-          <a:p>
-            <a:r>
-              <a:rPr lang="ja-JP" altLang="en-US" dirty="0" smtClean="0"/>
-              <a:t>◎学生はタイムリーにお知らせ受信</a:t>
+              <a:t>（＋継続的にパラメータ変更）</a:t>
             </a:r>
             <a:endParaRPr lang="en-US" altLang="ja-JP" dirty="0" smtClean="0"/>
           </a:p>
           <a:p>
             <a:pPr lvl="1"/>
             <a:r>
-              <a:rPr lang="ja-JP" altLang="en-US" dirty="0" smtClean="0"/>
-              <a:t>しつこく</a:t>
+              <a:rPr kumimoji="1" lang="en-US" altLang="ja-JP" dirty="0" smtClean="0"/>
+              <a:t>4/6 </a:t>
             </a:r>
             <a:r>
+              <a:rPr kumimoji="1" lang="ja-JP" altLang="en-US" dirty="0" smtClean="0"/>
+              <a:t>昼休み</a:t>
+            </a:r>
+            <a:r>
+              <a:rPr kumimoji="1" lang="en-US" altLang="ja-JP" dirty="0" smtClean="0"/>
+              <a:t>: UTAS</a:t>
+            </a:r>
+          </a:p>
+          <a:p>
+            <a:r>
               <a:rPr lang="ja-JP" altLang="en-US" dirty="0" smtClean="0"/>
-              <a:t>注：前日夜を推奨</a:t>
+              <a:t>現状</a:t>
             </a:r>
             <a:endParaRPr lang="en-US" altLang="ja-JP" dirty="0" smtClean="0"/>
           </a:p>
           <a:p>
-            <a:r>
-              <a:rPr lang="ja-JP" altLang="en-US" dirty="0" smtClean="0"/>
-              <a:t>△</a:t>
-            </a:r>
+            <a:pPr lvl="1"/>
             <a:r>
               <a:rPr lang="en-US" altLang="ja-JP" dirty="0" smtClean="0"/>
-              <a:t> </a:t>
+              <a:t>UTAS: </a:t>
             </a:r>
             <a:r>
               <a:rPr lang="ja-JP" altLang="en-US" dirty="0" smtClean="0"/>
-              <a:t>受講</a:t>
+              <a:t>反応が悪いという現象は見られていないが、来週以降、注視が必要</a:t>
+            </a:r>
+            <a:endParaRPr kumimoji="1" lang="en-US" altLang="ja-JP" dirty="0" smtClean="0"/>
+          </a:p>
+          <a:p>
+            <a:pPr lvl="1"/>
+            <a:r>
+              <a:rPr kumimoji="1" lang="en-US" altLang="ja-JP" dirty="0" smtClean="0"/>
+              <a:t>ITC-LMS: </a:t>
             </a:r>
             <a:r>
-              <a:rPr lang="ja-JP" altLang="en-US" dirty="0" smtClean="0"/>
-              <a:t>登録</a:t>
+              <a:rPr kumimoji="1" lang="ja-JP" altLang="en-US" dirty="0" smtClean="0"/>
+              <a:t>高負荷時、リソース不足というよりも不具合を踏んでログイン不能状態に陥ることがある（調査中）</a:t>
             </a:r>
-            <a:r>
-              <a:rPr lang="ja-JP" altLang="en-US" dirty="0" smtClean="0"/>
-              <a:t>のひと手間（</a:t>
-            </a:r>
-            <a:r>
-              <a:rPr lang="en-US" altLang="ja-JP" dirty="0" smtClean="0"/>
-              <a:t>1</a:t>
-            </a:r>
-            <a:r>
-              <a:rPr lang="ja-JP" altLang="en-US" dirty="0" smtClean="0"/>
-              <a:t>クリック）</a:t>
-            </a:r>
-            <a:endParaRPr lang="en-US" altLang="ja-JP" dirty="0" smtClean="0"/>
+            <a:endParaRPr kumimoji="1" lang="ja-JP" altLang="en-US" dirty="0"/>
           </a:p>
         </p:txBody>
       </p:sp>
@@ -53023,10 +53050,16 @@
         </p:nvSpPr>
         <p:spPr/>
         <p:txBody>
-          <a:bodyPr/>
+          <a:bodyPr>
+            <a:normAutofit/>
+          </a:bodyPr>
           <a:lstStyle/>
           <a:p>
-            <a:endParaRPr kumimoji="1" lang="ja-JP" altLang="en-US"/>
+            <a:r>
+              <a:rPr kumimoji="1" lang="ja-JP" altLang="en-US" dirty="0" smtClean="0"/>
+              <a:t>推奨と対策</a:t>
+            </a:r>
+            <a:endParaRPr kumimoji="1" lang="ja-JP" altLang="en-US" dirty="0"/>
           </a:p>
         </p:txBody>
       </p:sp>
@@ -53045,7 +53078,115 @@
           <a:bodyPr/>
           <a:lstStyle/>
           <a:p>
-            <a:endParaRPr kumimoji="1" lang="ja-JP" altLang="en-US"/>
+            <a:r>
+              <a:rPr kumimoji="1" lang="ja-JP" altLang="en-US" dirty="0" smtClean="0"/>
+              <a:t>先生へ推奨：</a:t>
+            </a:r>
+            <a:r>
+              <a:rPr kumimoji="1" lang="en-US" altLang="ja-JP" dirty="0" smtClean="0"/>
+              <a:t>ITC-LMS</a:t>
+            </a:r>
+            <a:r>
+              <a:rPr lang="ja-JP" altLang="en-US" dirty="0" smtClean="0"/>
+              <a:t>利用</a:t>
+            </a:r>
+            <a:endParaRPr kumimoji="1" lang="en-US" altLang="ja-JP" dirty="0" smtClean="0"/>
+          </a:p>
+          <a:p>
+            <a:pPr lvl="1"/>
+            <a:r>
+              <a:rPr lang="ja-JP" altLang="en-US" dirty="0" smtClean="0">
+                <a:solidFill>
+                  <a:srgbClr val="00B050"/>
+                </a:solidFill>
+                <a:hlinkClick r:id="rId2"/>
+              </a:rPr>
+              <a:t>「お知らせ」</a:t>
+            </a:r>
+            <a:r>
+              <a:rPr lang="ja-JP" altLang="en-US" dirty="0" smtClean="0"/>
+              <a:t>に記述</a:t>
+            </a:r>
+            <a:endParaRPr lang="en-US" altLang="ja-JP" dirty="0" smtClean="0"/>
+          </a:p>
+          <a:p>
+            <a:pPr lvl="2"/>
+            <a:r>
+              <a:rPr lang="ja-JP" altLang="en-US" dirty="0" smtClean="0"/>
+              <a:t>受講登録した人に決まったタイミング</a:t>
+            </a:r>
+            <a:r>
+              <a:rPr lang="en-US" altLang="ja-JP" dirty="0" smtClean="0"/>
+              <a:t>(e.g., </a:t>
+            </a:r>
+            <a:r>
+              <a:rPr lang="ja-JP" altLang="en-US" dirty="0" smtClean="0"/>
+              <a:t>前日</a:t>
+            </a:r>
+            <a:r>
+              <a:rPr lang="en-US" altLang="ja-JP" dirty="0" smtClean="0"/>
+              <a:t>)</a:t>
+            </a:r>
+            <a:r>
+              <a:rPr lang="ja-JP" altLang="en-US" dirty="0" smtClean="0"/>
+              <a:t>にメールと</a:t>
+            </a:r>
+            <a:r>
+              <a:rPr lang="en-US" altLang="ja-JP" dirty="0" smtClean="0"/>
+              <a:t>LINE</a:t>
+            </a:r>
+            <a:r>
+              <a:rPr lang="ja-JP" altLang="en-US" dirty="0" smtClean="0"/>
+              <a:t>で知らせることができる</a:t>
+            </a:r>
+            <a:endParaRPr lang="en-US" altLang="ja-JP" dirty="0" smtClean="0"/>
+          </a:p>
+          <a:p>
+            <a:pPr lvl="1"/>
+            <a:r>
+              <a:rPr kumimoji="1" lang="ja-JP" altLang="en-US" dirty="0" smtClean="0">
+                <a:solidFill>
+                  <a:srgbClr val="00B050"/>
+                </a:solidFill>
+              </a:rPr>
+              <a:t>「コース概要」</a:t>
+            </a:r>
+            <a:r>
+              <a:rPr kumimoji="1" lang="ja-JP" altLang="en-US" dirty="0" smtClean="0"/>
+              <a:t>に記述</a:t>
+            </a:r>
+            <a:endParaRPr kumimoji="1" lang="en-US" altLang="ja-JP" dirty="0" smtClean="0"/>
+          </a:p>
+          <a:p>
+            <a:pPr lvl="2"/>
+            <a:r>
+              <a:rPr lang="ja-JP" altLang="en-US" dirty="0" smtClean="0"/>
+              <a:t>受講登録なくてもみられる</a:t>
+            </a:r>
+            <a:endParaRPr lang="en-US" altLang="ja-JP" dirty="0" smtClean="0"/>
+          </a:p>
+          <a:p>
+            <a:r>
+              <a:rPr lang="ja-JP" altLang="en-US" dirty="0" smtClean="0"/>
+              <a:t>学生へお知らせ：軽量なオンライン授業情報検索システム</a:t>
+            </a:r>
+            <a:r>
+              <a:rPr kumimoji="1" lang="ja-JP" altLang="en-US" dirty="0" smtClean="0"/>
+              <a:t>：</a:t>
+            </a:r>
+            <a:r>
+              <a:rPr kumimoji="1" lang="en-US" altLang="ja-JP" dirty="0" smtClean="0">
+                <a:hlinkClick r:id="rId3"/>
+              </a:rPr>
+              <a:t>UTAS </a:t>
+            </a:r>
+            <a:r>
+              <a:rPr kumimoji="1" lang="en-US" altLang="ja-JP" dirty="0" err="1" smtClean="0">
+                <a:hlinkClick r:id="rId3"/>
+              </a:rPr>
+              <a:t>Lite</a:t>
+            </a:r>
+            <a:endParaRPr kumimoji="1" lang="ja-JP" altLang="en-US" dirty="0"/>
           </a:p>
         </p:txBody>
       </p:sp>
@@ -53119,6 +53260,54 @@
           </a:p>
         </p:txBody>
       </p:sp>
+      <p:pic>
+        <p:nvPicPr>
+          <p:cNvPr id="7" name="コンテンツ プレースホルダ 28" descr="lms.png"/>
+          <p:cNvPicPr>
+            <a:picLocks noChangeAspect="1"/>
+          </p:cNvPicPr>
+          <p:nvPr/>
+        </p:nvPicPr>
+        <p:blipFill>
+          <a:blip r:embed="rId4" cstate="print"/>
+          <a:stretch>
+            <a:fillRect/>
+          </a:stretch>
+        </p:blipFill>
+        <p:spPr>
+          <a:xfrm>
+            <a:off x="6300192" y="1196752"/>
+            <a:ext cx="1860690" cy="1315573"/>
+          </a:xfrm>
+          <a:prstGeom prst="rect">
+            <a:avLst/>
+          </a:prstGeom>
+        </p:spPr>
+      </p:pic>
+      <p:pic>
+        <p:nvPicPr>
+          <p:cNvPr id="9" name="図 8" descr="utas-lite.png"/>
+          <p:cNvPicPr>
+            <a:picLocks noChangeAspect="1"/>
+          </p:cNvPicPr>
+          <p:nvPr/>
+        </p:nvPicPr>
+        <p:blipFill>
+          <a:blip r:embed="rId5" cstate="print"/>
+          <a:stretch>
+            <a:fillRect/>
+          </a:stretch>
+        </p:blipFill>
+        <p:spPr>
+          <a:xfrm>
+            <a:off x="6444208" y="5022468"/>
+            <a:ext cx="1800200" cy="1441507"/>
+          </a:xfrm>
+          <a:prstGeom prst="rect">
+            <a:avLst/>
+          </a:prstGeom>
+        </p:spPr>
+      </p:pic>
     </p:spTree>
   </p:cSld>
   <p:clrMapOvr>
@@ -53165,7 +53354,7 @@
             </a:r>
             <a:r>
               <a:rPr kumimoji="1" lang="ja-JP" altLang="en-US" dirty="0" smtClean="0"/>
-              <a:t>「コース概要」欄</a:t>
+              <a:t>「お知らせ」機能</a:t>
             </a:r>
             <a:endParaRPr kumimoji="1" lang="ja-JP" altLang="en-US" dirty="0"/>
           </a:p>
@@ -53181,70 +53370,38 @@
             <p:ph idx="1"/>
           </p:nvPr>
         </p:nvSpPr>
-        <p:spPr/>
+        <p:spPr>
+          <a:ln>
+            <a:solidFill>
+              <a:srgbClr val="00B050"/>
+            </a:solidFill>
+          </a:ln>
+        </p:spPr>
         <p:txBody>
           <a:bodyPr>
-            <a:normAutofit lnSpcReduction="10000"/>
+            <a:normAutofit/>
           </a:bodyPr>
           <a:lstStyle/>
           <a:p>
             <a:r>
-              <a:rPr lang="ja-JP" altLang="en-US" dirty="0" smtClean="0"/>
-              <a:t>〇受講登録していない学生でも見られる</a:t>
+              <a:rPr lang="ja-JP" altLang="en-US" dirty="0" smtClean="0">
+                <a:solidFill>
+                  <a:srgbClr val="00B050"/>
+                </a:solidFill>
+              </a:rPr>
+              <a:t>指定したタイミング</a:t>
             </a:r>
-            <a:endParaRPr lang="en-US" altLang="ja-JP" dirty="0" smtClean="0"/>
-          </a:p>
-          <a:p>
             <a:r>
               <a:rPr lang="ja-JP" altLang="en-US" dirty="0" smtClean="0"/>
-              <a:t>〇</a:t>
-            </a:r>
-            <a:r>
-              <a:rPr lang="en-US" altLang="ja-JP" dirty="0" err="1" smtClean="0"/>
-              <a:t>UTokyo</a:t>
+              <a:t>で受講登録済み学生にお知らせ（メール、</a:t>
             </a:r>
             <a:r>
               <a:rPr lang="en-US" altLang="ja-JP" dirty="0" smtClean="0"/>
-              <a:t> </a:t>
-            </a:r>
-            <a:r>
-              <a:rPr lang="en-US" altLang="ja-JP" dirty="0" smtClean="0"/>
-              <a:t>Account</a:t>
+              <a:t>LINE</a:t>
             </a:r>
             <a:r>
               <a:rPr lang="ja-JP" altLang="en-US" dirty="0" smtClean="0"/>
-              <a:t>は必要なので授業</a:t>
-            </a:r>
-            <a:r>
-              <a:rPr lang="en-US" altLang="ja-JP" dirty="0" smtClean="0"/>
-              <a:t>URL</a:t>
-            </a:r>
-            <a:r>
-              <a:rPr lang="ja-JP" altLang="en-US" dirty="0" smtClean="0"/>
-              <a:t>を野</a:t>
-            </a:r>
-            <a:r>
-              <a:rPr lang="ja-JP" altLang="en-US" dirty="0" err="1" smtClean="0"/>
-              <a:t>ざら</a:t>
-            </a:r>
-            <a:r>
-              <a:rPr lang="ja-JP" altLang="en-US" dirty="0" smtClean="0"/>
-              <a:t>しにする危険はない</a:t>
-            </a:r>
-            <a:endParaRPr lang="en-US" altLang="ja-JP" dirty="0" smtClean="0"/>
-          </a:p>
-          <a:p>
-            <a:r>
-              <a:rPr lang="ja-JP" altLang="en-US" dirty="0" smtClean="0"/>
-              <a:t>〇自分の授業へのダイレクトリンク（</a:t>
-            </a:r>
-            <a:r>
-              <a:rPr lang="en-US" altLang="ja-JP" dirty="0" smtClean="0"/>
-              <a:t>URL</a:t>
-            </a:r>
-            <a:r>
-              <a:rPr lang="ja-JP" altLang="en-US" dirty="0" smtClean="0"/>
-              <a:t>）がある</a:t>
+              <a:t>）を発出可能</a:t>
             </a:r>
             <a:endParaRPr lang="en-US" altLang="ja-JP" dirty="0" smtClean="0"/>
           </a:p>
@@ -53252,17 +53409,34 @@
             <a:pPr lvl="1"/>
             <a:r>
               <a:rPr lang="ja-JP" altLang="en-US" dirty="0" smtClean="0"/>
-              <a:t>学生</a:t>
+              <a:t>推奨：授業</a:t>
+            </a:r>
+            <a:r>
+              <a:rPr lang="ja-JP" altLang="en-US" dirty="0" smtClean="0">
+                <a:solidFill>
+                  <a:srgbClr val="00B050"/>
+                </a:solidFill>
+              </a:rPr>
+              <a:t>前日夜</a:t>
             </a:r>
             <a:r>
               <a:rPr lang="ja-JP" altLang="en-US" dirty="0" smtClean="0"/>
-              <a:t>を直接自分の授業ページへ誘導できる</a:t>
+              <a:t>（低負荷）</a:t>
             </a:r>
+            <a:endParaRPr lang="en-US" altLang="ja-JP" dirty="0" smtClean="0"/>
           </a:p>
           <a:p>
             <a:r>
+              <a:rPr lang="ja-JP" altLang="en-US" dirty="0" smtClean="0">
+                <a:solidFill>
+                  <a:srgbClr val="00B050"/>
+                </a:solidFill>
+              </a:rPr>
+              <a:t>◎</a:t>
+            </a:r>
+            <a:r>
               <a:rPr lang="ja-JP" altLang="en-US" dirty="0" smtClean="0"/>
-              <a:t>△学生は</a:t>
+              <a:t>学生は</a:t>
             </a:r>
             <a:r>
               <a:rPr lang="en-US" altLang="ja-JP" dirty="0" smtClean="0"/>
@@ -53270,12 +53444,78 @@
             </a:r>
             <a:r>
               <a:rPr lang="ja-JP" altLang="en-US" dirty="0" smtClean="0"/>
-              <a:t>にログインする必要がある（ログイン不能状態での助けにはならない）</a:t>
+              <a:t>へログイン不要</a:t>
             </a:r>
             <a:endParaRPr lang="en-US" altLang="ja-JP" dirty="0" smtClean="0"/>
           </a:p>
           <a:p>
-            <a:endParaRPr kumimoji="1" lang="ja-JP" altLang="en-US" dirty="0"/>
+            <a:r>
+              <a:rPr lang="ja-JP" altLang="en-US" dirty="0" smtClean="0">
+                <a:solidFill>
+                  <a:srgbClr val="00B050"/>
+                </a:solidFill>
+              </a:rPr>
+              <a:t>◎</a:t>
+            </a:r>
+            <a:r>
+              <a:rPr lang="ja-JP" altLang="en-US" dirty="0" smtClean="0"/>
+              <a:t>学生はタイムリーにお知らせ受信</a:t>
+            </a:r>
+            <a:endParaRPr lang="en-US" altLang="ja-JP" dirty="0" smtClean="0"/>
+          </a:p>
+          <a:p>
+            <a:pPr lvl="1"/>
+            <a:r>
+              <a:rPr lang="ja-JP" altLang="en-US" dirty="0" smtClean="0"/>
+              <a:t>しつこく注：前日夜を推奨</a:t>
+            </a:r>
+            <a:endParaRPr lang="en-US" altLang="ja-JP" dirty="0" smtClean="0"/>
+          </a:p>
+          <a:p>
+            <a:r>
+              <a:rPr lang="ja-JP" altLang="en-US" dirty="0" smtClean="0">
+                <a:solidFill>
+                  <a:srgbClr val="FF0000"/>
+                </a:solidFill>
+              </a:rPr>
+              <a:t>△</a:t>
+            </a:r>
+            <a:r>
+              <a:rPr lang="en-US" altLang="ja-JP" dirty="0" smtClean="0"/>
+              <a:t> </a:t>
+            </a:r>
+            <a:r>
+              <a:rPr lang="ja-JP" altLang="en-US" dirty="0" smtClean="0"/>
+              <a:t>受講登録のひと手間（</a:t>
+            </a:r>
+            <a:r>
+              <a:rPr lang="en-US" altLang="ja-JP" dirty="0" smtClean="0"/>
+              <a:t>1</a:t>
+            </a:r>
+            <a:r>
+              <a:rPr lang="ja-JP" altLang="en-US" dirty="0" smtClean="0"/>
+              <a:t>クリック</a:t>
+            </a:r>
+            <a:r>
+              <a:rPr lang="ja-JP" altLang="en-US" dirty="0" smtClean="0"/>
+              <a:t>）</a:t>
+            </a:r>
+            <a:endParaRPr lang="en-US" altLang="ja-JP" dirty="0" smtClean="0"/>
+          </a:p>
+          <a:p>
+            <a:r>
+              <a:rPr lang="ja-JP" altLang="en-US" dirty="0" smtClean="0">
+                <a:hlinkClick r:id="rId2"/>
+              </a:rPr>
+              <a:t>やり方の</a:t>
+            </a:r>
+            <a:r>
+              <a:rPr lang="ja-JP" altLang="en-US" dirty="0" smtClean="0">
+                <a:hlinkClick r:id="rId2"/>
+              </a:rPr>
+              <a:t>動画</a:t>
+            </a:r>
+            <a:endParaRPr lang="en-US" altLang="ja-JP" dirty="0" smtClean="0"/>
           </a:p>
         </p:txBody>
       </p:sp>
@@ -53389,7 +53629,15 @@
           <a:bodyPr/>
           <a:lstStyle/>
           <a:p>
-            <a:endParaRPr kumimoji="1" lang="ja-JP" altLang="en-US"/>
+            <a:r>
+              <a:rPr kumimoji="1" lang="en-US" altLang="ja-JP" dirty="0" smtClean="0"/>
+              <a:t>ITC-LMS</a:t>
+            </a:r>
+            <a:r>
+              <a:rPr kumimoji="1" lang="ja-JP" altLang="en-US" dirty="0" smtClean="0"/>
+              <a:t>「コース概要」欄</a:t>
+            </a:r>
+            <a:endParaRPr kumimoji="1" lang="ja-JP" altLang="en-US" dirty="0"/>
           </a:p>
         </p:txBody>
       </p:sp>
@@ -53405,10 +53653,119 @@
         </p:nvSpPr>
         <p:spPr/>
         <p:txBody>
-          <a:bodyPr/>
+          <a:bodyPr>
+            <a:normAutofit lnSpcReduction="10000"/>
+          </a:bodyPr>
           <a:lstStyle/>
           <a:p>
-            <a:endParaRPr kumimoji="1" lang="ja-JP" altLang="en-US"/>
+            <a:r>
+              <a:rPr lang="ja-JP" altLang="en-US" dirty="0" smtClean="0">
+                <a:solidFill>
+                  <a:srgbClr val="00B050"/>
+                </a:solidFill>
+              </a:rPr>
+              <a:t>〇</a:t>
+            </a:r>
+            <a:r>
+              <a:rPr lang="ja-JP" altLang="en-US" dirty="0" smtClean="0"/>
+              <a:t>受講登録していない学生でも見られる</a:t>
+            </a:r>
+            <a:endParaRPr lang="en-US" altLang="ja-JP" dirty="0" smtClean="0"/>
+          </a:p>
+          <a:p>
+            <a:r>
+              <a:rPr lang="ja-JP" altLang="en-US" dirty="0" smtClean="0">
+                <a:solidFill>
+                  <a:srgbClr val="00B050"/>
+                </a:solidFill>
+              </a:rPr>
+              <a:t>〇</a:t>
+            </a:r>
+            <a:r>
+              <a:rPr lang="en-US" altLang="ja-JP" dirty="0" err="1" smtClean="0"/>
+              <a:t>UTokyo</a:t>
+            </a:r>
+            <a:r>
+              <a:rPr lang="en-US" altLang="ja-JP" dirty="0" smtClean="0"/>
+              <a:t> Account</a:t>
+            </a:r>
+            <a:r>
+              <a:rPr lang="ja-JP" altLang="en-US" dirty="0" smtClean="0"/>
+              <a:t>は必要なので授業</a:t>
+            </a:r>
+            <a:r>
+              <a:rPr lang="en-US" altLang="ja-JP" dirty="0" smtClean="0"/>
+              <a:t>URL</a:t>
+            </a:r>
+            <a:r>
+              <a:rPr lang="ja-JP" altLang="en-US" dirty="0" smtClean="0"/>
+              <a:t>を野</a:t>
+            </a:r>
+            <a:r>
+              <a:rPr lang="ja-JP" altLang="en-US" dirty="0" err="1" smtClean="0"/>
+              <a:t>ざら</a:t>
+            </a:r>
+            <a:r>
+              <a:rPr lang="ja-JP" altLang="en-US" dirty="0" smtClean="0"/>
+              <a:t>しにする危険はない</a:t>
+            </a:r>
+            <a:endParaRPr lang="en-US" altLang="ja-JP" dirty="0" smtClean="0"/>
+          </a:p>
+          <a:p>
+            <a:r>
+              <a:rPr lang="ja-JP" altLang="en-US" dirty="0" smtClean="0">
+                <a:solidFill>
+                  <a:srgbClr val="00B050"/>
+                </a:solidFill>
+              </a:rPr>
+              <a:t>〇</a:t>
+            </a:r>
+            <a:r>
+              <a:rPr lang="ja-JP" altLang="en-US" dirty="0" smtClean="0"/>
+              <a:t>自分の授業へのダイレクトリンク（</a:t>
+            </a:r>
+            <a:r>
+              <a:rPr lang="en-US" altLang="ja-JP" dirty="0" smtClean="0"/>
+              <a:t>URL</a:t>
+            </a:r>
+            <a:r>
+              <a:rPr lang="ja-JP" altLang="en-US" dirty="0" smtClean="0"/>
+              <a:t>）がある</a:t>
+            </a:r>
+            <a:endParaRPr lang="en-US" altLang="ja-JP" dirty="0" smtClean="0"/>
+          </a:p>
+          <a:p>
+            <a:pPr lvl="1"/>
+            <a:r>
+              <a:rPr lang="ja-JP" altLang="en-US" dirty="0" smtClean="0"/>
+              <a:t>学生を直接自分の授業ページへ誘導できる</a:t>
+            </a:r>
+          </a:p>
+          <a:p>
+            <a:r>
+              <a:rPr lang="ja-JP" altLang="en-US" dirty="0" smtClean="0">
+                <a:solidFill>
+                  <a:srgbClr val="FF0000"/>
+                </a:solidFill>
+              </a:rPr>
+              <a:t>△</a:t>
+            </a:r>
+            <a:r>
+              <a:rPr lang="ja-JP" altLang="en-US" dirty="0" smtClean="0"/>
+              <a:t>学生は</a:t>
+            </a:r>
+            <a:r>
+              <a:rPr lang="en-US" altLang="ja-JP" dirty="0" smtClean="0"/>
+              <a:t>ITC-LMS</a:t>
+            </a:r>
+            <a:r>
+              <a:rPr lang="ja-JP" altLang="en-US" dirty="0" smtClean="0"/>
+              <a:t>にログインする必要がある（ログイン不能状態での助けにはならない）</a:t>
+            </a:r>
+            <a:endParaRPr lang="en-US" altLang="ja-JP" dirty="0" smtClean="0"/>
+          </a:p>
+          <a:p>
+            <a:endParaRPr kumimoji="1" lang="ja-JP" altLang="en-US" dirty="0"/>
           </a:p>
         </p:txBody>
       </p:sp>
@@ -53549,11 +53906,7 @@
             </a:r>
             <a:r>
               <a:rPr lang="ja-JP" altLang="en-US" sz="2700" dirty="0" smtClean="0"/>
-              <a:t>東京</a:t>
-            </a:r>
-            <a:r>
-              <a:rPr lang="ja-JP" altLang="en-US" sz="2700" dirty="0" smtClean="0"/>
-              <a:t>大学オンライン講義検索システム </a:t>
+              <a:t>東京大学オンライン講義検索システム </a:t>
             </a:r>
             <a:endParaRPr kumimoji="1" lang="ja-JP" altLang="en-US" dirty="0"/>
           </a:p>
@@ -53580,28 +53933,14 @@
               <a:rPr lang="en-US" altLang="ja-JP" dirty="0" smtClean="0">
                 <a:hlinkClick r:id="rId2"/>
               </a:rPr>
-              <a:t>https://utelecon-directory.adm.u-tokyo.ac.jp/utas</a:t>
-            </a:r>
-            <a:r>
-              <a:rPr lang="en-US" altLang="ja-JP" dirty="0" smtClean="0">
-                <a:hlinkClick r:id="rId2"/>
-              </a:rPr>
-              <a:t>/</a:t>
+              <a:t>https://utelecon-directory.adm.u-tokyo.ac.jp/utas/</a:t>
             </a:r>
             <a:endParaRPr lang="en-US" altLang="ja-JP" dirty="0" smtClean="0"/>
           </a:p>
           <a:p>
             <a:r>
               <a:rPr lang="ja-JP" altLang="en-US" dirty="0" smtClean="0"/>
-              <a:t>急ごしらえだが、「</a:t>
-            </a:r>
-            <a:r>
-              <a:rPr lang="ja-JP" altLang="en-US" dirty="0" smtClean="0"/>
-              <a:t>地味に</a:t>
-            </a:r>
-            <a:r>
-              <a:rPr lang="ja-JP" altLang="en-US" dirty="0" smtClean="0"/>
-              <a:t>いい仕事します」</a:t>
+              <a:t>急ごしらえだが、「地味にいい仕事します」</a:t>
             </a:r>
             <a:endParaRPr lang="en-US" altLang="ja-JP" dirty="0" smtClean="0"/>
           </a:p>
@@ -53664,11 +54003,7 @@
             <a:pPr lvl="2"/>
             <a:r>
               <a:rPr lang="ja-JP" altLang="en-US" dirty="0" smtClean="0"/>
-              <a:t>サインイン</a:t>
-            </a:r>
-            <a:r>
-              <a:rPr lang="ja-JP" altLang="en-US" dirty="0" smtClean="0"/>
-              <a:t>に</a:t>
+              <a:t>サインインに</a:t>
             </a:r>
             <a:r>
               <a:rPr lang="en-US" altLang="ja-JP" dirty="0" smtClean="0"/>
@@ -53733,11 +54068,7 @@
             </a:r>
             <a:r>
               <a:rPr lang="ja-JP" altLang="en-US" sz="2100" dirty="0" smtClean="0"/>
-              <a:t> 負荷対策のため</a:t>
-            </a:r>
-            <a:r>
-              <a:rPr lang="ja-JP" altLang="en-US" sz="2100" dirty="0" smtClean="0"/>
-              <a:t>の急ごしらえです</a:t>
+              <a:t> 負荷対策のための急ごしらえです</a:t>
             </a:r>
             <a:endParaRPr lang="en-US" altLang="ja-JP" dirty="0" smtClean="0"/>
           </a:p>
@@ -56588,7 +56919,7 @@
         <p:spPr/>
         <p:txBody>
           <a:bodyPr>
-            <a:normAutofit fontScale="92500" lnSpcReduction="20000"/>
+            <a:normAutofit fontScale="85000" lnSpcReduction="10000"/>
           </a:bodyPr>
           <a:lstStyle/>
           <a:p>
@@ -56689,7 +57020,7 @@
           <a:p>
             <a:r>
               <a:rPr lang="ja-JP" altLang="en-US" dirty="0" smtClean="0"/>
-              <a:t>その後発覚</a:t>
+              <a:t>その後</a:t>
             </a:r>
             <a:endParaRPr lang="en-US" altLang="ja-JP" dirty="0" smtClean="0"/>
           </a:p>
@@ -56709,7 +57040,7 @@
                   <a:srgbClr val="FF0000"/>
                 </a:solidFill>
               </a:rPr>
-              <a:t>UTAS</a:t>
+              <a:t>UTAS/ITC-LMS</a:t>
             </a:r>
             <a:r>
               <a:rPr lang="ja-JP" altLang="en-US" dirty="0" smtClean="0">
@@ -56717,8 +57048,32 @@
                   <a:srgbClr val="FF0000"/>
                 </a:solidFill>
               </a:rPr>
-              <a:t>重すぎ問題」</a:t>
+              <a:t>重すぎ</a:t>
             </a:r>
+            <a:r>
+              <a:rPr lang="ja-JP" altLang="en-US" dirty="0" smtClean="0">
+                <a:solidFill>
+                  <a:srgbClr val="FF0000"/>
+                </a:solidFill>
+              </a:rPr>
+              <a:t>問題</a:t>
+            </a:r>
+            <a:r>
+              <a:rPr lang="ja-JP" altLang="en-US" dirty="0" smtClean="0">
+                <a:solidFill>
+                  <a:srgbClr val="FF0000"/>
+                </a:solidFill>
+              </a:rPr>
+              <a:t>」</a:t>
+            </a:r>
+            <a:endParaRPr lang="en-US" altLang="ja-JP" dirty="0" smtClean="0">
+              <a:solidFill>
+                <a:srgbClr val="FF0000"/>
+              </a:solidFill>
+            </a:endParaRPr>
+          </a:p>
+          <a:p>
+            <a:pPr lvl="2"/>
             <a:r>
               <a:rPr lang="en-US" altLang="ja-JP" dirty="0" smtClean="0"/>
               <a:t>4/3</a:t>
@@ -56749,24 +57104,28 @@
             </a:r>
             <a:r>
               <a:rPr lang="ja-JP" altLang="en-US" dirty="0" smtClean="0"/>
-              <a:t>にアクセスする方式は機能しないのではという懸念</a:t>
+              <a:t>にアクセスする方式は機能しないのではという</a:t>
+            </a:r>
+            <a:r>
+              <a:rPr lang="ja-JP" altLang="en-US" dirty="0" smtClean="0"/>
+              <a:t>懸念</a:t>
             </a:r>
             <a:endParaRPr lang="en-US" altLang="ja-JP" dirty="0" smtClean="0"/>
           </a:p>
           <a:p>
-            <a:pPr lvl="1"/>
-            <a:r>
-              <a:rPr lang="ja-JP" altLang="en-US" dirty="0" smtClean="0"/>
-              <a:t>「</a:t>
-            </a:r>
+            <a:pPr lvl="2"/>
             <a:r>
               <a:rPr lang="en-US" altLang="ja-JP" dirty="0" smtClean="0"/>
               <a:t>ITC-LMS</a:t>
             </a:r>
             <a:r>
               <a:rPr lang="ja-JP" altLang="en-US" dirty="0" smtClean="0"/>
-              <a:t>も重い問題」</a:t>
+              <a:t>もあらたなリクエストに反応しなくなる時がある</a:t>
             </a:r>
+            <a:endParaRPr lang="en-US" altLang="ja-JP" dirty="0" smtClean="0"/>
+          </a:p>
+          <a:p>
+            <a:pPr lvl="1"/>
             <a:endParaRPr lang="en-US" altLang="ja-JP" dirty="0" smtClean="0"/>
           </a:p>
         </p:txBody>
@@ -56947,6 +57306,302 @@
 </file>
 
 <file path=ppt/slides/slide5.xml><?xml version="1.0" encoding="utf-8"?>
+<p:sld xmlns:a="http://schemas.openxmlformats.org/drawingml/2006/main" xmlns:r="http://schemas.openxmlformats.org/officeDocument/2006/relationships" xmlns:p="http://schemas.openxmlformats.org/presentationml/2006/main">
+  <p:cSld>
+    <p:spTree>
+      <p:nvGrpSpPr>
+        <p:cNvPr id="1" name=""/>
+        <p:cNvGrpSpPr/>
+        <p:nvPr/>
+      </p:nvGrpSpPr>
+      <p:grpSpPr>
+        <a:xfrm>
+          <a:off x="0" y="0"/>
+          <a:ext cx="0" cy="0"/>
+          <a:chOff x="0" y="0"/>
+          <a:chExt cx="0" cy="0"/>
+        </a:xfrm>
+      </p:grpSpPr>
+      <p:sp>
+        <p:nvSpPr>
+          <p:cNvPr id="2" name="タイトル 1"/>
+          <p:cNvSpPr>
+            <a:spLocks noGrp="1"/>
+          </p:cNvSpPr>
+          <p:nvPr>
+            <p:ph type="title"/>
+          </p:nvPr>
+        </p:nvSpPr>
+        <p:spPr/>
+        <p:txBody>
+          <a:bodyPr>
+            <a:normAutofit/>
+          </a:bodyPr>
+          <a:lstStyle/>
+          <a:p>
+            <a:endParaRPr kumimoji="1" lang="ja-JP" altLang="en-US" dirty="0"/>
+          </a:p>
+        </p:txBody>
+      </p:sp>
+      <p:sp>
+        <p:nvSpPr>
+          <p:cNvPr id="3" name="コンテンツ プレースホルダ 2"/>
+          <p:cNvSpPr>
+            <a:spLocks noGrp="1"/>
+          </p:cNvSpPr>
+          <p:nvPr>
+            <p:ph idx="1"/>
+          </p:nvPr>
+        </p:nvSpPr>
+        <p:spPr/>
+        <p:txBody>
+          <a:bodyPr>
+            <a:normAutofit/>
+          </a:bodyPr>
+          <a:lstStyle/>
+          <a:p>
+            <a:r>
+              <a:rPr lang="en-US" altLang="ja-JP" dirty="0" smtClean="0">
+                <a:solidFill>
+                  <a:schemeClr val="tx1"/>
+                </a:solidFill>
+              </a:rPr>
+              <a:t>『</a:t>
+            </a:r>
+            <a:r>
+              <a:rPr lang="ja-JP" altLang="en-US" dirty="0" smtClean="0">
+                <a:solidFill>
+                  <a:schemeClr val="tx1"/>
+                </a:solidFill>
+              </a:rPr>
+              <a:t>オンライン授業</a:t>
+            </a:r>
+            <a:r>
+              <a:rPr lang="en-US" altLang="ja-JP" dirty="0" smtClean="0">
+                <a:solidFill>
+                  <a:schemeClr val="tx1"/>
+                </a:solidFill>
+              </a:rPr>
+              <a:t>URL』</a:t>
+            </a:r>
+            <a:r>
+              <a:rPr lang="ja-JP" altLang="en-US" dirty="0" smtClean="0">
+                <a:solidFill>
+                  <a:schemeClr val="tx1"/>
+                </a:solidFill>
+              </a:rPr>
+              <a:t>不便</a:t>
+            </a:r>
+            <a:r>
+              <a:rPr lang="ja-JP" altLang="en-US" dirty="0" smtClean="0">
+                <a:solidFill>
+                  <a:schemeClr val="tx1"/>
+                </a:solidFill>
+              </a:rPr>
+              <a:t>問題</a:t>
+            </a:r>
+            <a:endParaRPr lang="en-US" altLang="ja-JP" dirty="0" smtClean="0">
+              <a:solidFill>
+                <a:schemeClr val="tx1"/>
+              </a:solidFill>
+            </a:endParaRPr>
+          </a:p>
+          <a:p>
+            <a:r>
+              <a:rPr lang="ja-JP" altLang="en-US" dirty="0" smtClean="0">
+                <a:solidFill>
+                  <a:schemeClr val="tx1"/>
+                </a:solidFill>
+              </a:rPr>
+              <a:t>教室</a:t>
+            </a:r>
+            <a:r>
+              <a:rPr lang="ja-JP" altLang="en-US" dirty="0" smtClean="0">
+                <a:solidFill>
+                  <a:schemeClr val="tx1"/>
+                </a:solidFill>
+              </a:rPr>
+              <a:t>情報残ってる</a:t>
+            </a:r>
+            <a:r>
+              <a:rPr lang="ja-JP" altLang="en-US" dirty="0" smtClean="0">
+                <a:solidFill>
+                  <a:schemeClr val="tx1"/>
+                </a:solidFill>
+              </a:rPr>
+              <a:t>問題</a:t>
+            </a:r>
+            <a:endParaRPr lang="en-US" altLang="ja-JP" dirty="0" smtClean="0">
+              <a:solidFill>
+                <a:schemeClr val="tx1"/>
+              </a:solidFill>
+            </a:endParaRPr>
+          </a:p>
+          <a:p>
+            <a:r>
+              <a:rPr lang="en-US" altLang="ja-JP" dirty="0" smtClean="0">
+                <a:solidFill>
+                  <a:schemeClr val="tx1"/>
+                </a:solidFill>
+              </a:rPr>
+              <a:t>UTAS/ITC-LMS</a:t>
+            </a:r>
+            <a:r>
+              <a:rPr lang="ja-JP" altLang="en-US" dirty="0" smtClean="0">
+                <a:solidFill>
+                  <a:schemeClr val="tx1"/>
+                </a:solidFill>
+              </a:rPr>
+              <a:t>重すぎ</a:t>
+            </a:r>
+            <a:r>
+              <a:rPr lang="ja-JP" altLang="en-US" dirty="0" smtClean="0">
+                <a:solidFill>
+                  <a:schemeClr val="tx1"/>
+                </a:solidFill>
+              </a:rPr>
+              <a:t>問題</a:t>
+            </a:r>
+            <a:endParaRPr lang="en-US" altLang="ja-JP" dirty="0" smtClean="0">
+              <a:solidFill>
+                <a:schemeClr val="tx1"/>
+              </a:solidFill>
+            </a:endParaRPr>
+          </a:p>
+        </p:txBody>
+      </p:sp>
+      <p:sp>
+        <p:nvSpPr>
+          <p:cNvPr id="4" name="日付プレースホルダ 3"/>
+          <p:cNvSpPr>
+            <a:spLocks noGrp="1"/>
+          </p:cNvSpPr>
+          <p:nvPr>
+            <p:ph type="dt" sz="half" idx="10"/>
+          </p:nvPr>
+        </p:nvSpPr>
+        <p:spPr/>
+        <p:txBody>
+          <a:bodyPr/>
+          <a:lstStyle/>
+          <a:p>
+            <a:r>
+              <a:rPr kumimoji="1" lang="en-US" altLang="ja-JP" smtClean="0"/>
+              <a:t>2020/4/16</a:t>
+            </a:r>
+            <a:endParaRPr kumimoji="1" lang="ja-JP" altLang="en-US"/>
+          </a:p>
+        </p:txBody>
+      </p:sp>
+      <p:sp>
+        <p:nvSpPr>
+          <p:cNvPr id="5" name="フッター プレースホルダ 4"/>
+          <p:cNvSpPr>
+            <a:spLocks noGrp="1"/>
+          </p:cNvSpPr>
+          <p:nvPr>
+            <p:ph type="ftr" sz="quarter" idx="11"/>
+          </p:nvPr>
+        </p:nvSpPr>
+        <p:spPr/>
+        <p:txBody>
+          <a:bodyPr/>
+          <a:lstStyle/>
+          <a:p>
+            <a:r>
+              <a:rPr kumimoji="1" lang="en-US" altLang="ja-JP" smtClean="0"/>
+              <a:t>utelecon.github.io</a:t>
+            </a:r>
+            <a:endParaRPr kumimoji="1" lang="ja-JP" altLang="en-US"/>
+          </a:p>
+        </p:txBody>
+      </p:sp>
+      <p:sp>
+        <p:nvSpPr>
+          <p:cNvPr id="6" name="スライド番号プレースホルダ 5"/>
+          <p:cNvSpPr>
+            <a:spLocks noGrp="1"/>
+          </p:cNvSpPr>
+          <p:nvPr>
+            <p:ph type="sldNum" sz="quarter" idx="12"/>
+          </p:nvPr>
+        </p:nvSpPr>
+        <p:spPr/>
+        <p:txBody>
+          <a:bodyPr/>
+          <a:lstStyle/>
+          <a:p>
+            <a:fld id="{EDF77D8D-9987-453A-9A05-EB91CA595C68}" type="slidenum">
+              <a:rPr kumimoji="1" lang="ja-JP" altLang="en-US" smtClean="0"/>
+              <a:pPr/>
+              <a:t>5</a:t>
+            </a:fld>
+            <a:endParaRPr kumimoji="1" lang="ja-JP" altLang="en-US"/>
+          </a:p>
+        </p:txBody>
+      </p:sp>
+      <p:sp>
+        <p:nvSpPr>
+          <p:cNvPr id="8" name="正方形/長方形 7"/>
+          <p:cNvSpPr/>
+          <p:nvPr/>
+        </p:nvSpPr>
+        <p:spPr>
+          <a:xfrm>
+            <a:off x="899592" y="1484784"/>
+            <a:ext cx="6192688" cy="576064"/>
+          </a:xfrm>
+          <a:prstGeom prst="rect">
+            <a:avLst/>
+          </a:prstGeom>
+          <a:noFill/>
+          <a:ln w="38100">
+            <a:solidFill>
+              <a:srgbClr val="FF0000"/>
+            </a:solidFill>
+          </a:ln>
+        </p:spPr>
+        <p:style>
+          <a:lnRef idx="2">
+            <a:schemeClr val="accent1">
+              <a:shade val="50000"/>
+            </a:schemeClr>
+          </a:lnRef>
+          <a:fillRef idx="1">
+            <a:schemeClr val="accent1"/>
+          </a:fillRef>
+          <a:effectRef idx="0">
+            <a:schemeClr val="accent1"/>
+          </a:effectRef>
+          <a:fontRef idx="minor">
+            <a:schemeClr val="lt1"/>
+          </a:fontRef>
+        </p:style>
+        <p:txBody>
+          <a:bodyPr rtlCol="0" anchor="ctr"/>
+          <a:lstStyle/>
+          <a:p>
+            <a:pPr algn="ctr"/>
+            <a:endParaRPr kumimoji="1" lang="ja-JP" altLang="en-US"/>
+          </a:p>
+        </p:txBody>
+      </p:sp>
+    </p:spTree>
+  </p:cSld>
+  <p:clrMapOvr>
+    <a:masterClrMapping/>
+  </p:clrMapOvr>
+  <p:timing>
+    <p:tnLst>
+      <p:par>
+        <p:cTn id="1" dur="indefinite" restart="never" nodeType="tmRoot"/>
+      </p:par>
+    </p:tnLst>
+  </p:timing>
+</p:sld>
+</file>
+
+<file path=ppt/slides/slide6.xml><?xml version="1.0" encoding="utf-8"?>
 <p:sld xmlns:a="http://schemas.openxmlformats.org/drawingml/2006/main" xmlns:r="http://schemas.openxmlformats.org/officeDocument/2006/relationships" xmlns:p="http://schemas.openxmlformats.org/presentationml/2006/main">
   <p:cSld>
     <p:spTree>
@@ -57261,7 +57916,7 @@
             <a:fld id="{EDF77D8D-9987-453A-9A05-EB91CA595C68}" type="slidenum">
               <a:rPr kumimoji="1" lang="ja-JP" altLang="en-US" smtClean="0"/>
               <a:pPr/>
-              <a:t>5</a:t>
+              <a:t>6</a:t>
             </a:fld>
             <a:endParaRPr kumimoji="1" lang="ja-JP" altLang="en-US"/>
           </a:p>
@@ -57275,7 +57930,7 @@
 </p:sld>
 </file>
 
-<file path=ppt/slides/slide6.xml><?xml version="1.0" encoding="utf-8"?>
+<file path=ppt/slides/slide7.xml><?xml version="1.0" encoding="utf-8"?>
 <p:sld xmlns:a="http://schemas.openxmlformats.org/drawingml/2006/main" xmlns:r="http://schemas.openxmlformats.org/officeDocument/2006/relationships" xmlns:p="http://schemas.openxmlformats.org/presentationml/2006/main">
   <p:cSld>
     <p:spTree>
@@ -57340,27 +57995,11 @@
               <a:rPr kumimoji="1" lang="ja-JP" altLang="en-US" dirty="0" smtClean="0">
                 <a:hlinkClick r:id="rId2"/>
               </a:rPr>
-              <a:t>東京</a:t>
-            </a:r>
-            <a:r>
-              <a:rPr kumimoji="1" lang="ja-JP" altLang="en-US" dirty="0" smtClean="0">
-                <a:hlinkClick r:id="rId2"/>
-              </a:rPr>
-              <a:t>大学授業</a:t>
-            </a:r>
-            <a:r>
-              <a:rPr kumimoji="1" lang="ja-JP" altLang="en-US" dirty="0" smtClean="0">
-                <a:hlinkClick r:id="rId2"/>
-              </a:rPr>
-              <a:t>カタログ」</a:t>
+              <a:t>東京大学授業カタログ」</a:t>
             </a:r>
             <a:r>
               <a:rPr kumimoji="1" lang="ja-JP" altLang="en-US" dirty="0" smtClean="0"/>
-              <a:t>を</a:t>
-            </a:r>
-            <a:r>
-              <a:rPr kumimoji="1" lang="ja-JP" altLang="en-US" dirty="0" smtClean="0"/>
-              <a:t>通じてオンライン授業</a:t>
+              <a:t>を通じてオンライン授業</a:t>
             </a:r>
             <a:r>
               <a:rPr kumimoji="1" lang="en-US" altLang="ja-JP" dirty="0" smtClean="0"/>
@@ -57524,7 +58163,7 @@
             <a:fld id="{EDF77D8D-9987-453A-9A05-EB91CA595C68}" type="slidenum">
               <a:rPr kumimoji="1" lang="ja-JP" altLang="en-US" smtClean="0"/>
               <a:pPr/>
-              <a:t>6</a:t>
+              <a:t>7</a:t>
             </a:fld>
             <a:endParaRPr kumimoji="1" lang="ja-JP" altLang="en-US"/>
           </a:p>
@@ -57538,7 +58177,7 @@
 </p:sld>
 </file>
 
-<file path=ppt/slides/slide7.xml><?xml version="1.0" encoding="utf-8"?>
+<file path=ppt/slides/slide8.xml><?xml version="1.0" encoding="utf-8"?>
 <p:sld xmlns:a="http://schemas.openxmlformats.org/drawingml/2006/main" xmlns:r="http://schemas.openxmlformats.org/officeDocument/2006/relationships" xmlns:p="http://schemas.openxmlformats.org/presentationml/2006/main">
   <p:cSld>
     <p:spTree>
@@ -57647,11 +58286,7 @@
             </a:r>
             <a:r>
               <a:rPr lang="ja-JP" altLang="en-US" dirty="0" smtClean="0"/>
-              <a:t>その後</a:t>
-            </a:r>
-            <a:r>
-              <a:rPr lang="ja-JP" altLang="en-US" dirty="0" smtClean="0"/>
-              <a:t>の検討</a:t>
+              <a:t>その後の検討</a:t>
             </a:r>
             <a:endParaRPr lang="en-US" altLang="ja-JP" dirty="0" smtClean="0"/>
           </a:p>
@@ -57668,176 +58303,6 @@
             <a:r>
               <a:rPr lang="ja-JP" altLang="en-US" dirty="0" smtClean="0"/>
               <a:t>学期の途中から教室を使うことになる可能性なども考えると、今教室状況を文字通り「消去」すると後々復活させる際に混乱が生じかねない</a:t>
-            </a:r>
-            <a:endParaRPr lang="en-US" altLang="ja-JP" dirty="0" smtClean="0"/>
-          </a:p>
-        </p:txBody>
-      </p:sp>
-      <p:sp>
-        <p:nvSpPr>
-          <p:cNvPr id="4" name="日付プレースホルダ 3"/>
-          <p:cNvSpPr>
-            <a:spLocks noGrp="1"/>
-          </p:cNvSpPr>
-          <p:nvPr>
-            <p:ph type="dt" sz="half" idx="10"/>
-          </p:nvPr>
-        </p:nvSpPr>
-        <p:spPr/>
-        <p:txBody>
-          <a:bodyPr/>
-          <a:lstStyle/>
-          <a:p>
-            <a:r>
-              <a:rPr kumimoji="1" lang="en-US" altLang="ja-JP" smtClean="0"/>
-              <a:t>2020/4/16</a:t>
-            </a:r>
-            <a:endParaRPr kumimoji="1" lang="ja-JP" altLang="en-US"/>
-          </a:p>
-        </p:txBody>
-      </p:sp>
-      <p:sp>
-        <p:nvSpPr>
-          <p:cNvPr id="5" name="フッター プレースホルダ 4"/>
-          <p:cNvSpPr>
-            <a:spLocks noGrp="1"/>
-          </p:cNvSpPr>
-          <p:nvPr>
-            <p:ph type="ftr" sz="quarter" idx="11"/>
-          </p:nvPr>
-        </p:nvSpPr>
-        <p:spPr/>
-        <p:txBody>
-          <a:bodyPr/>
-          <a:lstStyle/>
-          <a:p>
-            <a:r>
-              <a:rPr kumimoji="1" lang="en-US" altLang="ja-JP" smtClean="0"/>
-              <a:t>utelecon.github.io</a:t>
-            </a:r>
-            <a:endParaRPr kumimoji="1" lang="ja-JP" altLang="en-US"/>
-          </a:p>
-        </p:txBody>
-      </p:sp>
-      <p:sp>
-        <p:nvSpPr>
-          <p:cNvPr id="6" name="スライド番号プレースホルダ 5"/>
-          <p:cNvSpPr>
-            <a:spLocks noGrp="1"/>
-          </p:cNvSpPr>
-          <p:nvPr>
-            <p:ph type="sldNum" sz="quarter" idx="12"/>
-          </p:nvPr>
-        </p:nvSpPr>
-        <p:spPr/>
-        <p:txBody>
-          <a:bodyPr/>
-          <a:lstStyle/>
-          <a:p>
-            <a:fld id="{EDF77D8D-9987-453A-9A05-EB91CA595C68}" type="slidenum">
-              <a:rPr kumimoji="1" lang="ja-JP" altLang="en-US" smtClean="0"/>
-              <a:pPr/>
-              <a:t>7</a:t>
-            </a:fld>
-            <a:endParaRPr kumimoji="1" lang="ja-JP" altLang="en-US"/>
-          </a:p>
-        </p:txBody>
-      </p:sp>
-    </p:spTree>
-  </p:cSld>
-  <p:clrMapOvr>
-    <a:masterClrMapping/>
-  </p:clrMapOvr>
-</p:sld>
-</file>
-
-<file path=ppt/slides/slide8.xml><?xml version="1.0" encoding="utf-8"?>
-<p:sld xmlns:a="http://schemas.openxmlformats.org/drawingml/2006/main" xmlns:r="http://schemas.openxmlformats.org/officeDocument/2006/relationships" xmlns:p="http://schemas.openxmlformats.org/presentationml/2006/main">
-  <p:cSld>
-    <p:spTree>
-      <p:nvGrpSpPr>
-        <p:cNvPr id="1" name=""/>
-        <p:cNvGrpSpPr/>
-        <p:nvPr/>
-      </p:nvGrpSpPr>
-      <p:grpSpPr>
-        <a:xfrm>
-          <a:off x="0" y="0"/>
-          <a:ext cx="0" cy="0"/>
-          <a:chOff x="0" y="0"/>
-          <a:chExt cx="0" cy="0"/>
-        </a:xfrm>
-      </p:grpSpPr>
-      <p:sp>
-        <p:nvSpPr>
-          <p:cNvPr id="2" name="タイトル 1"/>
-          <p:cNvSpPr>
-            <a:spLocks noGrp="1"/>
-          </p:cNvSpPr>
-          <p:nvPr>
-            <p:ph type="title"/>
-          </p:nvPr>
-        </p:nvSpPr>
-        <p:spPr/>
-        <p:txBody>
-          <a:bodyPr>
-            <a:normAutofit/>
-          </a:bodyPr>
-          <a:lstStyle/>
-          <a:p>
-            <a:r>
-              <a:rPr lang="ja-JP" altLang="en-US" dirty="0" smtClean="0">
-                <a:solidFill>
-                  <a:schemeClr val="tx1"/>
-                </a:solidFill>
-              </a:rPr>
-              <a:t>「教室情報残ってる問題」</a:t>
-            </a:r>
-            <a:endParaRPr kumimoji="1" lang="ja-JP" altLang="en-US" dirty="0">
-              <a:solidFill>
-                <a:schemeClr val="tx1"/>
-              </a:solidFill>
-            </a:endParaRPr>
-          </a:p>
-        </p:txBody>
-      </p:sp>
-      <p:sp>
-        <p:nvSpPr>
-          <p:cNvPr id="3" name="コンテンツ プレースホルダ 2"/>
-          <p:cNvSpPr>
-            <a:spLocks noGrp="1"/>
-          </p:cNvSpPr>
-          <p:nvPr>
-            <p:ph idx="1"/>
-          </p:nvPr>
-        </p:nvSpPr>
-        <p:spPr/>
-        <p:txBody>
-          <a:bodyPr>
-            <a:normAutofit/>
-          </a:bodyPr>
-          <a:lstStyle/>
-          <a:p>
-            <a:r>
-              <a:rPr lang="ja-JP" altLang="en-US" dirty="0" smtClean="0"/>
-              <a:t>以上を鑑み教室情報はそのままにする</a:t>
-            </a:r>
-            <a:endParaRPr lang="en-US" altLang="ja-JP" dirty="0" smtClean="0"/>
-          </a:p>
-          <a:p>
-            <a:r>
-              <a:rPr lang="ja-JP" altLang="en-US" dirty="0" smtClean="0">
-                <a:solidFill>
-                  <a:schemeClr val="bg2">
-                    <a:lumMod val="50000"/>
-                  </a:schemeClr>
-                </a:solidFill>
-              </a:rPr>
-              <a:t>「オンライン授業内容」</a:t>
-            </a:r>
-            <a:r>
-              <a:rPr lang="ja-JP" altLang="en-US" dirty="0" smtClean="0"/>
-              <a:t>欄（自由記述可能）を用いていろいろな情報を明示していただく</a:t>
             </a:r>
             <a:endParaRPr lang="en-US" altLang="ja-JP" dirty="0" smtClean="0"/>
           </a:p>
@@ -57950,21 +58415,11 @@
         </p:nvSpPr>
         <p:spPr/>
         <p:txBody>
-          <a:bodyPr/>
+          <a:bodyPr>
+            <a:normAutofit/>
+          </a:bodyPr>
           <a:lstStyle/>
           <a:p>
-            <a:r>
-              <a:rPr kumimoji="1" lang="en-US" altLang="ja-JP" dirty="0" smtClean="0"/>
-              <a:t>UTAS / ITC-LMS</a:t>
-            </a:r>
-            <a:r>
-              <a:rPr kumimoji="1" lang="ja-JP" altLang="en-US" dirty="0" smtClean="0"/>
-              <a:t>重すぎ</a:t>
-            </a:r>
-            <a:r>
-              <a:rPr kumimoji="1" lang="ja-JP" altLang="en-US" dirty="0" smtClean="0"/>
-              <a:t>問題</a:t>
-            </a:r>
             <a:endParaRPr kumimoji="1" lang="ja-JP" altLang="en-US" dirty="0"/>
           </a:p>
         </p:txBody>
@@ -57987,96 +58442,112 @@
           <a:lstStyle/>
           <a:p>
             <a:r>
-              <a:rPr lang="ja-JP" altLang="en-US" dirty="0" smtClean="0"/>
-              <a:t>リソース</a:t>
+              <a:rPr lang="en-US" altLang="ja-JP" dirty="0" smtClean="0">
+                <a:solidFill>
+                  <a:schemeClr val="tx1"/>
+                </a:solidFill>
+              </a:rPr>
+              <a:t>『</a:t>
             </a:r>
             <a:r>
-              <a:rPr lang="ja-JP" altLang="en-US" dirty="0" smtClean="0"/>
-              <a:t>増強</a:t>
-            </a:r>
-            <a:endParaRPr lang="en-US" altLang="ja-JP" dirty="0" smtClean="0"/>
-          </a:p>
-          <a:p>
-            <a:pPr lvl="1"/>
-            <a:r>
-              <a:rPr lang="en-US" altLang="ja-JP" dirty="0" smtClean="0"/>
-              <a:t>3/31: </a:t>
+              <a:rPr lang="ja-JP" altLang="en-US" dirty="0" smtClean="0">
+                <a:solidFill>
+                  <a:schemeClr val="tx1"/>
+                </a:solidFill>
+              </a:rPr>
+              <a:t>オンライン授業</a:t>
             </a:r>
             <a:r>
-              <a:rPr lang="en-US" altLang="ja-JP" dirty="0" smtClean="0"/>
-              <a:t>ITC-LMS</a:t>
+              <a:rPr lang="en-US" altLang="ja-JP" dirty="0" smtClean="0">
+                <a:solidFill>
+                  <a:schemeClr val="tx1"/>
+                </a:solidFill>
+              </a:rPr>
+              <a:t>URL』</a:t>
             </a:r>
             <a:r>
-              <a:rPr lang="ja-JP" altLang="en-US" dirty="0" smtClean="0"/>
-              <a:t>（</a:t>
+              <a:rPr lang="ja-JP" altLang="en-US" dirty="0" smtClean="0">
+                <a:solidFill>
+                  <a:schemeClr val="tx1"/>
+                </a:solidFill>
+              </a:rPr>
+              <a:t>不便</a:t>
             </a:r>
             <a:r>
-              <a:rPr lang="ja-JP" altLang="en-US" dirty="0" smtClean="0"/>
-              <a:t>＋</a:t>
+              <a:rPr lang="ja-JP" altLang="en-US" dirty="0" smtClean="0">
+                <a:solidFill>
+                  <a:schemeClr val="tx1"/>
+                </a:solidFill>
+              </a:rPr>
+              <a:t>問題</a:t>
             </a:r>
-            <a:r>
-              <a:rPr lang="ja-JP" altLang="en-US" dirty="0" smtClean="0"/>
-              <a:t>継続的にパラメータ変更）</a:t>
-            </a:r>
-            <a:endParaRPr lang="en-US" altLang="ja-JP" dirty="0" smtClean="0"/>
-          </a:p>
-          <a:p>
-            <a:pPr lvl="1"/>
-            <a:r>
-              <a:rPr kumimoji="1" lang="en-US" altLang="ja-JP" dirty="0" smtClean="0"/>
-              <a:t>4/6 </a:t>
-            </a:r>
-            <a:r>
-              <a:rPr kumimoji="1" lang="ja-JP" altLang="en-US" dirty="0" smtClean="0"/>
-              <a:t>昼休み</a:t>
-            </a:r>
-            <a:r>
-              <a:rPr kumimoji="1" lang="en-US" altLang="ja-JP" dirty="0" smtClean="0"/>
-              <a:t>: UTAS</a:t>
-            </a:r>
+            <a:endParaRPr lang="en-US" altLang="ja-JP" dirty="0" smtClean="0">
+              <a:solidFill>
+                <a:schemeClr val="tx1"/>
+              </a:solidFill>
+            </a:endParaRPr>
           </a:p>
           <a:p>
             <a:r>
-              <a:rPr lang="ja-JP" altLang="en-US" dirty="0" smtClean="0"/>
-              <a:t>現状</a:t>
+              <a:rPr lang="ja-JP" altLang="en-US" dirty="0" smtClean="0">
+                <a:solidFill>
+                  <a:schemeClr val="tx1"/>
+                </a:solidFill>
+              </a:rPr>
+              <a:t>教室</a:t>
             </a:r>
-            <a:endParaRPr lang="en-US" altLang="ja-JP" dirty="0" smtClean="0"/>
+            <a:r>
+              <a:rPr lang="ja-JP" altLang="en-US" dirty="0" smtClean="0">
+                <a:solidFill>
+                  <a:schemeClr val="tx1"/>
+                </a:solidFill>
+              </a:rPr>
+              <a:t>情報残ってる</a:t>
+            </a:r>
+            <a:r>
+              <a:rPr lang="ja-JP" altLang="en-US" dirty="0" smtClean="0">
+                <a:solidFill>
+                  <a:schemeClr val="tx1"/>
+                </a:solidFill>
+              </a:rPr>
+              <a:t>問題</a:t>
+            </a:r>
+            <a:endParaRPr lang="en-US" altLang="ja-JP" dirty="0" smtClean="0">
+              <a:solidFill>
+                <a:schemeClr val="tx1"/>
+              </a:solidFill>
+            </a:endParaRPr>
           </a:p>
           <a:p>
-            <a:pPr lvl="1"/>
             <a:r>
-              <a:rPr lang="en-US" altLang="ja-JP" dirty="0" smtClean="0"/>
-              <a:t>UTAS</a:t>
+              <a:rPr lang="en-US" altLang="ja-JP" dirty="0" smtClean="0">
+                <a:solidFill>
+                  <a:schemeClr val="tx1"/>
+                </a:solidFill>
+              </a:rPr>
+              <a:t>UTAS/ITC-LMS</a:t>
             </a:r>
             <a:r>
-              <a:rPr lang="en-US" altLang="ja-JP" dirty="0" smtClean="0"/>
-              <a:t>: </a:t>
+              <a:rPr lang="ja-JP" altLang="en-US" dirty="0" smtClean="0">
+                <a:solidFill>
+                  <a:schemeClr val="tx1"/>
+                </a:solidFill>
+              </a:rPr>
+              <a:t>重すぎ</a:t>
             </a:r>
             <a:r>
-              <a:rPr lang="ja-JP" altLang="en-US" dirty="0" smtClean="0"/>
-              <a:t>反応</a:t>
+              <a:rPr lang="ja-JP" altLang="en-US" dirty="0" smtClean="0">
+                <a:solidFill>
+                  <a:schemeClr val="tx1"/>
+                </a:solidFill>
+              </a:rPr>
+              <a:t>問題</a:t>
             </a:r>
-            <a:r>
-              <a:rPr lang="ja-JP" altLang="en-US" dirty="0" smtClean="0"/>
-              <a:t>が悪いという現象は見られていないが、来週</a:t>
-            </a:r>
-            <a:r>
-              <a:rPr lang="ja-JP" altLang="en-US" dirty="0" smtClean="0"/>
-              <a:t>以降、注視が必要</a:t>
-            </a:r>
-            <a:endParaRPr kumimoji="1" lang="en-US" altLang="ja-JP" dirty="0" smtClean="0"/>
-          </a:p>
-          <a:p>
-            <a:pPr lvl="1"/>
-            <a:r>
-              <a:rPr kumimoji="1" lang="en-US" altLang="ja-JP" dirty="0" smtClean="0"/>
-              <a:t>ITC-LMS: </a:t>
-            </a:r>
-            <a:r>
-              <a:rPr kumimoji="1" lang="ja-JP" altLang="en-US" dirty="0" smtClean="0"/>
-              <a:t>高負荷時、リソース不足というよりも不具合を踏んでログイン不能状態に陥ることがある（調査中）</a:t>
-            </a:r>
-            <a:endParaRPr kumimoji="1" lang="ja-JP" altLang="en-US" dirty="0"/>
+            <a:endParaRPr lang="en-US" altLang="ja-JP" dirty="0" smtClean="0">
+              <a:solidFill>
+                <a:schemeClr val="tx1"/>
+              </a:solidFill>
+            </a:endParaRPr>
           </a:p>
         </p:txBody>
       </p:sp>
@@ -58150,11 +58621,64 @@
           </a:p>
         </p:txBody>
       </p:sp>
+      <p:sp>
+        <p:nvSpPr>
+          <p:cNvPr id="7" name="正方形/長方形 6"/>
+          <p:cNvSpPr/>
+          <p:nvPr/>
+        </p:nvSpPr>
+        <p:spPr>
+          <a:xfrm>
+            <a:off x="827584" y="2060848"/>
+            <a:ext cx="4320480" cy="576064"/>
+          </a:xfrm>
+          <a:prstGeom prst="rect">
+            <a:avLst/>
+          </a:prstGeom>
+          <a:noFill/>
+          <a:ln w="38100">
+            <a:solidFill>
+              <a:srgbClr val="FF0000"/>
+            </a:solidFill>
+          </a:ln>
+        </p:spPr>
+        <p:style>
+          <a:lnRef idx="2">
+            <a:schemeClr val="accent1">
+              <a:shade val="50000"/>
+            </a:schemeClr>
+          </a:lnRef>
+          <a:fillRef idx="1">
+            <a:schemeClr val="accent1"/>
+          </a:fillRef>
+          <a:effectRef idx="0">
+            <a:schemeClr val="accent1"/>
+          </a:effectRef>
+          <a:fontRef idx="minor">
+            <a:schemeClr val="lt1"/>
+          </a:fontRef>
+        </p:style>
+        <p:txBody>
+          <a:bodyPr rtlCol="0" anchor="ctr"/>
+          <a:lstStyle/>
+          <a:p>
+            <a:pPr algn="ctr"/>
+            <a:endParaRPr kumimoji="1" lang="ja-JP" altLang="en-US"/>
+          </a:p>
+        </p:txBody>
+      </p:sp>
     </p:spTree>
   </p:cSld>
   <p:clrMapOvr>
     <a:masterClrMapping/>
   </p:clrMapOvr>
+  <p:timing>
+    <p:tnLst>
+      <p:par>
+        <p:cTn id="1" dur="indefinite" restart="never" nodeType="tmRoot"/>
+      </p:par>
+    </p:tnLst>
+  </p:timing>
 </p:sld>
 </file>
 

--- a/events/2020-04-16/01-URL-notification.pptx
+++ b/events/2020-04-16/01-URL-notification.pptx
@@ -15,8 +15,8 @@
     <p:sldId id="377" r:id="rId6"/>
     <p:sldId id="365" r:id="rId7"/>
     <p:sldId id="368" r:id="rId8"/>
-    <p:sldId id="361" r:id="rId9"/>
-    <p:sldId id="378" r:id="rId10"/>
+    <p:sldId id="378" r:id="rId9"/>
+    <p:sldId id="361" r:id="rId10"/>
     <p:sldId id="369" r:id="rId11"/>
     <p:sldId id="379" r:id="rId12"/>
     <p:sldId id="366" r:id="rId13"/>
@@ -52593,15 +52593,7 @@
                   <a:schemeClr val="tx1"/>
                 </a:solidFill>
               </a:rPr>
-              <a:t>不便</a:t>
-            </a:r>
-            <a:r>
-              <a:rPr lang="ja-JP" altLang="en-US" dirty="0" smtClean="0">
-                <a:solidFill>
-                  <a:schemeClr val="tx1"/>
-                </a:solidFill>
-              </a:rPr>
-              <a:t>問題</a:t>
+              <a:t>不便問題</a:t>
             </a:r>
             <a:endParaRPr lang="en-US" altLang="ja-JP" dirty="0" smtClean="0">
               <a:solidFill>
@@ -52616,23 +52608,7 @@
                   <a:schemeClr val="tx1"/>
                 </a:solidFill>
               </a:rPr>
-              <a:t>教室</a:t>
-            </a:r>
-            <a:r>
-              <a:rPr lang="ja-JP" altLang="en-US" dirty="0" smtClean="0">
-                <a:solidFill>
-                  <a:schemeClr val="tx1"/>
-                </a:solidFill>
-              </a:rPr>
-              <a:t>情報残ってる</a:t>
-            </a:r>
-            <a:r>
-              <a:rPr lang="ja-JP" altLang="en-US" dirty="0" smtClean="0">
-                <a:solidFill>
-                  <a:schemeClr val="tx1"/>
-                </a:solidFill>
-              </a:rPr>
-              <a:t>問題</a:t>
+              <a:t>教室情報残ってる問題</a:t>
             </a:r>
             <a:endParaRPr lang="en-US" altLang="ja-JP" dirty="0" smtClean="0">
               <a:solidFill>
@@ -52655,15 +52631,7 @@
                   <a:schemeClr val="tx1"/>
                 </a:solidFill>
               </a:rPr>
-              <a:t>重すぎ</a:t>
-            </a:r>
-            <a:r>
-              <a:rPr lang="ja-JP" altLang="en-US" dirty="0" smtClean="0">
-                <a:solidFill>
-                  <a:schemeClr val="tx1"/>
-                </a:solidFill>
-              </a:rPr>
-              <a:t>問題</a:t>
+              <a:t>重すぎ問題</a:t>
             </a:r>
             <a:endParaRPr lang="en-US" altLang="ja-JP" dirty="0" smtClean="0">
               <a:solidFill>
@@ -52842,19 +52810,11 @@
             </a:r>
             <a:r>
               <a:rPr kumimoji="1" lang="en-US" altLang="ja-JP" dirty="0" smtClean="0"/>
-              <a:t>UTAS </a:t>
-            </a:r>
-            <a:r>
-              <a:rPr kumimoji="1" lang="en-US" altLang="ja-JP" dirty="0" smtClean="0"/>
-              <a:t>/ ITC-LMS</a:t>
+              <a:t>UTAS / ITC-LMS</a:t>
             </a:r>
             <a:r>
               <a:rPr kumimoji="1" lang="ja-JP" altLang="en-US" dirty="0" smtClean="0"/>
-              <a:t>重すぎ</a:t>
-            </a:r>
-            <a:r>
-              <a:rPr kumimoji="1" lang="ja-JP" altLang="en-US" dirty="0" smtClean="0"/>
-              <a:t>問題」</a:t>
+              <a:t>重すぎ問題」</a:t>
             </a:r>
             <a:endParaRPr kumimoji="1" lang="ja-JP" altLang="en-US" dirty="0"/>
           </a:p>
@@ -53494,11 +53454,7 @@
             </a:r>
             <a:r>
               <a:rPr lang="ja-JP" altLang="en-US" dirty="0" smtClean="0"/>
-              <a:t>クリック</a:t>
-            </a:r>
-            <a:r>
-              <a:rPr lang="ja-JP" altLang="en-US" dirty="0" smtClean="0"/>
-              <a:t>）</a:t>
+              <a:t>クリック）</a:t>
             </a:r>
             <a:endParaRPr lang="en-US" altLang="ja-JP" dirty="0" smtClean="0"/>
           </a:p>
@@ -53507,13 +53463,7 @@
               <a:rPr lang="ja-JP" altLang="en-US" dirty="0" smtClean="0">
                 <a:hlinkClick r:id="rId2"/>
               </a:rPr>
-              <a:t>やり方の</a:t>
-            </a:r>
-            <a:r>
-              <a:rPr lang="ja-JP" altLang="en-US" dirty="0" smtClean="0">
-                <a:hlinkClick r:id="rId2"/>
-              </a:rPr>
-              <a:t>動画</a:t>
+              <a:t>やり方の動画</a:t>
             </a:r>
             <a:endParaRPr lang="en-US" altLang="ja-JP" dirty="0" smtClean="0"/>
           </a:p>
@@ -57048,23 +56998,7 @@
                   <a:srgbClr val="FF0000"/>
                 </a:solidFill>
               </a:rPr>
-              <a:t>重すぎ</a:t>
-            </a:r>
-            <a:r>
-              <a:rPr lang="ja-JP" altLang="en-US" dirty="0" smtClean="0">
-                <a:solidFill>
-                  <a:srgbClr val="FF0000"/>
-                </a:solidFill>
-              </a:rPr>
-              <a:t>問題</a:t>
-            </a:r>
-            <a:r>
-              <a:rPr lang="ja-JP" altLang="en-US" dirty="0" smtClean="0">
-                <a:solidFill>
-                  <a:srgbClr val="FF0000"/>
-                </a:solidFill>
-              </a:rPr>
-              <a:t>」</a:t>
+              <a:t>重すぎ問題」</a:t>
             </a:r>
             <a:endParaRPr lang="en-US" altLang="ja-JP" dirty="0" smtClean="0">
               <a:solidFill>
@@ -57104,11 +57038,7 @@
             </a:r>
             <a:r>
               <a:rPr lang="ja-JP" altLang="en-US" dirty="0" smtClean="0"/>
-              <a:t>にアクセスする方式は機能しないのではという</a:t>
-            </a:r>
-            <a:r>
-              <a:rPr lang="ja-JP" altLang="en-US" dirty="0" smtClean="0"/>
-              <a:t>懸念</a:t>
+              <a:t>にアクセスする方式は機能しないのではという懸念</a:t>
             </a:r>
             <a:endParaRPr lang="en-US" altLang="ja-JP" dirty="0" smtClean="0"/>
           </a:p>
@@ -57390,15 +57320,7 @@
                   <a:schemeClr val="tx1"/>
                 </a:solidFill>
               </a:rPr>
-              <a:t>不便</a:t>
-            </a:r>
-            <a:r>
-              <a:rPr lang="ja-JP" altLang="en-US" dirty="0" smtClean="0">
-                <a:solidFill>
-                  <a:schemeClr val="tx1"/>
-                </a:solidFill>
-              </a:rPr>
-              <a:t>問題</a:t>
+              <a:t>不便問題</a:t>
             </a:r>
             <a:endParaRPr lang="en-US" altLang="ja-JP" dirty="0" smtClean="0">
               <a:solidFill>
@@ -57413,23 +57335,7 @@
                   <a:schemeClr val="tx1"/>
                 </a:solidFill>
               </a:rPr>
-              <a:t>教室</a:t>
-            </a:r>
-            <a:r>
-              <a:rPr lang="ja-JP" altLang="en-US" dirty="0" smtClean="0">
-                <a:solidFill>
-                  <a:schemeClr val="tx1"/>
-                </a:solidFill>
-              </a:rPr>
-              <a:t>情報残ってる</a:t>
-            </a:r>
-            <a:r>
-              <a:rPr lang="ja-JP" altLang="en-US" dirty="0" smtClean="0">
-                <a:solidFill>
-                  <a:schemeClr val="tx1"/>
-                </a:solidFill>
-              </a:rPr>
-              <a:t>問題</a:t>
+              <a:t>教室情報残ってる問題</a:t>
             </a:r>
             <a:endParaRPr lang="en-US" altLang="ja-JP" dirty="0" smtClean="0">
               <a:solidFill>
@@ -57452,15 +57358,7 @@
                   <a:schemeClr val="tx1"/>
                 </a:solidFill>
               </a:rPr>
-              <a:t>重すぎ</a:t>
-            </a:r>
-            <a:r>
-              <a:rPr lang="ja-JP" altLang="en-US" dirty="0" smtClean="0">
-                <a:solidFill>
-                  <a:schemeClr val="tx1"/>
-                </a:solidFill>
-              </a:rPr>
-              <a:t>問題</a:t>
+              <a:t>重すぎ問題</a:t>
             </a:r>
             <a:endParaRPr lang="en-US" altLang="ja-JP" dirty="0" smtClean="0">
               <a:solidFill>
@@ -58211,6 +58109,270 @@
           </a:bodyPr>
           <a:lstStyle/>
           <a:p>
+            <a:endParaRPr kumimoji="1" lang="ja-JP" altLang="en-US" dirty="0"/>
+          </a:p>
+        </p:txBody>
+      </p:sp>
+      <p:sp>
+        <p:nvSpPr>
+          <p:cNvPr id="3" name="コンテンツ プレースホルダ 2"/>
+          <p:cNvSpPr>
+            <a:spLocks noGrp="1"/>
+          </p:cNvSpPr>
+          <p:nvPr>
+            <p:ph idx="1"/>
+          </p:nvPr>
+        </p:nvSpPr>
+        <p:spPr/>
+        <p:txBody>
+          <a:bodyPr>
+            <a:normAutofit/>
+          </a:bodyPr>
+          <a:lstStyle/>
+          <a:p>
+            <a:r>
+              <a:rPr lang="en-US" altLang="ja-JP" dirty="0" smtClean="0">
+                <a:solidFill>
+                  <a:schemeClr val="tx1"/>
+                </a:solidFill>
+              </a:rPr>
+              <a:t>『</a:t>
+            </a:r>
+            <a:r>
+              <a:rPr lang="ja-JP" altLang="en-US" dirty="0" smtClean="0">
+                <a:solidFill>
+                  <a:schemeClr val="tx1"/>
+                </a:solidFill>
+              </a:rPr>
+              <a:t>オンライン授業</a:t>
+            </a:r>
+            <a:r>
+              <a:rPr lang="en-US" altLang="ja-JP" dirty="0" smtClean="0">
+                <a:solidFill>
+                  <a:schemeClr val="tx1"/>
+                </a:solidFill>
+              </a:rPr>
+              <a:t>URL』</a:t>
+            </a:r>
+            <a:r>
+              <a:rPr lang="ja-JP" altLang="en-US" dirty="0" smtClean="0">
+                <a:solidFill>
+                  <a:schemeClr val="tx1"/>
+                </a:solidFill>
+              </a:rPr>
+              <a:t>不便問題</a:t>
+            </a:r>
+            <a:endParaRPr lang="en-US" altLang="ja-JP" dirty="0" smtClean="0">
+              <a:solidFill>
+                <a:schemeClr val="tx1"/>
+              </a:solidFill>
+            </a:endParaRPr>
+          </a:p>
+          <a:p>
+            <a:r>
+              <a:rPr lang="ja-JP" altLang="en-US" dirty="0" smtClean="0">
+                <a:solidFill>
+                  <a:schemeClr val="tx1"/>
+                </a:solidFill>
+              </a:rPr>
+              <a:t>教室情報残ってる問題</a:t>
+            </a:r>
+            <a:endParaRPr lang="en-US" altLang="ja-JP" dirty="0" smtClean="0">
+              <a:solidFill>
+                <a:schemeClr val="tx1"/>
+              </a:solidFill>
+            </a:endParaRPr>
+          </a:p>
+          <a:p>
+            <a:r>
+              <a:rPr lang="en-US" altLang="ja-JP" dirty="0" smtClean="0">
+                <a:solidFill>
+                  <a:schemeClr val="tx1"/>
+                </a:solidFill>
+              </a:rPr>
+              <a:t>UTAS/ITC-LMS</a:t>
+            </a:r>
+            <a:r>
+              <a:rPr lang="ja-JP" altLang="en-US" dirty="0" smtClean="0">
+                <a:solidFill>
+                  <a:schemeClr val="tx1"/>
+                </a:solidFill>
+              </a:rPr>
+              <a:t>重すぎ問題</a:t>
+            </a:r>
+            <a:endParaRPr lang="en-US" altLang="ja-JP" dirty="0" smtClean="0">
+              <a:solidFill>
+                <a:schemeClr val="tx1"/>
+              </a:solidFill>
+            </a:endParaRPr>
+          </a:p>
+        </p:txBody>
+      </p:sp>
+      <p:sp>
+        <p:nvSpPr>
+          <p:cNvPr id="4" name="日付プレースホルダ 3"/>
+          <p:cNvSpPr>
+            <a:spLocks noGrp="1"/>
+          </p:cNvSpPr>
+          <p:nvPr>
+            <p:ph type="dt" sz="half" idx="10"/>
+          </p:nvPr>
+        </p:nvSpPr>
+        <p:spPr/>
+        <p:txBody>
+          <a:bodyPr/>
+          <a:lstStyle/>
+          <a:p>
+            <a:r>
+              <a:rPr kumimoji="1" lang="en-US" altLang="ja-JP" smtClean="0"/>
+              <a:t>2020/4/16</a:t>
+            </a:r>
+            <a:endParaRPr kumimoji="1" lang="ja-JP" altLang="en-US"/>
+          </a:p>
+        </p:txBody>
+      </p:sp>
+      <p:sp>
+        <p:nvSpPr>
+          <p:cNvPr id="5" name="フッター プレースホルダ 4"/>
+          <p:cNvSpPr>
+            <a:spLocks noGrp="1"/>
+          </p:cNvSpPr>
+          <p:nvPr>
+            <p:ph type="ftr" sz="quarter" idx="11"/>
+          </p:nvPr>
+        </p:nvSpPr>
+        <p:spPr/>
+        <p:txBody>
+          <a:bodyPr/>
+          <a:lstStyle/>
+          <a:p>
+            <a:r>
+              <a:rPr kumimoji="1" lang="en-US" altLang="ja-JP" smtClean="0"/>
+              <a:t>utelecon.github.io</a:t>
+            </a:r>
+            <a:endParaRPr kumimoji="1" lang="ja-JP" altLang="en-US"/>
+          </a:p>
+        </p:txBody>
+      </p:sp>
+      <p:sp>
+        <p:nvSpPr>
+          <p:cNvPr id="6" name="スライド番号プレースホルダ 5"/>
+          <p:cNvSpPr>
+            <a:spLocks noGrp="1"/>
+          </p:cNvSpPr>
+          <p:nvPr>
+            <p:ph type="sldNum" sz="quarter" idx="12"/>
+          </p:nvPr>
+        </p:nvSpPr>
+        <p:spPr/>
+        <p:txBody>
+          <a:bodyPr/>
+          <a:lstStyle/>
+          <a:p>
+            <a:fld id="{EDF77D8D-9987-453A-9A05-EB91CA595C68}" type="slidenum">
+              <a:rPr kumimoji="1" lang="ja-JP" altLang="en-US" smtClean="0"/>
+              <a:pPr/>
+              <a:t>8</a:t>
+            </a:fld>
+            <a:endParaRPr kumimoji="1" lang="ja-JP" altLang="en-US"/>
+          </a:p>
+        </p:txBody>
+      </p:sp>
+      <p:sp>
+        <p:nvSpPr>
+          <p:cNvPr id="7" name="正方形/長方形 6"/>
+          <p:cNvSpPr/>
+          <p:nvPr/>
+        </p:nvSpPr>
+        <p:spPr>
+          <a:xfrm>
+            <a:off x="827584" y="2060848"/>
+            <a:ext cx="4320480" cy="576064"/>
+          </a:xfrm>
+          <a:prstGeom prst="rect">
+            <a:avLst/>
+          </a:prstGeom>
+          <a:noFill/>
+          <a:ln w="38100">
+            <a:solidFill>
+              <a:srgbClr val="FF0000"/>
+            </a:solidFill>
+          </a:ln>
+        </p:spPr>
+        <p:style>
+          <a:lnRef idx="2">
+            <a:schemeClr val="accent1">
+              <a:shade val="50000"/>
+            </a:schemeClr>
+          </a:lnRef>
+          <a:fillRef idx="1">
+            <a:schemeClr val="accent1"/>
+          </a:fillRef>
+          <a:effectRef idx="0">
+            <a:schemeClr val="accent1"/>
+          </a:effectRef>
+          <a:fontRef idx="minor">
+            <a:schemeClr val="lt1"/>
+          </a:fontRef>
+        </p:style>
+        <p:txBody>
+          <a:bodyPr rtlCol="0" anchor="ctr"/>
+          <a:lstStyle/>
+          <a:p>
+            <a:pPr algn="ctr"/>
+            <a:endParaRPr kumimoji="1" lang="ja-JP" altLang="en-US"/>
+          </a:p>
+        </p:txBody>
+      </p:sp>
+    </p:spTree>
+  </p:cSld>
+  <p:clrMapOvr>
+    <a:masterClrMapping/>
+  </p:clrMapOvr>
+  <p:timing>
+    <p:tnLst>
+      <p:par>
+        <p:cTn id="1" dur="indefinite" restart="never" nodeType="tmRoot"/>
+      </p:par>
+    </p:tnLst>
+  </p:timing>
+</p:sld>
+</file>
+
+<file path=ppt/slides/slide9.xml><?xml version="1.0" encoding="utf-8"?>
+<p:sld xmlns:a="http://schemas.openxmlformats.org/drawingml/2006/main" xmlns:r="http://schemas.openxmlformats.org/officeDocument/2006/relationships" xmlns:p="http://schemas.openxmlformats.org/presentationml/2006/main">
+  <p:cSld>
+    <p:spTree>
+      <p:nvGrpSpPr>
+        <p:cNvPr id="1" name=""/>
+        <p:cNvGrpSpPr/>
+        <p:nvPr/>
+      </p:nvGrpSpPr>
+      <p:grpSpPr>
+        <a:xfrm>
+          <a:off x="0" y="0"/>
+          <a:ext cx="0" cy="0"/>
+          <a:chOff x="0" y="0"/>
+          <a:chExt cx="0" cy="0"/>
+        </a:xfrm>
+      </p:grpSpPr>
+      <p:sp>
+        <p:nvSpPr>
+          <p:cNvPr id="2" name="タイトル 1"/>
+          <p:cNvSpPr>
+            <a:spLocks noGrp="1"/>
+          </p:cNvSpPr>
+          <p:nvPr>
+            <p:ph type="title"/>
+          </p:nvPr>
+        </p:nvSpPr>
+        <p:spPr/>
+        <p:txBody>
+          <a:bodyPr>
+            <a:normAutofit/>
+          </a:bodyPr>
+          <a:lstStyle/>
+          <a:p>
             <a:r>
               <a:rPr lang="ja-JP" altLang="en-US" dirty="0" smtClean="0">
                 <a:solidFill>
@@ -58372,7 +58534,7 @@
             <a:fld id="{EDF77D8D-9987-453A-9A05-EB91CA595C68}" type="slidenum">
               <a:rPr kumimoji="1" lang="ja-JP" altLang="en-US" smtClean="0"/>
               <a:pPr/>
-              <a:t>8</a:t>
+              <a:t>9</a:t>
             </a:fld>
             <a:endParaRPr kumimoji="1" lang="ja-JP" altLang="en-US"/>
           </a:p>
@@ -58383,302 +58545,6 @@
   <p:clrMapOvr>
     <a:masterClrMapping/>
   </p:clrMapOvr>
-</p:sld>
-</file>
-
-<file path=ppt/slides/slide9.xml><?xml version="1.0" encoding="utf-8"?>
-<p:sld xmlns:a="http://schemas.openxmlformats.org/drawingml/2006/main" xmlns:r="http://schemas.openxmlformats.org/officeDocument/2006/relationships" xmlns:p="http://schemas.openxmlformats.org/presentationml/2006/main">
-  <p:cSld>
-    <p:spTree>
-      <p:nvGrpSpPr>
-        <p:cNvPr id="1" name=""/>
-        <p:cNvGrpSpPr/>
-        <p:nvPr/>
-      </p:nvGrpSpPr>
-      <p:grpSpPr>
-        <a:xfrm>
-          <a:off x="0" y="0"/>
-          <a:ext cx="0" cy="0"/>
-          <a:chOff x="0" y="0"/>
-          <a:chExt cx="0" cy="0"/>
-        </a:xfrm>
-      </p:grpSpPr>
-      <p:sp>
-        <p:nvSpPr>
-          <p:cNvPr id="2" name="タイトル 1"/>
-          <p:cNvSpPr>
-            <a:spLocks noGrp="1"/>
-          </p:cNvSpPr>
-          <p:nvPr>
-            <p:ph type="title"/>
-          </p:nvPr>
-        </p:nvSpPr>
-        <p:spPr/>
-        <p:txBody>
-          <a:bodyPr>
-            <a:normAutofit/>
-          </a:bodyPr>
-          <a:lstStyle/>
-          <a:p>
-            <a:endParaRPr kumimoji="1" lang="ja-JP" altLang="en-US" dirty="0"/>
-          </a:p>
-        </p:txBody>
-      </p:sp>
-      <p:sp>
-        <p:nvSpPr>
-          <p:cNvPr id="3" name="コンテンツ プレースホルダ 2"/>
-          <p:cNvSpPr>
-            <a:spLocks noGrp="1"/>
-          </p:cNvSpPr>
-          <p:nvPr>
-            <p:ph idx="1"/>
-          </p:nvPr>
-        </p:nvSpPr>
-        <p:spPr/>
-        <p:txBody>
-          <a:bodyPr>
-            <a:normAutofit/>
-          </a:bodyPr>
-          <a:lstStyle/>
-          <a:p>
-            <a:r>
-              <a:rPr lang="en-US" altLang="ja-JP" dirty="0" smtClean="0">
-                <a:solidFill>
-                  <a:schemeClr val="tx1"/>
-                </a:solidFill>
-              </a:rPr>
-              <a:t>『</a:t>
-            </a:r>
-            <a:r>
-              <a:rPr lang="ja-JP" altLang="en-US" dirty="0" smtClean="0">
-                <a:solidFill>
-                  <a:schemeClr val="tx1"/>
-                </a:solidFill>
-              </a:rPr>
-              <a:t>オンライン授業</a:t>
-            </a:r>
-            <a:r>
-              <a:rPr lang="en-US" altLang="ja-JP" dirty="0" smtClean="0">
-                <a:solidFill>
-                  <a:schemeClr val="tx1"/>
-                </a:solidFill>
-              </a:rPr>
-              <a:t>URL』</a:t>
-            </a:r>
-            <a:r>
-              <a:rPr lang="ja-JP" altLang="en-US" dirty="0" smtClean="0">
-                <a:solidFill>
-                  <a:schemeClr val="tx1"/>
-                </a:solidFill>
-              </a:rPr>
-              <a:t>不便</a:t>
-            </a:r>
-            <a:r>
-              <a:rPr lang="ja-JP" altLang="en-US" dirty="0" smtClean="0">
-                <a:solidFill>
-                  <a:schemeClr val="tx1"/>
-                </a:solidFill>
-              </a:rPr>
-              <a:t>問題</a:t>
-            </a:r>
-            <a:endParaRPr lang="en-US" altLang="ja-JP" dirty="0" smtClean="0">
-              <a:solidFill>
-                <a:schemeClr val="tx1"/>
-              </a:solidFill>
-            </a:endParaRPr>
-          </a:p>
-          <a:p>
-            <a:r>
-              <a:rPr lang="ja-JP" altLang="en-US" dirty="0" smtClean="0">
-                <a:solidFill>
-                  <a:schemeClr val="tx1"/>
-                </a:solidFill>
-              </a:rPr>
-              <a:t>教室</a:t>
-            </a:r>
-            <a:r>
-              <a:rPr lang="ja-JP" altLang="en-US" dirty="0" smtClean="0">
-                <a:solidFill>
-                  <a:schemeClr val="tx1"/>
-                </a:solidFill>
-              </a:rPr>
-              <a:t>情報残ってる</a:t>
-            </a:r>
-            <a:r>
-              <a:rPr lang="ja-JP" altLang="en-US" dirty="0" smtClean="0">
-                <a:solidFill>
-                  <a:schemeClr val="tx1"/>
-                </a:solidFill>
-              </a:rPr>
-              <a:t>問題</a:t>
-            </a:r>
-            <a:endParaRPr lang="en-US" altLang="ja-JP" dirty="0" smtClean="0">
-              <a:solidFill>
-                <a:schemeClr val="tx1"/>
-              </a:solidFill>
-            </a:endParaRPr>
-          </a:p>
-          <a:p>
-            <a:r>
-              <a:rPr lang="en-US" altLang="ja-JP" dirty="0" smtClean="0">
-                <a:solidFill>
-                  <a:schemeClr val="tx1"/>
-                </a:solidFill>
-              </a:rPr>
-              <a:t>UTAS/ITC-LMS</a:t>
-            </a:r>
-            <a:r>
-              <a:rPr lang="ja-JP" altLang="en-US" dirty="0" smtClean="0">
-                <a:solidFill>
-                  <a:schemeClr val="tx1"/>
-                </a:solidFill>
-              </a:rPr>
-              <a:t>重すぎ</a:t>
-            </a:r>
-            <a:r>
-              <a:rPr lang="ja-JP" altLang="en-US" dirty="0" smtClean="0">
-                <a:solidFill>
-                  <a:schemeClr val="tx1"/>
-                </a:solidFill>
-              </a:rPr>
-              <a:t>問題</a:t>
-            </a:r>
-            <a:endParaRPr lang="en-US" altLang="ja-JP" dirty="0" smtClean="0">
-              <a:solidFill>
-                <a:schemeClr val="tx1"/>
-              </a:solidFill>
-            </a:endParaRPr>
-          </a:p>
-        </p:txBody>
-      </p:sp>
-      <p:sp>
-        <p:nvSpPr>
-          <p:cNvPr id="4" name="日付プレースホルダ 3"/>
-          <p:cNvSpPr>
-            <a:spLocks noGrp="1"/>
-          </p:cNvSpPr>
-          <p:nvPr>
-            <p:ph type="dt" sz="half" idx="10"/>
-          </p:nvPr>
-        </p:nvSpPr>
-        <p:spPr/>
-        <p:txBody>
-          <a:bodyPr/>
-          <a:lstStyle/>
-          <a:p>
-            <a:r>
-              <a:rPr kumimoji="1" lang="en-US" altLang="ja-JP" smtClean="0"/>
-              <a:t>2020/4/16</a:t>
-            </a:r>
-            <a:endParaRPr kumimoji="1" lang="ja-JP" altLang="en-US"/>
-          </a:p>
-        </p:txBody>
-      </p:sp>
-      <p:sp>
-        <p:nvSpPr>
-          <p:cNvPr id="5" name="フッター プレースホルダ 4"/>
-          <p:cNvSpPr>
-            <a:spLocks noGrp="1"/>
-          </p:cNvSpPr>
-          <p:nvPr>
-            <p:ph type="ftr" sz="quarter" idx="11"/>
-          </p:nvPr>
-        </p:nvSpPr>
-        <p:spPr/>
-        <p:txBody>
-          <a:bodyPr/>
-          <a:lstStyle/>
-          <a:p>
-            <a:r>
-              <a:rPr kumimoji="1" lang="en-US" altLang="ja-JP" smtClean="0"/>
-              <a:t>utelecon.github.io</a:t>
-            </a:r>
-            <a:endParaRPr kumimoji="1" lang="ja-JP" altLang="en-US"/>
-          </a:p>
-        </p:txBody>
-      </p:sp>
-      <p:sp>
-        <p:nvSpPr>
-          <p:cNvPr id="6" name="スライド番号プレースホルダ 5"/>
-          <p:cNvSpPr>
-            <a:spLocks noGrp="1"/>
-          </p:cNvSpPr>
-          <p:nvPr>
-            <p:ph type="sldNum" sz="quarter" idx="12"/>
-          </p:nvPr>
-        </p:nvSpPr>
-        <p:spPr/>
-        <p:txBody>
-          <a:bodyPr/>
-          <a:lstStyle/>
-          <a:p>
-            <a:fld id="{EDF77D8D-9987-453A-9A05-EB91CA595C68}" type="slidenum">
-              <a:rPr kumimoji="1" lang="ja-JP" altLang="en-US" smtClean="0"/>
-              <a:pPr/>
-              <a:t>9</a:t>
-            </a:fld>
-            <a:endParaRPr kumimoji="1" lang="ja-JP" altLang="en-US"/>
-          </a:p>
-        </p:txBody>
-      </p:sp>
-      <p:sp>
-        <p:nvSpPr>
-          <p:cNvPr id="7" name="正方形/長方形 6"/>
-          <p:cNvSpPr/>
-          <p:nvPr/>
-        </p:nvSpPr>
-        <p:spPr>
-          <a:xfrm>
-            <a:off x="827584" y="2060848"/>
-            <a:ext cx="4320480" cy="576064"/>
-          </a:xfrm>
-          <a:prstGeom prst="rect">
-            <a:avLst/>
-          </a:prstGeom>
-          <a:noFill/>
-          <a:ln w="38100">
-            <a:solidFill>
-              <a:srgbClr val="FF0000"/>
-            </a:solidFill>
-          </a:ln>
-        </p:spPr>
-        <p:style>
-          <a:lnRef idx="2">
-            <a:schemeClr val="accent1">
-              <a:shade val="50000"/>
-            </a:schemeClr>
-          </a:lnRef>
-          <a:fillRef idx="1">
-            <a:schemeClr val="accent1"/>
-          </a:fillRef>
-          <a:effectRef idx="0">
-            <a:schemeClr val="accent1"/>
-          </a:effectRef>
-          <a:fontRef idx="minor">
-            <a:schemeClr val="lt1"/>
-          </a:fontRef>
-        </p:style>
-        <p:txBody>
-          <a:bodyPr rtlCol="0" anchor="ctr"/>
-          <a:lstStyle/>
-          <a:p>
-            <a:pPr algn="ctr"/>
-            <a:endParaRPr kumimoji="1" lang="ja-JP" altLang="en-US"/>
-          </a:p>
-        </p:txBody>
-      </p:sp>
-    </p:spTree>
-  </p:cSld>
-  <p:clrMapOvr>
-    <a:masterClrMapping/>
-  </p:clrMapOvr>
-  <p:timing>
-    <p:tnLst>
-      <p:par>
-        <p:cTn id="1" dur="indefinite" restart="never" nodeType="tmRoot"/>
-      </p:par>
-    </p:tnLst>
-  </p:timing>
 </p:sld>
 </file>
 

--- a/events/2020-04-16/01-URL-notification.pptx
+++ b/events/2020-04-16/01-URL-notification.pptx
@@ -57682,14 +57682,10 @@
           <a:p>
             <a:r>
               <a:rPr kumimoji="1" lang="ja-JP" altLang="en-US" dirty="0" smtClean="0"/>
-              <a:t>推奨：</a:t>
+              <a:t>推奨：「授業の概要」など</a:t>
             </a:r>
             <a:r>
-              <a:rPr kumimoji="1" lang="ja-JP" altLang="en-US" u="sng" dirty="0" smtClean="0"/>
-              <a:t>「授業の概要」など</a:t>
-            </a:r>
-            <a:r>
-              <a:rPr kumimoji="1" lang="ja-JP" altLang="en-US" u="sng" dirty="0" smtClean="0">
+              <a:rPr kumimoji="1" lang="ja-JP" altLang="en-US" dirty="0" smtClean="0">
                 <a:solidFill>
                   <a:srgbClr val="FF0000"/>
                 </a:solidFill>
@@ -57697,7 +57693,7 @@
               <a:t>「オンライン授業</a:t>
             </a:r>
             <a:r>
-              <a:rPr kumimoji="1" lang="en-US" altLang="ja-JP" u="sng" dirty="0" smtClean="0">
+              <a:rPr kumimoji="1" lang="en-US" altLang="ja-JP" dirty="0" smtClean="0">
                 <a:solidFill>
                   <a:srgbClr val="FF0000"/>
                 </a:solidFill>
@@ -57705,7 +57701,7 @@
               <a:t>URL</a:t>
             </a:r>
             <a:r>
-              <a:rPr kumimoji="1" lang="ja-JP" altLang="en-US" u="sng" dirty="0" smtClean="0">
+              <a:rPr kumimoji="1" lang="ja-JP" altLang="en-US" dirty="0" smtClean="0">
                 <a:solidFill>
                   <a:srgbClr val="FF0000"/>
                 </a:solidFill>
@@ -57713,7 +57709,7 @@
               <a:t>」</a:t>
             </a:r>
             <a:r>
-              <a:rPr kumimoji="1" lang="ja-JP" altLang="en-US" u="sng" dirty="0" smtClean="0">
+              <a:rPr kumimoji="1" lang="ja-JP" altLang="en-US" dirty="0" smtClean="0">
                 <a:solidFill>
                   <a:schemeClr val="tx1"/>
                 </a:solidFill>
@@ -57721,19 +57717,19 @@
               <a:t>以外</a:t>
             </a:r>
             <a:r>
-              <a:rPr kumimoji="1" lang="ja-JP" altLang="en-US" u="sng" dirty="0" smtClean="0"/>
+              <a:rPr kumimoji="1" lang="ja-JP" altLang="en-US" dirty="0" smtClean="0"/>
               <a:t>の欄に</a:t>
             </a:r>
             <a:r>
-              <a:rPr kumimoji="1" lang="en-US" altLang="ja-JP" u="sng" dirty="0" smtClean="0"/>
+              <a:rPr kumimoji="1" lang="en-US" altLang="ja-JP" dirty="0" smtClean="0"/>
               <a:t>URL</a:t>
             </a:r>
             <a:r>
-              <a:rPr kumimoji="1" lang="ja-JP" altLang="en-US" u="sng" dirty="0" smtClean="0"/>
+              <a:rPr kumimoji="1" lang="ja-JP" altLang="en-US" dirty="0" smtClean="0"/>
               <a:t>を書いていた先生はそれを</a:t>
             </a:r>
             <a:r>
-              <a:rPr lang="ja-JP" altLang="en-US" u="sng" dirty="0" smtClean="0">
+              <a:rPr lang="ja-JP" altLang="en-US" dirty="0" smtClean="0">
                 <a:solidFill>
                   <a:schemeClr val="bg2">
                     <a:lumMod val="50000"/>
@@ -57743,10 +57739,10 @@
               <a:t>「オンライン授業内容」</a:t>
             </a:r>
             <a:r>
-              <a:rPr kumimoji="1" lang="ja-JP" altLang="en-US" u="sng" dirty="0" smtClean="0"/>
+              <a:rPr kumimoji="1" lang="ja-JP" altLang="en-US" dirty="0" smtClean="0"/>
               <a:t>に移動</a:t>
             </a:r>
-            <a:endParaRPr kumimoji="1" lang="ja-JP" altLang="en-US" u="sng" dirty="0"/>
+            <a:endParaRPr kumimoji="1" lang="ja-JP" altLang="en-US" dirty="0"/>
           </a:p>
         </p:txBody>
       </p:sp>
@@ -57880,7 +57876,9 @@
         </p:nvSpPr>
         <p:spPr/>
         <p:txBody>
-          <a:bodyPr/>
+          <a:bodyPr>
+            <a:normAutofit/>
+          </a:bodyPr>
           <a:lstStyle/>
           <a:p>
             <a:r>
@@ -57966,8 +57964,28 @@
           </a:p>
           <a:p>
             <a:r>
+              <a:rPr lang="ja-JP" altLang="en-US" dirty="0" smtClean="0"/>
+              <a:t>「オンライン</a:t>
+            </a:r>
+            <a:r>
+              <a:rPr lang="ja-JP" altLang="en-US" dirty="0" smtClean="0"/>
+              <a:t>授業</a:t>
+            </a:r>
+            <a:r>
+              <a:rPr lang="en-US" altLang="ja-JP" dirty="0" smtClean="0"/>
+              <a:t>URL</a:t>
+            </a:r>
+            <a:r>
+              <a:rPr lang="ja-JP" altLang="en-US" dirty="0" smtClean="0"/>
+              <a:t>」 「オンライン授業内容」は</a:t>
+            </a:r>
+            <a:r>
               <a:rPr kumimoji="1" lang="ja-JP" altLang="en-US" dirty="0" smtClean="0"/>
-              <a:t>後述する</a:t>
+              <a:t>後述</a:t>
+            </a:r>
+            <a:r>
+              <a:rPr kumimoji="1" lang="ja-JP" altLang="en-US" dirty="0" smtClean="0"/>
+              <a:t>する</a:t>
             </a:r>
             <a:r>
               <a:rPr kumimoji="1" lang="en-US" altLang="ja-JP" dirty="0" smtClean="0">
@@ -57991,7 +58009,15 @@
             </a:r>
             <a:r>
               <a:rPr lang="ja-JP" altLang="en-US" dirty="0" smtClean="0"/>
-              <a:t>で取得可能になる</a:t>
+              <a:t>で</a:t>
+            </a:r>
+            <a:r>
+              <a:rPr lang="ja-JP" altLang="en-US" smtClean="0"/>
+              <a:t>取得</a:t>
+            </a:r>
+            <a:r>
+              <a:rPr lang="ja-JP" altLang="en-US" smtClean="0"/>
+              <a:t>可能</a:t>
             </a:r>
             <a:endParaRPr kumimoji="1" lang="ja-JP" altLang="en-US" dirty="0"/>
           </a:p>

--- a/events/2020-04-16/01-URL-notification.pptx
+++ b/events/2020-04-16/01-URL-notification.pptx
@@ -209,7 +209,7 @@
             <a:fld id="{35305EB0-020F-4995-961E-A35B2BB78D2B}" type="datetimeFigureOut">
               <a:rPr kumimoji="1" lang="ja-JP" altLang="en-US" smtClean="0"/>
               <a:pPr/>
-              <a:t>2020/4/16</a:t>
+              <a:t>2020/4/23</a:t>
             </a:fld>
             <a:endParaRPr kumimoji="1" lang="ja-JP" altLang="en-US"/>
           </a:p>
@@ -54295,79 +54295,64 @@
           </a:p>
         </p:txBody>
       </p:sp>
-      <p:grpSp>
-        <p:nvGrpSpPr>
-          <p:cNvPr id="49" name="グループ化 48"/>
-          <p:cNvGrpSpPr/>
+      <p:pic>
+        <p:nvPicPr>
+          <p:cNvPr id="31" name="図 30" descr="utas-lite.png"/>
+          <p:cNvPicPr>
+            <a:picLocks noChangeAspect="1"/>
+          </p:cNvPicPr>
           <p:nvPr/>
-        </p:nvGrpSpPr>
-        <p:grpSpPr>
+        </p:nvPicPr>
+        <p:blipFill>
+          <a:blip r:embed="rId4" cstate="print"/>
+          <a:stretch>
+            <a:fillRect/>
+          </a:stretch>
+        </p:blipFill>
+        <p:spPr>
           <a:xfrm>
-            <a:off x="3851920" y="1331476"/>
-            <a:ext cx="1800200" cy="1738831"/>
-            <a:chOff x="3851920" y="1331476"/>
-            <a:chExt cx="1800200" cy="1738831"/>
+            <a:off x="3851920" y="1628800"/>
+            <a:ext cx="1800200" cy="1441507"/>
           </a:xfrm>
-        </p:grpSpPr>
-        <p:pic>
-          <p:nvPicPr>
-            <p:cNvPr id="31" name="図 30" descr="utas-lite.png"/>
-            <p:cNvPicPr>
-              <a:picLocks noChangeAspect="1"/>
-            </p:cNvPicPr>
-            <p:nvPr/>
-          </p:nvPicPr>
-          <p:blipFill>
-            <a:blip r:embed="rId4" cstate="print"/>
-            <a:stretch>
-              <a:fillRect/>
-            </a:stretch>
-          </p:blipFill>
-          <p:spPr>
-            <a:xfrm>
-              <a:off x="3851920" y="1628800"/>
-              <a:ext cx="1800200" cy="1441507"/>
-            </a:xfrm>
-            <a:prstGeom prst="rect">
-              <a:avLst/>
-            </a:prstGeom>
-          </p:spPr>
-        </p:pic>
-        <p:sp>
-          <p:nvSpPr>
-            <p:cNvPr id="32" name="テキスト ボックス 31"/>
-            <p:cNvSpPr txBox="1"/>
-            <p:nvPr/>
-          </p:nvSpPr>
-          <p:spPr>
-            <a:xfrm>
-              <a:off x="4139952" y="1331476"/>
-              <a:ext cx="1133965" cy="369332"/>
-            </a:xfrm>
-            <a:prstGeom prst="rect">
-              <a:avLst/>
-            </a:prstGeom>
-            <a:noFill/>
-          </p:spPr>
-          <p:txBody>
-            <a:bodyPr wrap="none" rtlCol="0">
-              <a:spAutoFit/>
-            </a:bodyPr>
-            <a:lstStyle/>
-            <a:p>
-              <a:r>
-                <a:rPr kumimoji="1" lang="en-US" altLang="ja-JP" dirty="0" smtClean="0"/>
-                <a:t>UTAS </a:t>
-              </a:r>
-              <a:r>
-                <a:rPr kumimoji="1" lang="en-US" altLang="ja-JP" dirty="0" err="1" smtClean="0"/>
-                <a:t>Lite</a:t>
-              </a:r>
-              <a:endParaRPr kumimoji="1" lang="ja-JP" altLang="en-US" dirty="0"/>
-            </a:p>
-          </p:txBody>
-        </p:sp>
-      </p:grpSp>
+          <a:prstGeom prst="rect">
+            <a:avLst/>
+          </a:prstGeom>
+        </p:spPr>
+      </p:pic>
+      <p:sp>
+        <p:nvSpPr>
+          <p:cNvPr id="32" name="テキスト ボックス 31"/>
+          <p:cNvSpPr txBox="1"/>
+          <p:nvPr/>
+        </p:nvSpPr>
+        <p:spPr>
+          <a:xfrm>
+            <a:off x="4139952" y="1331476"/>
+            <a:ext cx="1133965" cy="369332"/>
+          </a:xfrm>
+          <a:prstGeom prst="rect">
+            <a:avLst/>
+          </a:prstGeom>
+          <a:noFill/>
+        </p:spPr>
+        <p:txBody>
+          <a:bodyPr wrap="none" rtlCol="0">
+            <a:spAutoFit/>
+          </a:bodyPr>
+          <a:lstStyle/>
+          <a:p>
+            <a:r>
+              <a:rPr kumimoji="1" lang="en-US" altLang="ja-JP" dirty="0" smtClean="0"/>
+              <a:t>UTAS </a:t>
+            </a:r>
+            <a:r>
+              <a:rPr kumimoji="1" lang="en-US" altLang="ja-JP" dirty="0" err="1" smtClean="0"/>
+              <a:t>Lite</a:t>
+            </a:r>
+            <a:endParaRPr kumimoji="1" lang="ja-JP" altLang="en-US" dirty="0"/>
+          </a:p>
+        </p:txBody>
+      </p:sp>
       <p:sp>
         <p:nvSpPr>
           <p:cNvPr id="33" name="正方形/長方形 32"/>
@@ -54522,69 +54507,54 @@
           </a:fontRef>
         </p:style>
       </p:cxnSp>
-      <p:grpSp>
-        <p:nvGrpSpPr>
-          <p:cNvPr id="43" name="グループ化 42"/>
-          <p:cNvGrpSpPr/>
+      <p:pic>
+        <p:nvPicPr>
+          <p:cNvPr id="44" name="図 43" descr="house_danmen_1kai.png"/>
+          <p:cNvPicPr>
+            <a:picLocks noChangeAspect="1"/>
+          </p:cNvPicPr>
           <p:nvPr/>
-        </p:nvGrpSpPr>
-        <p:grpSpPr>
+        </p:nvPicPr>
+        <p:blipFill>
+          <a:blip r:embed="rId5" cstate="print"/>
+          <a:stretch>
+            <a:fillRect/>
+          </a:stretch>
+        </p:blipFill>
+        <p:spPr>
           <a:xfrm>
             <a:off x="323528" y="2564904"/>
             <a:ext cx="1353431" cy="936104"/>
-            <a:chOff x="1187624" y="2276872"/>
-            <a:chExt cx="1967835" cy="1361058"/>
           </a:xfrm>
-        </p:grpSpPr>
-        <p:pic>
-          <p:nvPicPr>
-            <p:cNvPr id="44" name="図 43" descr="house_danmen_1kai.png"/>
-            <p:cNvPicPr>
-              <a:picLocks noChangeAspect="1"/>
-            </p:cNvPicPr>
-            <p:nvPr/>
-          </p:nvPicPr>
-          <p:blipFill>
-            <a:blip r:embed="rId5" cstate="print"/>
-            <a:stretch>
-              <a:fillRect/>
-            </a:stretch>
-          </p:blipFill>
-          <p:spPr>
-            <a:xfrm>
-              <a:off x="1187624" y="2276872"/>
-              <a:ext cx="1967835" cy="1361058"/>
-            </a:xfrm>
-            <a:prstGeom prst="rect">
-              <a:avLst/>
-            </a:prstGeom>
-          </p:spPr>
-        </p:pic>
-        <p:pic>
-          <p:nvPicPr>
-            <p:cNvPr id="45" name="図 44" descr="character_girl_normal.png"/>
-            <p:cNvPicPr>
-              <a:picLocks noChangeAspect="1"/>
-            </p:cNvPicPr>
-            <p:nvPr/>
-          </p:nvPicPr>
-          <p:blipFill>
-            <a:blip r:embed="rId6" cstate="print"/>
-            <a:stretch>
-              <a:fillRect/>
-            </a:stretch>
-          </p:blipFill>
-          <p:spPr>
-            <a:xfrm>
-              <a:off x="1611189" y="2773834"/>
-              <a:ext cx="519834" cy="708050"/>
-            </a:xfrm>
-            <a:prstGeom prst="rect">
-              <a:avLst/>
-            </a:prstGeom>
-          </p:spPr>
-        </p:pic>
-      </p:grpSp>
+          <a:prstGeom prst="rect">
+            <a:avLst/>
+          </a:prstGeom>
+        </p:spPr>
+      </p:pic>
+      <p:pic>
+        <p:nvPicPr>
+          <p:cNvPr id="45" name="図 44" descr="character_girl_normal.png"/>
+          <p:cNvPicPr>
+            <a:picLocks noChangeAspect="1"/>
+          </p:cNvPicPr>
+          <p:nvPr/>
+        </p:nvPicPr>
+        <p:blipFill>
+          <a:blip r:embed="rId6" cstate="print"/>
+          <a:stretch>
+            <a:fillRect/>
+          </a:stretch>
+        </p:blipFill>
+        <p:spPr>
+          <a:xfrm>
+            <a:off x="614846" y="2906703"/>
+            <a:ext cx="357530" cy="486980"/>
+          </a:xfrm>
+          <a:prstGeom prst="rect">
+            <a:avLst/>
+          </a:prstGeom>
+        </p:spPr>
+      </p:pic>
       <p:cxnSp>
         <p:nvCxnSpPr>
           <p:cNvPr id="47" name="直線矢印コネクタ 46"/>
@@ -57965,11 +57935,7 @@
           <a:p>
             <a:r>
               <a:rPr lang="ja-JP" altLang="en-US" dirty="0" smtClean="0"/>
-              <a:t>「オンライン</a:t>
-            </a:r>
-            <a:r>
-              <a:rPr lang="ja-JP" altLang="en-US" dirty="0" smtClean="0"/>
-              <a:t>授業</a:t>
+              <a:t>「オンライン授業</a:t>
             </a:r>
             <a:r>
               <a:rPr lang="en-US" altLang="ja-JP" dirty="0" smtClean="0"/>
@@ -57981,11 +57947,7 @@
             </a:r>
             <a:r>
               <a:rPr kumimoji="1" lang="ja-JP" altLang="en-US" dirty="0" smtClean="0"/>
-              <a:t>後述</a:t>
-            </a:r>
-            <a:r>
-              <a:rPr kumimoji="1" lang="ja-JP" altLang="en-US" dirty="0" smtClean="0"/>
-              <a:t>する</a:t>
+              <a:t>後述する</a:t>
             </a:r>
             <a:r>
               <a:rPr kumimoji="1" lang="en-US" altLang="ja-JP" dirty="0" smtClean="0">
@@ -58013,11 +57975,7 @@
             </a:r>
             <a:r>
               <a:rPr lang="ja-JP" altLang="en-US" smtClean="0"/>
-              <a:t>取得</a:t>
-            </a:r>
-            <a:r>
-              <a:rPr lang="ja-JP" altLang="en-US" smtClean="0"/>
-              <a:t>可能</a:t>
+              <a:t>取得可能</a:t>
             </a:r>
             <a:endParaRPr kumimoji="1" lang="ja-JP" altLang="en-US" dirty="0"/>
           </a:p>
